--- a/datamining.pptx
+++ b/datamining.pptx
@@ -7,16 +7,24 @@
   <p:sldIdLst>
     <p:sldId id="256" r:id="rId2"/>
     <p:sldId id="257" r:id="rId3"/>
-    <p:sldId id="279" r:id="rId4"/>
-    <p:sldId id="260" r:id="rId5"/>
-    <p:sldId id="293" r:id="rId6"/>
-    <p:sldId id="294" r:id="rId7"/>
-    <p:sldId id="295" r:id="rId8"/>
-    <p:sldId id="296" r:id="rId9"/>
-    <p:sldId id="297" r:id="rId10"/>
-    <p:sldId id="298" r:id="rId11"/>
-    <p:sldId id="299" r:id="rId12"/>
-    <p:sldId id="261" r:id="rId13"/>
+    <p:sldId id="260" r:id="rId4"/>
+    <p:sldId id="293" r:id="rId5"/>
+    <p:sldId id="294" r:id="rId6"/>
+    <p:sldId id="301" r:id="rId7"/>
+    <p:sldId id="302" r:id="rId8"/>
+    <p:sldId id="300" r:id="rId9"/>
+    <p:sldId id="306" r:id="rId10"/>
+    <p:sldId id="307" r:id="rId11"/>
+    <p:sldId id="308" r:id="rId12"/>
+    <p:sldId id="303" r:id="rId13"/>
+    <p:sldId id="296" r:id="rId14"/>
+    <p:sldId id="295" r:id="rId15"/>
+    <p:sldId id="297" r:id="rId16"/>
+    <p:sldId id="298" r:id="rId17"/>
+    <p:sldId id="299" r:id="rId18"/>
+    <p:sldId id="304" r:id="rId19"/>
+    <p:sldId id="305" r:id="rId20"/>
+    <p:sldId id="261" r:id="rId21"/>
   </p:sldIdLst>
   <p:sldSz cx="12192000" cy="6858000"/>
   <p:notesSz cx="6858000" cy="9144000"/>
@@ -125,7 +133,7 @@
 
 <file path=ppt/commentAuthors.xml><?xml version="1.0" encoding="utf-8"?>
 <p:cmAuthorLst xmlns:a="http://schemas.openxmlformats.org/drawingml/2006/main" xmlns:r="http://schemas.openxmlformats.org/officeDocument/2006/relationships" xmlns:p="http://schemas.openxmlformats.org/presentationml/2006/main">
-  <p:cmAuthor id="1" name="user" initials="u" lastIdx="2" clrIdx="0">
+  <p:cmAuthor id="1" name="user" initials="u" lastIdx="3" clrIdx="0">
     <p:extLst>
       <p:ext uri="{19B8F6BF-5375-455C-9EA6-DF929625EA0E}">
         <p15:presenceInfo xmlns:p15="http://schemas.microsoft.com/office/powerpoint/2012/main" userId="user" providerId="None"/>
@@ -379,7 +387,7 @@
             <a:avLst/>
           </a:prstGeom>
           <a:solidFill>
-            <a:srgbClr val="2A9D8F"/>
+            <a:srgbClr val="197A89"/>
           </a:solidFill>
           <a:ln>
             <a:noFill/>
@@ -431,7 +439,7 @@
             <a:avLst/>
           </a:prstGeom>
           <a:solidFill>
-            <a:srgbClr val="E9C46A"/>
+            <a:srgbClr val="7EBDCE"/>
           </a:solidFill>
           <a:ln>
             <a:noFill/>
@@ -483,7 +491,7 @@
             <a:avLst/>
           </a:prstGeom>
           <a:solidFill>
-            <a:srgbClr val="F4A261"/>
+            <a:srgbClr val="CB5C2E"/>
           </a:solidFill>
           <a:ln>
             <a:noFill/>
@@ -535,7 +543,7 @@
             <a:avLst/>
           </a:prstGeom>
           <a:solidFill>
-            <a:srgbClr val="E76F51"/>
+            <a:srgbClr val="B7B8C0"/>
           </a:solidFill>
           <a:ln>
             <a:noFill/>
@@ -639,7 +647,7 @@
             <a:avLst/>
           </a:prstGeom>
           <a:solidFill>
-            <a:srgbClr val="2A9D8F"/>
+            <a:srgbClr val="197A89"/>
           </a:solidFill>
           <a:ln>
             <a:noFill/>
@@ -691,7 +699,7 @@
             <a:avLst/>
           </a:prstGeom>
           <a:solidFill>
-            <a:srgbClr val="E9C46A"/>
+            <a:srgbClr val="7EBDCE"/>
           </a:solidFill>
           <a:ln>
             <a:noFill/>
@@ -743,7 +751,7 @@
             <a:avLst/>
           </a:prstGeom>
           <a:solidFill>
-            <a:srgbClr val="F4A261"/>
+            <a:srgbClr val="CB5C2E"/>
           </a:solidFill>
           <a:ln>
             <a:noFill/>
@@ -795,7 +803,7 @@
             <a:avLst/>
           </a:prstGeom>
           <a:solidFill>
-            <a:srgbClr val="E76F51"/>
+            <a:srgbClr val="B7B8C0"/>
           </a:solidFill>
           <a:ln>
             <a:noFill/>
@@ -1232,7 +1240,7 @@
               <a:pPr>
                 <a:defRPr/>
               </a:pPr>
-              <a:t>2022/12/16</a:t>
+              <a:t>2022/12/17</a:t>
             </a:fld>
             <a:endParaRPr lang="zh-TW" altLang="en-US"/>
           </a:p>
@@ -1469,7 +1477,7 @@
           <a:p>
             <a:fld id="{008A215B-FB2D-431B-B262-7100998F9CF4}" type="datetimeFigureOut">
               <a:rPr lang="zh-TW" altLang="en-US" smtClean="0"/>
-              <a:t>2022/12/16</a:t>
+              <a:t>2022/12/17</a:t>
             </a:fld>
             <a:endParaRPr lang="zh-TW" altLang="en-US"/>
           </a:p>
@@ -1667,7 +1675,7 @@
           <a:p>
             <a:fld id="{008A215B-FB2D-431B-B262-7100998F9CF4}" type="datetimeFigureOut">
               <a:rPr lang="zh-TW" altLang="en-US" smtClean="0"/>
-              <a:t>2022/12/16</a:t>
+              <a:t>2022/12/17</a:t>
             </a:fld>
             <a:endParaRPr lang="zh-TW" altLang="en-US"/>
           </a:p>
@@ -1778,7 +1786,7 @@
             <a:avLst/>
           </a:prstGeom>
           <a:solidFill>
-            <a:srgbClr val="E9C46A"/>
+            <a:srgbClr val="DC8866"/>
           </a:solidFill>
           <a:ln>
             <a:noFill/>
@@ -1823,10 +1831,10 @@
       </p:sp>
       <p:sp>
         <p:nvSpPr>
-          <p:cNvPr id="9" name="矩形: 圓角 8">
-            <a:extLst>
-              <a:ext uri="{FF2B5EF4-FFF2-40B4-BE49-F238E27FC236}">
-                <a16:creationId xmlns:a16="http://schemas.microsoft.com/office/drawing/2014/main" id="{B6714BF0-E1C4-45EF-BCA9-8B21270D2701}"/>
+          <p:cNvPr id="19" name="矩形: 圓角 18">
+            <a:extLst>
+              <a:ext uri="{FF2B5EF4-FFF2-40B4-BE49-F238E27FC236}">
+                <a16:creationId xmlns:a16="http://schemas.microsoft.com/office/drawing/2014/main" id="{BF05BA33-76D3-445E-9AF3-F312C14F1884}"/>
               </a:ext>
             </a:extLst>
           </p:cNvPr>
@@ -1875,10 +1883,10 @@
       </p:sp>
       <p:sp>
         <p:nvSpPr>
-          <p:cNvPr id="10" name="矩形: 圓角 9">
-            <a:extLst>
-              <a:ext uri="{FF2B5EF4-FFF2-40B4-BE49-F238E27FC236}">
-                <a16:creationId xmlns:a16="http://schemas.microsoft.com/office/drawing/2014/main" id="{7E9A2505-048D-45EE-874C-A6D4C3BF4E7C}"/>
+          <p:cNvPr id="20" name="矩形: 圓角 19">
+            <a:extLst>
+              <a:ext uri="{FF2B5EF4-FFF2-40B4-BE49-F238E27FC236}">
+                <a16:creationId xmlns:a16="http://schemas.microsoft.com/office/drawing/2014/main" id="{6F457379-DF56-4D97-B125-F3C75ECC8B01}"/>
               </a:ext>
             </a:extLst>
           </p:cNvPr>
@@ -1894,7 +1902,7 @@
             <a:avLst/>
           </a:prstGeom>
           <a:solidFill>
-            <a:srgbClr val="2A9D8F"/>
+            <a:srgbClr val="197A89"/>
           </a:solidFill>
           <a:ln>
             <a:noFill/>
@@ -1927,10 +1935,10 @@
       </p:sp>
       <p:sp>
         <p:nvSpPr>
-          <p:cNvPr id="11" name="矩形: 圓角 10">
-            <a:extLst>
-              <a:ext uri="{FF2B5EF4-FFF2-40B4-BE49-F238E27FC236}">
-                <a16:creationId xmlns:a16="http://schemas.microsoft.com/office/drawing/2014/main" id="{E94BED7B-CCDE-4E8E-9988-9FC199EE1669}"/>
+          <p:cNvPr id="21" name="矩形: 圓角 20">
+            <a:extLst>
+              <a:ext uri="{FF2B5EF4-FFF2-40B4-BE49-F238E27FC236}">
+                <a16:creationId xmlns:a16="http://schemas.microsoft.com/office/drawing/2014/main" id="{753A8762-1277-433C-97B6-2E635ED4B7DB}"/>
               </a:ext>
             </a:extLst>
           </p:cNvPr>
@@ -1946,7 +1954,7 @@
             <a:avLst/>
           </a:prstGeom>
           <a:solidFill>
-            <a:srgbClr val="E9C46A"/>
+            <a:srgbClr val="7EBDCE"/>
           </a:solidFill>
           <a:ln>
             <a:noFill/>
@@ -1979,10 +1987,10 @@
       </p:sp>
       <p:sp>
         <p:nvSpPr>
-          <p:cNvPr id="12" name="矩形: 圓角 11">
-            <a:extLst>
-              <a:ext uri="{FF2B5EF4-FFF2-40B4-BE49-F238E27FC236}">
-                <a16:creationId xmlns:a16="http://schemas.microsoft.com/office/drawing/2014/main" id="{B3A18B75-2A76-461B-8E88-6B8927194635}"/>
+          <p:cNvPr id="22" name="矩形: 圓角 21">
+            <a:extLst>
+              <a:ext uri="{FF2B5EF4-FFF2-40B4-BE49-F238E27FC236}">
+                <a16:creationId xmlns:a16="http://schemas.microsoft.com/office/drawing/2014/main" id="{E4D43936-93F9-4BE1-B463-1945BFC96343}"/>
               </a:ext>
             </a:extLst>
           </p:cNvPr>
@@ -1998,7 +2006,7 @@
             <a:avLst/>
           </a:prstGeom>
           <a:solidFill>
-            <a:srgbClr val="F4A261"/>
+            <a:srgbClr val="CB5C2E"/>
           </a:solidFill>
           <a:ln>
             <a:noFill/>
@@ -2031,10 +2039,10 @@
       </p:sp>
       <p:sp>
         <p:nvSpPr>
-          <p:cNvPr id="13" name="矩形: 圓角 12">
-            <a:extLst>
-              <a:ext uri="{FF2B5EF4-FFF2-40B4-BE49-F238E27FC236}">
-                <a16:creationId xmlns:a16="http://schemas.microsoft.com/office/drawing/2014/main" id="{20B1B4CD-4330-4CA5-A59D-5516A5C09B48}"/>
+          <p:cNvPr id="23" name="矩形: 圓角 22">
+            <a:extLst>
+              <a:ext uri="{FF2B5EF4-FFF2-40B4-BE49-F238E27FC236}">
+                <a16:creationId xmlns:a16="http://schemas.microsoft.com/office/drawing/2014/main" id="{9A1DCCEF-AF42-42F0-90BA-2C560E522B94}"/>
               </a:ext>
             </a:extLst>
           </p:cNvPr>
@@ -2050,7 +2058,7 @@
             <a:avLst/>
           </a:prstGeom>
           <a:solidFill>
-            <a:srgbClr val="E76F51"/>
+            <a:srgbClr val="B7B8C0"/>
           </a:solidFill>
           <a:ln>
             <a:noFill/>
@@ -2083,10 +2091,10 @@
       </p:sp>
       <p:sp>
         <p:nvSpPr>
-          <p:cNvPr id="14" name="矩形: 圓角 13">
-            <a:extLst>
-              <a:ext uri="{FF2B5EF4-FFF2-40B4-BE49-F238E27FC236}">
-                <a16:creationId xmlns:a16="http://schemas.microsoft.com/office/drawing/2014/main" id="{E45A92BB-D665-4E10-9DF1-C695B8DD384E}"/>
+          <p:cNvPr id="24" name="矩形: 圓角 23">
+            <a:extLst>
+              <a:ext uri="{FF2B5EF4-FFF2-40B4-BE49-F238E27FC236}">
+                <a16:creationId xmlns:a16="http://schemas.microsoft.com/office/drawing/2014/main" id="{BFCA2412-8C33-415F-BA13-A44B1F066D2E}"/>
               </a:ext>
             </a:extLst>
           </p:cNvPr>
@@ -2135,10 +2143,10 @@
       </p:sp>
       <p:sp>
         <p:nvSpPr>
-          <p:cNvPr id="15" name="矩形: 圓角 14">
-            <a:extLst>
-              <a:ext uri="{FF2B5EF4-FFF2-40B4-BE49-F238E27FC236}">
-                <a16:creationId xmlns:a16="http://schemas.microsoft.com/office/drawing/2014/main" id="{8AA259FF-715D-429F-951C-690930FF3221}"/>
+          <p:cNvPr id="25" name="矩形: 圓角 24">
+            <a:extLst>
+              <a:ext uri="{FF2B5EF4-FFF2-40B4-BE49-F238E27FC236}">
+                <a16:creationId xmlns:a16="http://schemas.microsoft.com/office/drawing/2014/main" id="{B352C8EA-3117-4327-8730-631392407E78}"/>
               </a:ext>
             </a:extLst>
           </p:cNvPr>
@@ -2154,7 +2162,7 @@
             <a:avLst/>
           </a:prstGeom>
           <a:solidFill>
-            <a:srgbClr val="2A9D8F"/>
+            <a:srgbClr val="197A89"/>
           </a:solidFill>
           <a:ln>
             <a:noFill/>
@@ -2187,10 +2195,10 @@
       </p:sp>
       <p:sp>
         <p:nvSpPr>
-          <p:cNvPr id="16" name="矩形: 圓角 15">
-            <a:extLst>
-              <a:ext uri="{FF2B5EF4-FFF2-40B4-BE49-F238E27FC236}">
-                <a16:creationId xmlns:a16="http://schemas.microsoft.com/office/drawing/2014/main" id="{90A71064-778F-4C2F-8CED-5F233D6AC49E}"/>
+          <p:cNvPr id="26" name="矩形: 圓角 25">
+            <a:extLst>
+              <a:ext uri="{FF2B5EF4-FFF2-40B4-BE49-F238E27FC236}">
+                <a16:creationId xmlns:a16="http://schemas.microsoft.com/office/drawing/2014/main" id="{B810A31E-D5BF-4941-8C6C-9401DD448AF3}"/>
               </a:ext>
             </a:extLst>
           </p:cNvPr>
@@ -2206,7 +2214,7 @@
             <a:avLst/>
           </a:prstGeom>
           <a:solidFill>
-            <a:srgbClr val="E9C46A"/>
+            <a:srgbClr val="7EBDCE"/>
           </a:solidFill>
           <a:ln>
             <a:noFill/>
@@ -2239,10 +2247,10 @@
       </p:sp>
       <p:sp>
         <p:nvSpPr>
-          <p:cNvPr id="17" name="矩形: 圓角 16">
-            <a:extLst>
-              <a:ext uri="{FF2B5EF4-FFF2-40B4-BE49-F238E27FC236}">
-                <a16:creationId xmlns:a16="http://schemas.microsoft.com/office/drawing/2014/main" id="{D489CB15-5A6D-4AD7-AEDD-EF045AB7A748}"/>
+          <p:cNvPr id="27" name="矩形: 圓角 26">
+            <a:extLst>
+              <a:ext uri="{FF2B5EF4-FFF2-40B4-BE49-F238E27FC236}">
+                <a16:creationId xmlns:a16="http://schemas.microsoft.com/office/drawing/2014/main" id="{84EFBAF7-AD0C-4393-AEA0-5FC6CAB4BF41}"/>
               </a:ext>
             </a:extLst>
           </p:cNvPr>
@@ -2258,7 +2266,7 @@
             <a:avLst/>
           </a:prstGeom>
           <a:solidFill>
-            <a:srgbClr val="F4A261"/>
+            <a:srgbClr val="CB5C2E"/>
           </a:solidFill>
           <a:ln>
             <a:noFill/>
@@ -2291,10 +2299,10 @@
       </p:sp>
       <p:sp>
         <p:nvSpPr>
-          <p:cNvPr id="18" name="矩形: 圓角 17">
-            <a:extLst>
-              <a:ext uri="{FF2B5EF4-FFF2-40B4-BE49-F238E27FC236}">
-                <a16:creationId xmlns:a16="http://schemas.microsoft.com/office/drawing/2014/main" id="{0F3C2551-230F-48B0-870B-DEE9A3991682}"/>
+          <p:cNvPr id="28" name="矩形: 圓角 27">
+            <a:extLst>
+              <a:ext uri="{FF2B5EF4-FFF2-40B4-BE49-F238E27FC236}">
+                <a16:creationId xmlns:a16="http://schemas.microsoft.com/office/drawing/2014/main" id="{356C15FA-B299-487C-AE32-FAB3DD518210}"/>
               </a:ext>
             </a:extLst>
           </p:cNvPr>
@@ -2310,7 +2318,7 @@
             <a:avLst/>
           </a:prstGeom>
           <a:solidFill>
-            <a:srgbClr val="E76F51"/>
+            <a:srgbClr val="B7B8C0"/>
           </a:solidFill>
           <a:ln>
             <a:noFill/>
@@ -2557,36 +2565,6 @@
           </a:p>
         </p:txBody>
       </p:sp>
-      <p:pic>
-        <p:nvPicPr>
-          <p:cNvPr id="86" name="圖片 85">
-            <a:extLst>
-              <a:ext uri="{FF2B5EF4-FFF2-40B4-BE49-F238E27FC236}">
-                <a16:creationId xmlns:a16="http://schemas.microsoft.com/office/drawing/2014/main" id="{40E6BE77-C548-4267-8DE9-7D92D41FA605}"/>
-              </a:ext>
-            </a:extLst>
-          </p:cNvPr>
-          <p:cNvPicPr>
-            <a:picLocks noChangeAspect="1"/>
-          </p:cNvPicPr>
-          <p:nvPr userDrawn="1"/>
-        </p:nvPicPr>
-        <p:blipFill>
-          <a:blip r:embed="rId2"/>
-          <a:stretch>
-            <a:fillRect/>
-          </a:stretch>
-        </p:blipFill>
-        <p:spPr>
-          <a:xfrm>
-            <a:off x="12933975" y="1771914"/>
-            <a:ext cx="5695238" cy="4228571"/>
-          </a:xfrm>
-          <a:prstGeom prst="rect">
-            <a:avLst/>
-          </a:prstGeom>
-        </p:spPr>
-      </p:pic>
       <p:grpSp>
         <p:nvGrpSpPr>
           <p:cNvPr id="87" name="群組 86">
@@ -3527,7 +3505,7 @@
             <a:lvl1pPr algn="ctr">
               <a:defRPr b="1">
                 <a:solidFill>
-                  <a:srgbClr val="264653"/>
+                  <a:srgbClr val="063944"/>
                 </a:solidFill>
                 <a:latin typeface="Courier New" panose="02070309020205020404" pitchFamily="49" charset="0"/>
                 <a:cs typeface="Courier New" panose="02070309020205020404" pitchFamily="49" charset="0"/>
@@ -3564,7 +3542,7 @@
             <a:avLst/>
           </a:prstGeom>
           <a:solidFill>
-            <a:srgbClr val="2A9D8F"/>
+            <a:srgbClr val="197A89"/>
           </a:solidFill>
           <a:ln>
             <a:noFill/>
@@ -3665,7 +3643,7 @@
             <a:lvl1pPr algn="l">
               <a:defRPr sz="6000" b="1">
                 <a:solidFill>
-                  <a:srgbClr val="264653"/>
+                  <a:srgbClr val="063944"/>
                 </a:solidFill>
                 <a:latin typeface="Courier New" panose="02070309020205020404" pitchFamily="49" charset="0"/>
                 <a:cs typeface="Courier New" panose="02070309020205020404" pitchFamily="49" charset="0"/>
@@ -3701,7 +3679,7 @@
             <a:avLst/>
           </a:prstGeom>
           <a:solidFill>
-            <a:srgbClr val="2A9D8F"/>
+            <a:srgbClr val="197A89"/>
           </a:solidFill>
           <a:ln>
             <a:noFill/>
@@ -3753,7 +3731,7 @@
             <a:avLst/>
           </a:prstGeom>
           <a:solidFill>
-            <a:srgbClr val="E9C46A"/>
+            <a:srgbClr val="B7B8C0"/>
           </a:solidFill>
           <a:ln>
             <a:noFill/>
@@ -3805,7 +3783,7 @@
             <a:avLst/>
           </a:prstGeom>
           <a:solidFill>
-            <a:srgbClr val="E9C46A"/>
+            <a:srgbClr val="B7B8C0"/>
           </a:solidFill>
           <a:ln>
             <a:noFill/>
@@ -3857,7 +3835,7 @@
             <a:avLst/>
           </a:prstGeom>
           <a:solidFill>
-            <a:srgbClr val="E9C46A"/>
+            <a:srgbClr val="B7B8C0"/>
           </a:solidFill>
           <a:ln>
             <a:noFill/>
@@ -3909,7 +3887,7 @@
             <a:avLst/>
           </a:prstGeom>
           <a:solidFill>
-            <a:srgbClr val="E9C46A"/>
+            <a:srgbClr val="B7B8C0"/>
           </a:solidFill>
           <a:ln>
             <a:noFill/>
@@ -3961,7 +3939,7 @@
             <a:avLst/>
           </a:prstGeom>
           <a:solidFill>
-            <a:srgbClr val="E9C46A"/>
+            <a:srgbClr val="B7B8C0"/>
           </a:solidFill>
           <a:ln>
             <a:noFill/>
@@ -4209,7 +4187,7 @@
           <a:p>
             <a:fld id="{008A215B-FB2D-431B-B262-7100998F9CF4}" type="datetimeFigureOut">
               <a:rPr lang="zh-TW" altLang="en-US" smtClean="0"/>
-              <a:t>2022/12/16</a:t>
+              <a:t>2022/12/17</a:t>
             </a:fld>
             <a:endParaRPr lang="zh-TW" altLang="en-US"/>
           </a:p>
@@ -4621,7 +4599,7 @@
           <a:p>
             <a:fld id="{008A215B-FB2D-431B-B262-7100998F9CF4}" type="datetimeFigureOut">
               <a:rPr lang="zh-TW" altLang="en-US" smtClean="0"/>
-              <a:t>2022/12/16</a:t>
+              <a:t>2022/12/17</a:t>
             </a:fld>
             <a:endParaRPr lang="zh-TW" altLang="en-US"/>
           </a:p>
@@ -4762,7 +4740,7 @@
           <a:p>
             <a:fld id="{008A215B-FB2D-431B-B262-7100998F9CF4}" type="datetimeFigureOut">
               <a:rPr lang="zh-TW" altLang="en-US" smtClean="0"/>
-              <a:t>2022/12/16</a:t>
+              <a:t>2022/12/17</a:t>
             </a:fld>
             <a:endParaRPr lang="zh-TW" altLang="en-US"/>
           </a:p>
@@ -4875,7 +4853,7 @@
           <a:p>
             <a:fld id="{008A215B-FB2D-431B-B262-7100998F9CF4}" type="datetimeFigureOut">
               <a:rPr lang="zh-TW" altLang="en-US" smtClean="0"/>
-              <a:t>2022/12/16</a:t>
+              <a:t>2022/12/17</a:t>
             </a:fld>
             <a:endParaRPr lang="zh-TW" altLang="en-US"/>
           </a:p>
@@ -5186,7 +5164,7 @@
           <a:p>
             <a:fld id="{008A215B-FB2D-431B-B262-7100998F9CF4}" type="datetimeFigureOut">
               <a:rPr lang="zh-TW" altLang="en-US" smtClean="0"/>
-              <a:t>2022/12/16</a:t>
+              <a:t>2022/12/17</a:t>
             </a:fld>
             <a:endParaRPr lang="zh-TW" altLang="en-US"/>
           </a:p>
@@ -5427,7 +5405,7 @@
           <a:p>
             <a:fld id="{008A215B-FB2D-431B-B262-7100998F9CF4}" type="datetimeFigureOut">
               <a:rPr lang="zh-TW" altLang="en-US" smtClean="0"/>
-              <a:t>2022/12/16</a:t>
+              <a:t>2022/12/17</a:t>
             </a:fld>
             <a:endParaRPr lang="zh-TW" altLang="en-US"/>
           </a:p>
@@ -5870,22 +5848,34 @@
           <a:p>
             <a:r>
               <a:rPr kumimoji="1" lang="en-US" altLang="zh-TW" sz="6600" b="1" dirty="0">
+                <a:solidFill>
+                  <a:srgbClr val="063944"/>
+                </a:solidFill>
                 <a:ea typeface="Hiragino Sans GB W6" panose="020B0300000000000000" pitchFamily="34" charset="-128"/>
               </a:rPr>
               <a:t>Data Mining</a:t>
             </a:r>
             <a:br>
               <a:rPr kumimoji="1" lang="en-US" altLang="zh-TW" sz="6600" b="1" dirty="0">
+                <a:solidFill>
+                  <a:srgbClr val="063944"/>
+                </a:solidFill>
                 <a:ea typeface="Hiragino Sans GB W6" panose="020B0300000000000000" pitchFamily="34" charset="-128"/>
               </a:rPr>
             </a:br>
             <a:r>
               <a:rPr kumimoji="1" lang="en-US" altLang="zh-TW" sz="6600" b="1" dirty="0">
+                <a:solidFill>
+                  <a:srgbClr val="063944"/>
+                </a:solidFill>
                 <a:ea typeface="Hiragino Sans GB W6" panose="020B0300000000000000" pitchFamily="34" charset="-128"/>
               </a:rPr>
               <a:t>Term Project Presentation</a:t>
             </a:r>
             <a:endParaRPr kumimoji="1" lang="zh-TW" altLang="en-US" sz="6600" b="1" dirty="0">
+              <a:solidFill>
+                <a:srgbClr val="063944"/>
+              </a:solidFill>
               <a:ea typeface="Hiragino Sans GB W6" panose="020B0300000000000000" pitchFamily="34" charset="-128"/>
             </a:endParaRPr>
           </a:p>
@@ -5921,6 +5911,9 @@
           <a:p>
             <a:r>
               <a:rPr lang="zh-TW" altLang="en-US" spc="300" dirty="0">
+                <a:solidFill>
+                  <a:srgbClr val="063944"/>
+                </a:solidFill>
                 <a:latin typeface="微軟正黑體" panose="020B0604030504040204" pitchFamily="34" charset="-120"/>
                 <a:ea typeface="微軟正黑體" panose="020B0604030504040204" pitchFamily="34" charset="-120"/>
               </a:rPr>
@@ -5928,6 +5921,9 @@
             </a:r>
             <a:r>
               <a:rPr lang="en-US" altLang="zh-TW" spc="300" dirty="0">
+                <a:solidFill>
+                  <a:srgbClr val="063944"/>
+                </a:solidFill>
                 <a:latin typeface="微軟正黑體" panose="020B0604030504040204" pitchFamily="34" charset="-120"/>
                 <a:ea typeface="微軟正黑體" panose="020B0604030504040204" pitchFamily="34" charset="-120"/>
               </a:rPr>
@@ -5935,6 +5931,9 @@
             </a:r>
             <a:r>
               <a:rPr lang="zh-TW" altLang="en-US" spc="300" dirty="0">
+                <a:solidFill>
+                  <a:srgbClr val="063944"/>
+                </a:solidFill>
                 <a:latin typeface="微軟正黑體" panose="020B0604030504040204" pitchFamily="34" charset="-120"/>
                 <a:ea typeface="微軟正黑體" panose="020B0604030504040204" pitchFamily="34" charset="-120"/>
               </a:rPr>
@@ -5942,12 +5941,18 @@
             </a:r>
             <a:br>
               <a:rPr lang="en-US" altLang="zh-TW" spc="300" dirty="0">
+                <a:solidFill>
+                  <a:srgbClr val="063944"/>
+                </a:solidFill>
                 <a:latin typeface="微軟正黑體" panose="020B0604030504040204" pitchFamily="34" charset="-120"/>
                 <a:ea typeface="微軟正黑體" panose="020B0604030504040204" pitchFamily="34" charset="-120"/>
               </a:rPr>
             </a:br>
             <a:r>
               <a:rPr lang="zh-TW" altLang="en-US" spc="300" dirty="0">
+                <a:solidFill>
+                  <a:srgbClr val="063944"/>
+                </a:solidFill>
                 <a:latin typeface="微軟正黑體" panose="020B0604030504040204" pitchFamily="34" charset="-120"/>
                 <a:ea typeface="微軟正黑體" panose="020B0604030504040204" pitchFamily="34" charset="-120"/>
               </a:rPr>
@@ -5955,6 +5960,9 @@
             </a:r>
             <a:r>
               <a:rPr lang="en-US" altLang="zh-TW" spc="300" dirty="0">
+                <a:solidFill>
+                  <a:srgbClr val="063944"/>
+                </a:solidFill>
                 <a:latin typeface="微軟正黑體" panose="020B0604030504040204" pitchFamily="34" charset="-120"/>
                 <a:ea typeface="微軟正黑體" panose="020B0604030504040204" pitchFamily="34" charset="-120"/>
               </a:rPr>
@@ -5962,6 +5970,9 @@
             </a:r>
             <a:r>
               <a:rPr lang="zh-TW" altLang="en-US" spc="300" dirty="0">
+                <a:solidFill>
+                  <a:srgbClr val="063944"/>
+                </a:solidFill>
                 <a:latin typeface="微軟正黑體" panose="020B0604030504040204" pitchFamily="34" charset="-120"/>
                 <a:ea typeface="微軟正黑體" panose="020B0604030504040204" pitchFamily="34" charset="-120"/>
               </a:rPr>
@@ -6022,79 +6033,168 @@
           <a:lstStyle/>
           <a:p>
             <a:r>
-              <a:rPr lang="zh-TW" altLang="en-US" spc="300" dirty="0">
+              <a:rPr lang="en-US" altLang="zh-TW" spc="300" dirty="0">
                 <a:latin typeface="微軟正黑體" panose="020B0604030504040204" pitchFamily="34" charset="-120"/>
                 <a:ea typeface="微軟正黑體" panose="020B0604030504040204" pitchFamily="34" charset="-120"/>
               </a:rPr>
-              <a:t>資料集的介紹</a:t>
-            </a:r>
+              <a:t>SVM</a:t>
+            </a:r>
+            <a:endParaRPr lang="zh-TW" altLang="en-US" spc="300" dirty="0">
+              <a:latin typeface="微軟正黑體" panose="020B0604030504040204" pitchFamily="34" charset="-120"/>
+              <a:ea typeface="微軟正黑體" panose="020B0604030504040204" pitchFamily="34" charset="-120"/>
+            </a:endParaRPr>
           </a:p>
         </p:txBody>
       </p:sp>
       <p:pic>
         <p:nvPicPr>
-          <p:cNvPr id="5" name="圖片 4">
-            <a:extLst>
-              <a:ext uri="{FF2B5EF4-FFF2-40B4-BE49-F238E27FC236}">
-                <a16:creationId xmlns:a16="http://schemas.microsoft.com/office/drawing/2014/main" id="{95C49555-9F1C-46EA-8D47-C58A1E37A5F4}"/>
+          <p:cNvPr id="2050" name="Picture 2" descr="Support Vector Machine (SVM) Algorithm - Javatpoint">
+            <a:extLst>
+              <a:ext uri="{FF2B5EF4-FFF2-40B4-BE49-F238E27FC236}">
+                <a16:creationId xmlns:a16="http://schemas.microsoft.com/office/drawing/2014/main" id="{D295E3A1-9A5F-4509-9A88-5FF4522B4FC9}"/>
               </a:ext>
             </a:extLst>
           </p:cNvPr>
           <p:cNvPicPr>
-            <a:picLocks noChangeAspect="1"/>
+            <a:picLocks noChangeAspect="1" noChangeArrowheads="1"/>
           </p:cNvPicPr>
           <p:nvPr/>
         </p:nvPicPr>
         <p:blipFill>
-          <a:blip r:embed="rId2"/>
+          <a:blip r:embed="rId2">
+            <a:extLst>
+              <a:ext uri="{28A0092B-C50C-407E-A947-70E740481C1C}">
+                <a14:useLocalDpi xmlns:a14="http://schemas.microsoft.com/office/drawing/2010/main" val="0"/>
+              </a:ext>
+            </a:extLst>
+          </a:blip>
+          <a:srcRect/>
           <a:stretch>
             <a:fillRect/>
           </a:stretch>
         </p:blipFill>
-        <p:spPr>
-          <a:xfrm>
-            <a:off x="798897" y="2695148"/>
-            <a:ext cx="4449649" cy="3050532"/>
+        <p:spPr bwMode="auto">
+          <a:xfrm>
+            <a:off x="6705600" y="2319742"/>
+            <a:ext cx="4086225" cy="2724150"/>
           </a:xfrm>
           <a:prstGeom prst="rect">
             <a:avLst/>
           </a:prstGeom>
+          <a:noFill/>
+          <a:extLst>
+            <a:ext uri="{909E8E84-426E-40DD-AFC4-6F175D3DCCD1}">
+              <a14:hiddenFill xmlns:a14="http://schemas.microsoft.com/office/drawing/2010/main">
+                <a:solidFill>
+                  <a:srgbClr val="FFFFFF"/>
+                </a:solidFill>
+              </a14:hiddenFill>
+            </a:ext>
+          </a:extLst>
         </p:spPr>
       </p:pic>
-      <p:pic>
-        <p:nvPicPr>
-          <p:cNvPr id="6" name="圖片 5">
-            <a:extLst>
-              <a:ext uri="{FF2B5EF4-FFF2-40B4-BE49-F238E27FC236}">
-                <a16:creationId xmlns:a16="http://schemas.microsoft.com/office/drawing/2014/main" id="{29CBEEB8-A7EB-42F9-B154-C2A57ED952AB}"/>
-              </a:ext>
-            </a:extLst>
-          </p:cNvPr>
-          <p:cNvPicPr>
-            <a:picLocks noChangeAspect="1"/>
-          </p:cNvPicPr>
+      <p:sp>
+        <p:nvSpPr>
+          <p:cNvPr id="3" name="矩形 2">
+            <a:extLst>
+              <a:ext uri="{FF2B5EF4-FFF2-40B4-BE49-F238E27FC236}">
+                <a16:creationId xmlns:a16="http://schemas.microsoft.com/office/drawing/2014/main" id="{90D13A1C-F4B1-49A8-8C35-FFA6523315AE}"/>
+              </a:ext>
+            </a:extLst>
+          </p:cNvPr>
+          <p:cNvSpPr/>
           <p:nvPr/>
-        </p:nvPicPr>
-        <p:blipFill>
-          <a:blip r:embed="rId3"/>
-          <a:stretch>
-            <a:fillRect/>
-          </a:stretch>
-        </p:blipFill>
-        <p:spPr>
-          <a:xfrm>
-            <a:off x="6096000" y="2549968"/>
-            <a:ext cx="4908072" cy="3340891"/>
+        </p:nvSpPr>
+        <p:spPr>
+          <a:xfrm>
+            <a:off x="6096000" y="5153710"/>
+            <a:ext cx="6096000" cy="261610"/>
           </a:xfrm>
           <a:prstGeom prst="rect">
             <a:avLst/>
           </a:prstGeom>
         </p:spPr>
-      </p:pic>
+        <p:txBody>
+          <a:bodyPr>
+            <a:spAutoFit/>
+          </a:bodyPr>
+          <a:lstStyle/>
+          <a:p>
+            <a:r>
+              <a:rPr lang="en-US" altLang="zh-TW" sz="1100" dirty="0">
+                <a:solidFill>
+                  <a:srgbClr val="063944"/>
+                </a:solidFill>
+              </a:rPr>
+              <a:t>(photo from : </a:t>
+            </a:r>
+            <a:r>
+              <a:rPr lang="zh-TW" altLang="en-US" sz="1100" dirty="0">
+                <a:solidFill>
+                  <a:srgbClr val="063944"/>
+                </a:solidFill>
+              </a:rPr>
+              <a:t>https://www.javatpoint.com/machine-learning-support-vector-machine-algorithm</a:t>
+            </a:r>
+          </a:p>
+        </p:txBody>
+      </p:sp>
+      <p:sp>
+        <p:nvSpPr>
+          <p:cNvPr id="4" name="矩形 3">
+            <a:extLst>
+              <a:ext uri="{FF2B5EF4-FFF2-40B4-BE49-F238E27FC236}">
+                <a16:creationId xmlns:a16="http://schemas.microsoft.com/office/drawing/2014/main" id="{207DBA7C-E0AD-46FE-9073-F41EF3AE20C3}"/>
+              </a:ext>
+            </a:extLst>
+          </p:cNvPr>
+          <p:cNvSpPr/>
+          <p:nvPr/>
+        </p:nvSpPr>
+        <p:spPr>
+          <a:xfrm>
+            <a:off x="790575" y="3058227"/>
+            <a:ext cx="4295775" cy="923330"/>
+          </a:xfrm>
+          <a:prstGeom prst="rect">
+            <a:avLst/>
+          </a:prstGeom>
+        </p:spPr>
+        <p:txBody>
+          <a:bodyPr wrap="square">
+            <a:spAutoFit/>
+          </a:bodyPr>
+          <a:lstStyle/>
+          <a:p>
+            <a:r>
+              <a:rPr lang="en-US" altLang="zh-TW" spc="300" dirty="0">
+                <a:solidFill>
+                  <a:srgbClr val="063944"/>
+                </a:solidFill>
+                <a:latin typeface="Courier New" panose="02070309020205020404" pitchFamily="49" charset="0"/>
+                <a:ea typeface="微軟正黑體" panose="020B0604030504040204" pitchFamily="34" charset="-120"/>
+                <a:cs typeface="Courier New" panose="02070309020205020404" pitchFamily="49" charset="0"/>
+              </a:rPr>
+              <a:t>SVM</a:t>
+            </a:r>
+            <a:r>
+              <a:rPr lang="zh-TW" altLang="en-US" spc="300" dirty="0">
+                <a:solidFill>
+                  <a:srgbClr val="063944"/>
+                </a:solidFill>
+                <a:latin typeface="Courier New" panose="02070309020205020404" pitchFamily="49" charset="0"/>
+                <a:ea typeface="微軟正黑體" panose="020B0604030504040204" pitchFamily="34" charset="-120"/>
+                <a:cs typeface="Courier New" panose="02070309020205020404" pitchFamily="49" charset="0"/>
+              </a:rPr>
+              <a:t>就是將在低微度空間線性不可分的樣本映射到高維度空間去，找到一個超平面將這些樣本做有效</a:t>
+            </a:r>
+          </a:p>
+        </p:txBody>
+      </p:sp>
     </p:spTree>
     <p:extLst>
       <p:ext uri="{BB962C8B-B14F-4D97-AF65-F5344CB8AC3E}">
-        <p14:creationId xmlns:p14="http://schemas.microsoft.com/office/powerpoint/2010/main" val="4044237619"/>
+        <p14:creationId xmlns:p14="http://schemas.microsoft.com/office/powerpoint/2010/main" val="393944770"/>
       </p:ext>
     </p:extLst>
   </p:cSld>
@@ -6155,151 +6255,276 @@
           <a:lstStyle/>
           <a:p>
             <a:r>
-              <a:rPr lang="zh-TW" altLang="en-US" spc="300" dirty="0">
+              <a:rPr lang="en-US" altLang="zh-TW" spc="300" dirty="0">
                 <a:latin typeface="微軟正黑體" panose="020B0604030504040204" pitchFamily="34" charset="-120"/>
                 <a:ea typeface="微軟正黑體" panose="020B0604030504040204" pitchFamily="34" charset="-120"/>
               </a:rPr>
-              <a:t>資料集的介紹</a:t>
+              <a:t>KNN</a:t>
+            </a:r>
+            <a:endParaRPr lang="zh-TW" altLang="en-US" spc="300" dirty="0">
+              <a:latin typeface="微軟正黑體" panose="020B0604030504040204" pitchFamily="34" charset="-120"/>
+              <a:ea typeface="微軟正黑體" panose="020B0604030504040204" pitchFamily="34" charset="-120"/>
+            </a:endParaRPr>
+          </a:p>
+        </p:txBody>
+      </p:sp>
+      <p:sp>
+        <p:nvSpPr>
+          <p:cNvPr id="3" name="矩形 2">
+            <a:extLst>
+              <a:ext uri="{FF2B5EF4-FFF2-40B4-BE49-F238E27FC236}">
+                <a16:creationId xmlns:a16="http://schemas.microsoft.com/office/drawing/2014/main" id="{A2D858D5-7003-4521-99E6-474C0CAB6DA5}"/>
+              </a:ext>
+            </a:extLst>
+          </p:cNvPr>
+          <p:cNvSpPr/>
+          <p:nvPr/>
+        </p:nvSpPr>
+        <p:spPr>
+          <a:xfrm>
+            <a:off x="1028700" y="2426267"/>
+            <a:ext cx="3971925" cy="3139321"/>
+          </a:xfrm>
+          <a:prstGeom prst="rect">
+            <a:avLst/>
+          </a:prstGeom>
+        </p:spPr>
+        <p:txBody>
+          <a:bodyPr wrap="square">
+            <a:spAutoFit/>
+          </a:bodyPr>
+          <a:lstStyle/>
+          <a:p>
+            <a:r>
+              <a:rPr lang="en-US" altLang="zh-TW" spc="300" dirty="0">
+                <a:solidFill>
+                  <a:srgbClr val="063944"/>
+                </a:solidFill>
+                <a:latin typeface="Courier New" panose="02070309020205020404" pitchFamily="49" charset="0"/>
+                <a:ea typeface="微軟正黑體" panose="020B0604030504040204" pitchFamily="34" charset="-120"/>
+                <a:cs typeface="Courier New" panose="02070309020205020404" pitchFamily="49" charset="0"/>
+              </a:rPr>
+              <a:t>KNN</a:t>
+            </a:r>
+            <a:r>
+              <a:rPr lang="zh-TW" altLang="en-US" spc="300" dirty="0">
+                <a:solidFill>
+                  <a:srgbClr val="063944"/>
+                </a:solidFill>
+                <a:latin typeface="Courier New" panose="02070309020205020404" pitchFamily="49" charset="0"/>
+                <a:ea typeface="微軟正黑體" panose="020B0604030504040204" pitchFamily="34" charset="-120"/>
+                <a:cs typeface="Courier New" panose="02070309020205020404" pitchFamily="49" charset="0"/>
+              </a:rPr>
+              <a:t>屬於機器學習中的監督式學習</a:t>
+            </a:r>
+            <a:r>
+              <a:rPr lang="en-US" altLang="zh-TW" spc="300" dirty="0">
+                <a:solidFill>
+                  <a:srgbClr val="063944"/>
+                </a:solidFill>
+                <a:latin typeface="Courier New" panose="02070309020205020404" pitchFamily="49" charset="0"/>
+                <a:ea typeface="微軟正黑體" panose="020B0604030504040204" pitchFamily="34" charset="-120"/>
+                <a:cs typeface="Courier New" panose="02070309020205020404" pitchFamily="49" charset="0"/>
+              </a:rPr>
+              <a:t>(Supervised learning)</a:t>
+            </a:r>
+            <a:r>
+              <a:rPr lang="zh-TW" altLang="en-US" spc="300" dirty="0">
+                <a:solidFill>
+                  <a:srgbClr val="063944"/>
+                </a:solidFill>
+                <a:latin typeface="Courier New" panose="02070309020205020404" pitchFamily="49" charset="0"/>
+                <a:ea typeface="微軟正黑體" panose="020B0604030504040204" pitchFamily="34" charset="-120"/>
+                <a:cs typeface="Courier New" panose="02070309020205020404" pitchFamily="49" charset="0"/>
+              </a:rPr>
+              <a:t>，不過一般來說監督式學習是透過資料訓練</a:t>
+            </a:r>
+            <a:r>
+              <a:rPr lang="en-US" altLang="zh-TW" spc="300" dirty="0">
+                <a:solidFill>
+                  <a:srgbClr val="063944"/>
+                </a:solidFill>
+                <a:latin typeface="Courier New" panose="02070309020205020404" pitchFamily="49" charset="0"/>
+                <a:ea typeface="微軟正黑體" panose="020B0604030504040204" pitchFamily="34" charset="-120"/>
+                <a:cs typeface="Courier New" panose="02070309020205020404" pitchFamily="49" charset="0"/>
+              </a:rPr>
+              <a:t>(training)</a:t>
+            </a:r>
+            <a:r>
+              <a:rPr lang="zh-TW" altLang="en-US" spc="300" dirty="0">
+                <a:solidFill>
+                  <a:srgbClr val="063944"/>
+                </a:solidFill>
+                <a:latin typeface="Courier New" panose="02070309020205020404" pitchFamily="49" charset="0"/>
+                <a:ea typeface="微軟正黑體" panose="020B0604030504040204" pitchFamily="34" charset="-120"/>
+                <a:cs typeface="Courier New" panose="02070309020205020404" pitchFamily="49" charset="0"/>
+              </a:rPr>
+              <a:t>出一個</a:t>
+            </a:r>
+            <a:r>
+              <a:rPr lang="en-US" altLang="zh-TW" spc="300" dirty="0">
+                <a:solidFill>
+                  <a:srgbClr val="063944"/>
+                </a:solidFill>
+                <a:latin typeface="Courier New" panose="02070309020205020404" pitchFamily="49" charset="0"/>
+                <a:ea typeface="微軟正黑體" panose="020B0604030504040204" pitchFamily="34" charset="-120"/>
+                <a:cs typeface="Courier New" panose="02070309020205020404" pitchFamily="49" charset="0"/>
+              </a:rPr>
+              <a:t>model</a:t>
+            </a:r>
+            <a:r>
+              <a:rPr lang="zh-TW" altLang="en-US" spc="300" dirty="0">
+                <a:solidFill>
+                  <a:srgbClr val="063944"/>
+                </a:solidFill>
+                <a:latin typeface="Courier New" panose="02070309020205020404" pitchFamily="49" charset="0"/>
+                <a:ea typeface="微軟正黑體" panose="020B0604030504040204" pitchFamily="34" charset="-120"/>
+                <a:cs typeface="Courier New" panose="02070309020205020404" pitchFamily="49" charset="0"/>
+              </a:rPr>
+              <a:t>，但是在</a:t>
+            </a:r>
+            <a:r>
+              <a:rPr lang="en-US" altLang="zh-TW" spc="300" dirty="0">
+                <a:solidFill>
+                  <a:srgbClr val="063944"/>
+                </a:solidFill>
+                <a:latin typeface="Courier New" panose="02070309020205020404" pitchFamily="49" charset="0"/>
+                <a:ea typeface="微軟正黑體" panose="020B0604030504040204" pitchFamily="34" charset="-120"/>
+                <a:cs typeface="Courier New" panose="02070309020205020404" pitchFamily="49" charset="0"/>
+              </a:rPr>
+              <a:t>KNN</a:t>
+            </a:r>
+            <a:r>
+              <a:rPr lang="zh-TW" altLang="en-US" spc="300" dirty="0">
+                <a:solidFill>
+                  <a:srgbClr val="063944"/>
+                </a:solidFill>
+                <a:latin typeface="Courier New" panose="02070309020205020404" pitchFamily="49" charset="0"/>
+                <a:ea typeface="微軟正黑體" panose="020B0604030504040204" pitchFamily="34" charset="-120"/>
+                <a:cs typeface="Courier New" panose="02070309020205020404" pitchFamily="49" charset="0"/>
+              </a:rPr>
+              <a:t>其實並沒有做</a:t>
+            </a:r>
+            <a:r>
+              <a:rPr lang="en-US" altLang="zh-TW" spc="300" dirty="0">
+                <a:solidFill>
+                  <a:srgbClr val="063944"/>
+                </a:solidFill>
+                <a:latin typeface="Courier New" panose="02070309020205020404" pitchFamily="49" charset="0"/>
+                <a:ea typeface="微軟正黑體" panose="020B0604030504040204" pitchFamily="34" charset="-120"/>
+                <a:cs typeface="Courier New" panose="02070309020205020404" pitchFamily="49" charset="0"/>
+              </a:rPr>
+              <a:t>training</a:t>
+            </a:r>
+            <a:r>
+              <a:rPr lang="zh-TW" altLang="en-US" spc="300" dirty="0">
+                <a:solidFill>
+                  <a:srgbClr val="063944"/>
+                </a:solidFill>
+                <a:latin typeface="Courier New" panose="02070309020205020404" pitchFamily="49" charset="0"/>
+                <a:ea typeface="微軟正黑體" panose="020B0604030504040204" pitchFamily="34" charset="-120"/>
+                <a:cs typeface="Courier New" panose="02070309020205020404" pitchFamily="49" charset="0"/>
+              </a:rPr>
+              <a:t>的動作。</a:t>
+            </a:r>
+            <a:r>
+              <a:rPr lang="en-US" altLang="zh-TW" spc="300" dirty="0">
+                <a:solidFill>
+                  <a:srgbClr val="063944"/>
+                </a:solidFill>
+                <a:latin typeface="Courier New" panose="02070309020205020404" pitchFamily="49" charset="0"/>
+                <a:ea typeface="微軟正黑體" panose="020B0604030504040204" pitchFamily="34" charset="-120"/>
+                <a:cs typeface="Courier New" panose="02070309020205020404" pitchFamily="49" charset="0"/>
+              </a:rPr>
+              <a:t>KNN</a:t>
+            </a:r>
+            <a:r>
+              <a:rPr lang="zh-TW" altLang="en-US" spc="300" dirty="0">
+                <a:solidFill>
+                  <a:srgbClr val="063944"/>
+                </a:solidFill>
+                <a:latin typeface="Courier New" panose="02070309020205020404" pitchFamily="49" charset="0"/>
+                <a:ea typeface="微軟正黑體" panose="020B0604030504040204" pitchFamily="34" charset="-120"/>
+                <a:cs typeface="Courier New" panose="02070309020205020404" pitchFamily="49" charset="0"/>
+              </a:rPr>
+              <a:t>一般用來做資料的分類，如果你已經有一群分好類別的資料，後來加進去點就可以透過</a:t>
+            </a:r>
+            <a:r>
+              <a:rPr lang="en-US" altLang="zh-TW" spc="300" dirty="0">
+                <a:solidFill>
+                  <a:srgbClr val="063944"/>
+                </a:solidFill>
+                <a:latin typeface="Courier New" panose="02070309020205020404" pitchFamily="49" charset="0"/>
+                <a:ea typeface="微軟正黑體" panose="020B0604030504040204" pitchFamily="34" charset="-120"/>
+                <a:cs typeface="Courier New" panose="02070309020205020404" pitchFamily="49" charset="0"/>
+              </a:rPr>
+              <a:t>KNN</a:t>
+            </a:r>
+            <a:r>
+              <a:rPr lang="zh-TW" altLang="en-US" spc="300" dirty="0">
+                <a:solidFill>
+                  <a:srgbClr val="063944"/>
+                </a:solidFill>
+                <a:latin typeface="Courier New" panose="02070309020205020404" pitchFamily="49" charset="0"/>
+                <a:ea typeface="微軟正黑體" panose="020B0604030504040204" pitchFamily="34" charset="-120"/>
+                <a:cs typeface="Courier New" panose="02070309020205020404" pitchFamily="49" charset="0"/>
+              </a:rPr>
+              <a:t>的方式指定新增加資料的分類。</a:t>
             </a:r>
           </a:p>
         </p:txBody>
       </p:sp>
       <p:pic>
         <p:nvPicPr>
-          <p:cNvPr id="3" name="圖片 2">
-            <a:extLst>
-              <a:ext uri="{FF2B5EF4-FFF2-40B4-BE49-F238E27FC236}">
-                <a16:creationId xmlns:a16="http://schemas.microsoft.com/office/drawing/2014/main" id="{675F1205-98C9-4C2F-ABA4-A5B11A3FB0D1}"/>
+          <p:cNvPr id="3074" name="Picture 2" descr="ML入門（二十一）KNN與K-Means差異. 簡單回顧| by Chung-Yi | 程式設計之旅| Medium">
+            <a:extLst>
+              <a:ext uri="{FF2B5EF4-FFF2-40B4-BE49-F238E27FC236}">
+                <a16:creationId xmlns:a16="http://schemas.microsoft.com/office/drawing/2014/main" id="{60099548-1B95-4D6B-95C8-11D8079B8E7E}"/>
               </a:ext>
             </a:extLst>
           </p:cNvPr>
           <p:cNvPicPr>
-            <a:picLocks noChangeAspect="1"/>
+            <a:picLocks noChangeAspect="1" noChangeArrowheads="1"/>
           </p:cNvPicPr>
           <p:nvPr/>
         </p:nvPicPr>
         <p:blipFill>
-          <a:blip r:embed="rId2"/>
+          <a:blip r:embed="rId2">
+            <a:extLst>
+              <a:ext uri="{28A0092B-C50C-407E-A947-70E740481C1C}">
+                <a14:useLocalDpi xmlns:a14="http://schemas.microsoft.com/office/drawing/2010/main" val="0"/>
+              </a:ext>
+            </a:extLst>
+          </a:blip>
+          <a:srcRect/>
           <a:stretch>
             <a:fillRect/>
           </a:stretch>
         </p:blipFill>
-        <p:spPr>
-          <a:xfrm>
-            <a:off x="6316095" y="2066984"/>
-            <a:ext cx="4276190" cy="1371429"/>
-          </a:xfrm>
-          <a:prstGeom prst="rect">
-            <a:avLst/>
-          </a:prstGeom>
-        </p:spPr>
-      </p:pic>
-      <p:pic>
-        <p:nvPicPr>
-          <p:cNvPr id="4" name="圖片 3">
-            <a:extLst>
-              <a:ext uri="{FF2B5EF4-FFF2-40B4-BE49-F238E27FC236}">
-                <a16:creationId xmlns:a16="http://schemas.microsoft.com/office/drawing/2014/main" id="{2E35061E-ECBE-4D93-85E9-3B7FA57FF03C}"/>
-              </a:ext>
-            </a:extLst>
-          </p:cNvPr>
-          <p:cNvPicPr>
-            <a:picLocks noChangeAspect="1"/>
-          </p:cNvPicPr>
-          <p:nvPr/>
-        </p:nvPicPr>
-        <p:blipFill>
-          <a:blip r:embed="rId3"/>
-          <a:stretch>
-            <a:fillRect/>
-          </a:stretch>
-        </p:blipFill>
-        <p:spPr>
-          <a:xfrm>
-            <a:off x="6316095" y="4234214"/>
-            <a:ext cx="5335437" cy="1841217"/>
-          </a:xfrm>
-          <a:prstGeom prst="rect">
-            <a:avLst/>
-          </a:prstGeom>
-        </p:spPr>
-      </p:pic>
-      <p:sp>
-        <p:nvSpPr>
-          <p:cNvPr id="7" name="文字方塊 6">
-            <a:extLst>
-              <a:ext uri="{FF2B5EF4-FFF2-40B4-BE49-F238E27FC236}">
-                <a16:creationId xmlns:a16="http://schemas.microsoft.com/office/drawing/2014/main" id="{72A279CF-5495-4D82-A418-221FFB57EDA2}"/>
-              </a:ext>
-            </a:extLst>
-          </p:cNvPr>
-          <p:cNvSpPr txBox="1"/>
-          <p:nvPr/>
-        </p:nvSpPr>
-        <p:spPr>
-          <a:xfrm>
-            <a:off x="2050181" y="2066984"/>
-            <a:ext cx="2714324" cy="369332"/>
+        <p:spPr bwMode="auto">
+          <a:xfrm>
+            <a:off x="6391275" y="2567177"/>
+            <a:ext cx="4162425" cy="2857500"/>
           </a:xfrm>
           <a:prstGeom prst="rect">
             <a:avLst/>
           </a:prstGeom>
           <a:noFill/>
-        </p:spPr>
-        <p:txBody>
-          <a:bodyPr wrap="square" rtlCol="0">
-            <a:spAutoFit/>
-          </a:bodyPr>
-          <a:lstStyle/>
-          <a:p>
-            <a:r>
-              <a:rPr lang="en-US" altLang="zh-TW" dirty="0"/>
-              <a:t>SVM</a:t>
-            </a:r>
-            <a:endParaRPr lang="zh-TW" altLang="en-US" dirty="0"/>
-          </a:p>
-        </p:txBody>
-      </p:sp>
-      <p:sp>
-        <p:nvSpPr>
-          <p:cNvPr id="8" name="文字方塊 7">
-            <a:extLst>
-              <a:ext uri="{FF2B5EF4-FFF2-40B4-BE49-F238E27FC236}">
-                <a16:creationId xmlns:a16="http://schemas.microsoft.com/office/drawing/2014/main" id="{C502A168-DAEE-473B-8A60-884381E4F1C3}"/>
-              </a:ext>
-            </a:extLst>
-          </p:cNvPr>
-          <p:cNvSpPr txBox="1"/>
-          <p:nvPr/>
-        </p:nvSpPr>
-        <p:spPr>
-          <a:xfrm>
-            <a:off x="2135204" y="5107820"/>
-            <a:ext cx="2714324" cy="369332"/>
-          </a:xfrm>
-          <a:prstGeom prst="rect">
-            <a:avLst/>
-          </a:prstGeom>
-          <a:noFill/>
-        </p:spPr>
-        <p:txBody>
-          <a:bodyPr wrap="square" rtlCol="0">
-            <a:spAutoFit/>
-          </a:bodyPr>
-          <a:lstStyle/>
-          <a:p>
-            <a:r>
-              <a:rPr lang="en-US" altLang="zh-TW" dirty="0"/>
-              <a:t>KNN</a:t>
-            </a:r>
-            <a:endParaRPr lang="zh-TW" altLang="en-US" dirty="0"/>
-          </a:p>
-        </p:txBody>
-      </p:sp>
+          <a:extLst>
+            <a:ext uri="{909E8E84-426E-40DD-AFC4-6F175D3DCCD1}">
+              <a14:hiddenFill xmlns:a14="http://schemas.microsoft.com/office/drawing/2010/main">
+                <a:solidFill>
+                  <a:srgbClr val="FFFFFF"/>
+                </a:solidFill>
+              </a14:hiddenFill>
+            </a:ext>
+          </a:extLst>
+        </p:spPr>
+      </p:pic>
     </p:spTree>
     <p:extLst>
       <p:ext uri="{BB962C8B-B14F-4D97-AF65-F5344CB8AC3E}">
-        <p14:creationId xmlns:p14="http://schemas.microsoft.com/office/powerpoint/2010/main" val="62881160"/>
+        <p14:creationId xmlns:p14="http://schemas.microsoft.com/office/powerpoint/2010/main" val="2818325788"/>
       </p:ext>
     </p:extLst>
   </p:cSld>
@@ -6338,16 +6563,6104 @@
           <a:chExt cx="0" cy="0"/>
         </a:xfrm>
       </p:grpSpPr>
+      <p:sp>
+        <p:nvSpPr>
+          <p:cNvPr id="2" name="標題 1">
+            <a:extLst>
+              <a:ext uri="{FF2B5EF4-FFF2-40B4-BE49-F238E27FC236}">
+                <a16:creationId xmlns:a16="http://schemas.microsoft.com/office/drawing/2014/main" id="{B81AC892-6262-4DE5-97FC-25C4EE64C4B9}"/>
+              </a:ext>
+            </a:extLst>
+          </p:cNvPr>
+          <p:cNvSpPr>
+            <a:spLocks noGrp="1"/>
+          </p:cNvSpPr>
+          <p:nvPr>
+            <p:ph type="title"/>
+          </p:nvPr>
+        </p:nvSpPr>
+        <p:spPr>
+          <a:xfrm>
+            <a:off x="0" y="0"/>
+            <a:ext cx="12192000" cy="1325563"/>
+          </a:xfrm>
+          <a:solidFill>
+            <a:srgbClr val="197A89"/>
+          </a:solidFill>
+        </p:spPr>
+        <p:txBody>
+          <a:bodyPr/>
+          <a:lstStyle/>
+          <a:p>
+            <a:r>
+              <a:rPr lang="en-US" altLang="zh-TW" dirty="0">
+                <a:solidFill>
+                  <a:srgbClr val="FFFFFF"/>
+                </a:solidFill>
+              </a:rPr>
+              <a:t>CONTENT</a:t>
+            </a:r>
+            <a:endParaRPr lang="zh-TW" altLang="en-US" dirty="0">
+              <a:solidFill>
+                <a:srgbClr val="FFFFFF"/>
+              </a:solidFill>
+            </a:endParaRPr>
+          </a:p>
+        </p:txBody>
+      </p:sp>
+      <p:sp>
+        <p:nvSpPr>
+          <p:cNvPr id="7" name="文字方塊 6">
+            <a:extLst>
+              <a:ext uri="{FF2B5EF4-FFF2-40B4-BE49-F238E27FC236}">
+                <a16:creationId xmlns:a16="http://schemas.microsoft.com/office/drawing/2014/main" id="{C782779A-A9BD-4D74-B498-13CC878CA49B}"/>
+              </a:ext>
+            </a:extLst>
+          </p:cNvPr>
+          <p:cNvSpPr txBox="1"/>
+          <p:nvPr userDrawn="1"/>
+        </p:nvSpPr>
+        <p:spPr>
+          <a:xfrm>
+            <a:off x="3050607" y="1645634"/>
+            <a:ext cx="7236462" cy="646331"/>
+          </a:xfrm>
+          <a:prstGeom prst="rect">
+            <a:avLst/>
+          </a:prstGeom>
+          <a:noFill/>
+        </p:spPr>
+        <p:txBody>
+          <a:bodyPr wrap="square" rtlCol="0">
+            <a:spAutoFit/>
+          </a:bodyPr>
+          <a:lstStyle/>
+          <a:p>
+            <a:pPr algn="l"/>
+            <a:r>
+              <a:rPr lang="zh-TW" altLang="en-US" sz="3600" b="1" dirty="0">
+                <a:solidFill>
+                  <a:srgbClr val="063944"/>
+                </a:solidFill>
+                <a:latin typeface="微軟正黑體" panose="020B0604030504040204" pitchFamily="34" charset="-120"/>
+                <a:ea typeface="微軟正黑體" panose="020B0604030504040204" pitchFamily="34" charset="-120"/>
+                <a:cs typeface="Courier New" panose="02070309020205020404" pitchFamily="49" charset="0"/>
+              </a:rPr>
+              <a:t>資料集的介紹</a:t>
+            </a:r>
+          </a:p>
+        </p:txBody>
+      </p:sp>
+      <p:sp>
+        <p:nvSpPr>
+          <p:cNvPr id="11" name="文字方塊 10">
+            <a:extLst>
+              <a:ext uri="{FF2B5EF4-FFF2-40B4-BE49-F238E27FC236}">
+                <a16:creationId xmlns:a16="http://schemas.microsoft.com/office/drawing/2014/main" id="{3CE26CD4-E2CF-44E2-9C6F-106C9F9144BF}"/>
+              </a:ext>
+            </a:extLst>
+          </p:cNvPr>
+          <p:cNvSpPr txBox="1"/>
+          <p:nvPr userDrawn="1"/>
+        </p:nvSpPr>
+        <p:spPr>
+          <a:xfrm>
+            <a:off x="3050607" y="2673630"/>
+            <a:ext cx="7236462" cy="646331"/>
+          </a:xfrm>
+          <a:prstGeom prst="rect">
+            <a:avLst/>
+          </a:prstGeom>
+          <a:noFill/>
+        </p:spPr>
+        <p:txBody>
+          <a:bodyPr wrap="square" rtlCol="0">
+            <a:spAutoFit/>
+          </a:bodyPr>
+          <a:lstStyle/>
+          <a:p>
+            <a:pPr marL="0" marR="0" lvl="0" indent="0" algn="l" defTabSz="914400" rtl="0" eaLnBrk="1" fontAlgn="auto" latinLnBrk="0" hangingPunct="1">
+              <a:lnSpc>
+                <a:spcPct val="100000"/>
+              </a:lnSpc>
+              <a:spcBef>
+                <a:spcPts val="0"/>
+              </a:spcBef>
+              <a:spcAft>
+                <a:spcPts val="0"/>
+              </a:spcAft>
+              <a:buClrTx/>
+              <a:buSzTx/>
+              <a:buFontTx/>
+              <a:buNone/>
+              <a:tabLst/>
+              <a:defRPr/>
+            </a:pPr>
+            <a:r>
+              <a:rPr lang="zh-TW" altLang="en-US" sz="3600" b="1" dirty="0">
+                <a:solidFill>
+                  <a:srgbClr val="063944"/>
+                </a:solidFill>
+                <a:latin typeface="微軟正黑體" panose="020B0604030504040204" pitchFamily="34" charset="-120"/>
+                <a:ea typeface="微軟正黑體" panose="020B0604030504040204" pitchFamily="34" charset="-120"/>
+                <a:cs typeface="Courier New" panose="02070309020205020404" pitchFamily="49" charset="0"/>
+              </a:rPr>
+              <a:t>描述問題</a:t>
+            </a:r>
+          </a:p>
+        </p:txBody>
+      </p:sp>
+      <p:sp>
+        <p:nvSpPr>
+          <p:cNvPr id="15" name="文字方塊 14">
+            <a:extLst>
+              <a:ext uri="{FF2B5EF4-FFF2-40B4-BE49-F238E27FC236}">
+                <a16:creationId xmlns:a16="http://schemas.microsoft.com/office/drawing/2014/main" id="{5C005173-9968-4535-A86F-BBB692852391}"/>
+              </a:ext>
+            </a:extLst>
+          </p:cNvPr>
+          <p:cNvSpPr txBox="1"/>
+          <p:nvPr userDrawn="1"/>
+        </p:nvSpPr>
+        <p:spPr>
+          <a:xfrm>
+            <a:off x="3050607" y="3687693"/>
+            <a:ext cx="7400290" cy="646331"/>
+          </a:xfrm>
+          <a:prstGeom prst="rect">
+            <a:avLst/>
+          </a:prstGeom>
+          <a:noFill/>
+        </p:spPr>
+        <p:txBody>
+          <a:bodyPr wrap="square" rtlCol="0">
+            <a:spAutoFit/>
+          </a:bodyPr>
+          <a:lstStyle/>
+          <a:p>
+            <a:pPr algn="l"/>
+            <a:r>
+              <a:rPr lang="zh-TW" altLang="en-US" sz="3600" b="1" dirty="0">
+                <a:solidFill>
+                  <a:srgbClr val="063944"/>
+                </a:solidFill>
+                <a:latin typeface="微軟正黑體" panose="020B0604030504040204" pitchFamily="34" charset="-120"/>
+                <a:ea typeface="微軟正黑體" panose="020B0604030504040204" pitchFamily="34" charset="-120"/>
+                <a:cs typeface="Courier New" panose="02070309020205020404" pitchFamily="49" charset="0"/>
+              </a:rPr>
+              <a:t>研究方法</a:t>
+            </a:r>
+          </a:p>
+        </p:txBody>
+      </p:sp>
+      <p:sp>
+        <p:nvSpPr>
+          <p:cNvPr id="19" name="文字方塊 18">
+            <a:extLst>
+              <a:ext uri="{FF2B5EF4-FFF2-40B4-BE49-F238E27FC236}">
+                <a16:creationId xmlns:a16="http://schemas.microsoft.com/office/drawing/2014/main" id="{5FF07098-B576-4EA2-8D05-FE82D6152590}"/>
+              </a:ext>
+            </a:extLst>
+          </p:cNvPr>
+          <p:cNvSpPr txBox="1"/>
+          <p:nvPr userDrawn="1"/>
+        </p:nvSpPr>
+        <p:spPr>
+          <a:xfrm>
+            <a:off x="3050607" y="4654095"/>
+            <a:ext cx="7236462" cy="646331"/>
+          </a:xfrm>
+          <a:prstGeom prst="rect">
+            <a:avLst/>
+          </a:prstGeom>
+          <a:noFill/>
+        </p:spPr>
+        <p:txBody>
+          <a:bodyPr wrap="square" rtlCol="0">
+            <a:spAutoFit/>
+          </a:bodyPr>
+          <a:lstStyle/>
+          <a:p>
+            <a:pPr marL="0" marR="0" lvl="0" indent="0" algn="l" defTabSz="914400" rtl="0" eaLnBrk="1" fontAlgn="auto" latinLnBrk="0" hangingPunct="1">
+              <a:lnSpc>
+                <a:spcPct val="100000"/>
+              </a:lnSpc>
+              <a:spcBef>
+                <a:spcPts val="0"/>
+              </a:spcBef>
+              <a:spcAft>
+                <a:spcPts val="0"/>
+              </a:spcAft>
+              <a:buClrTx/>
+              <a:buSzTx/>
+              <a:buFontTx/>
+              <a:buNone/>
+              <a:tabLst/>
+              <a:defRPr/>
+            </a:pPr>
+            <a:r>
+              <a:rPr lang="zh-TW" altLang="en-US" sz="3600" b="1" dirty="0">
+                <a:solidFill>
+                  <a:srgbClr val="CB5C2E"/>
+                </a:solidFill>
+                <a:latin typeface="微軟正黑體" panose="020B0604030504040204" pitchFamily="34" charset="-120"/>
+                <a:ea typeface="微軟正黑體" panose="020B0604030504040204" pitchFamily="34" charset="-120"/>
+                <a:cs typeface="Courier New" panose="02070309020205020404" pitchFamily="49" charset="0"/>
+              </a:rPr>
+              <a:t>研究結果</a:t>
+            </a:r>
+          </a:p>
+        </p:txBody>
+      </p:sp>
+      <p:sp>
+        <p:nvSpPr>
+          <p:cNvPr id="23" name="文字方塊 22">
+            <a:extLst>
+              <a:ext uri="{FF2B5EF4-FFF2-40B4-BE49-F238E27FC236}">
+                <a16:creationId xmlns:a16="http://schemas.microsoft.com/office/drawing/2014/main" id="{7A8F2A93-7489-43ED-A87B-71E29B89CA26}"/>
+              </a:ext>
+            </a:extLst>
+          </p:cNvPr>
+          <p:cNvSpPr txBox="1"/>
+          <p:nvPr userDrawn="1"/>
+        </p:nvSpPr>
+        <p:spPr>
+          <a:xfrm>
+            <a:off x="3050607" y="5620497"/>
+            <a:ext cx="7236462" cy="646331"/>
+          </a:xfrm>
+          <a:prstGeom prst="rect">
+            <a:avLst/>
+          </a:prstGeom>
+          <a:noFill/>
+        </p:spPr>
+        <p:txBody>
+          <a:bodyPr wrap="square" rtlCol="0">
+            <a:spAutoFit/>
+          </a:bodyPr>
+          <a:lstStyle/>
+          <a:p>
+            <a:pPr algn="l"/>
+            <a:r>
+              <a:rPr lang="zh-TW" altLang="en-US" sz="3600" b="1" dirty="0">
+                <a:solidFill>
+                  <a:srgbClr val="063944"/>
+                </a:solidFill>
+                <a:latin typeface="微軟正黑體" panose="020B0604030504040204" pitchFamily="34" charset="-120"/>
+                <a:ea typeface="微軟正黑體" panose="020B0604030504040204" pitchFamily="34" charset="-120"/>
+                <a:cs typeface="Courier New" panose="02070309020205020404" pitchFamily="49" charset="0"/>
+              </a:rPr>
+              <a:t>結論</a:t>
+            </a:r>
+          </a:p>
+        </p:txBody>
+      </p:sp>
     </p:spTree>
     <p:extLst>
       <p:ext uri="{BB962C8B-B14F-4D97-AF65-F5344CB8AC3E}">
-        <p14:creationId xmlns:p14="http://schemas.microsoft.com/office/powerpoint/2010/main" val="1823434506"/>
+        <p14:creationId xmlns:p14="http://schemas.microsoft.com/office/powerpoint/2010/main" val="115269162"/>
       </p:ext>
     </p:extLst>
   </p:cSld>
   <p:clrMapOvr>
     <a:masterClrMapping/>
   </p:clrMapOvr>
+  <mc:AlternateContent xmlns:mc="http://schemas.openxmlformats.org/markup-compatibility/2006" xmlns:p14="http://schemas.microsoft.com/office/powerpoint/2010/main">
+    <mc:Choice Requires="p14">
+      <p:transition spd="med" p14:dur="700">
+        <p:fade/>
+      </p:transition>
+    </mc:Choice>
+    <mc:Fallback xmlns="">
+      <p:transition spd="med">
+        <p:fade/>
+      </p:transition>
+    </mc:Fallback>
+  </mc:AlternateContent>
+</p:sld>
+</file>
+
+<file path=ppt/slides/slide13.xml><?xml version="1.0" encoding="utf-8"?>
+<p:sld xmlns:a="http://schemas.openxmlformats.org/drawingml/2006/main" xmlns:r="http://schemas.openxmlformats.org/officeDocument/2006/relationships" xmlns:p="http://schemas.openxmlformats.org/presentationml/2006/main">
+  <p:cSld>
+    <p:spTree>
+      <p:nvGrpSpPr>
+        <p:cNvPr id="1" name=""/>
+        <p:cNvGrpSpPr/>
+        <p:nvPr/>
+      </p:nvGrpSpPr>
+      <p:grpSpPr>
+        <a:xfrm>
+          <a:off x="0" y="0"/>
+          <a:ext cx="0" cy="0"/>
+          <a:chOff x="0" y="0"/>
+          <a:chExt cx="0" cy="0"/>
+        </a:xfrm>
+      </p:grpSpPr>
+      <p:sp>
+        <p:nvSpPr>
+          <p:cNvPr id="2" name="標題 1">
+            <a:extLst>
+              <a:ext uri="{FF2B5EF4-FFF2-40B4-BE49-F238E27FC236}">
+                <a16:creationId xmlns:a16="http://schemas.microsoft.com/office/drawing/2014/main" id="{F6874B10-73B0-4245-BAC9-B2873DDEBE63}"/>
+              </a:ext>
+            </a:extLst>
+          </p:cNvPr>
+          <p:cNvSpPr>
+            <a:spLocks noGrp="1"/>
+          </p:cNvSpPr>
+          <p:nvPr>
+            <p:ph type="title"/>
+          </p:nvPr>
+        </p:nvSpPr>
+        <p:spPr/>
+        <p:txBody>
+          <a:bodyPr/>
+          <a:lstStyle/>
+          <a:p>
+            <a:r>
+              <a:rPr lang="en-US" altLang="zh-TW" spc="300" dirty="0">
+                <a:latin typeface="微軟正黑體" panose="020B0604030504040204" pitchFamily="34" charset="-120"/>
+                <a:ea typeface="微軟正黑體" panose="020B0604030504040204" pitchFamily="34" charset="-120"/>
+              </a:rPr>
+              <a:t>Gini</a:t>
+            </a:r>
+            <a:r>
+              <a:rPr lang="zh-TW" altLang="en-US" spc="300" dirty="0">
+                <a:latin typeface="微軟正黑體" panose="020B0604030504040204" pitchFamily="34" charset="-120"/>
+                <a:ea typeface="微軟正黑體" panose="020B0604030504040204" pitchFamily="34" charset="-120"/>
+              </a:rPr>
+              <a:t>決策樹</a:t>
+            </a:r>
+          </a:p>
+        </p:txBody>
+      </p:sp>
+      <p:sp>
+        <p:nvSpPr>
+          <p:cNvPr id="4" name="矩形 3">
+            <a:extLst>
+              <a:ext uri="{FF2B5EF4-FFF2-40B4-BE49-F238E27FC236}">
+                <a16:creationId xmlns:a16="http://schemas.microsoft.com/office/drawing/2014/main" id="{04A4D5C6-D337-4A0E-896B-5B39C91BB673}"/>
+              </a:ext>
+            </a:extLst>
+          </p:cNvPr>
+          <p:cNvSpPr/>
+          <p:nvPr/>
+        </p:nvSpPr>
+        <p:spPr>
+          <a:xfrm>
+            <a:off x="5133352" y="1412028"/>
+            <a:ext cx="1710562" cy="888623"/>
+          </a:xfrm>
+          <a:prstGeom prst="rect">
+            <a:avLst/>
+          </a:prstGeom>
+          <a:solidFill>
+            <a:srgbClr val="4FA5BD"/>
+          </a:solidFill>
+          <a:ln>
+            <a:solidFill>
+              <a:srgbClr val="063944"/>
+            </a:solidFill>
+          </a:ln>
+        </p:spPr>
+        <p:style>
+          <a:lnRef idx="2">
+            <a:schemeClr val="accent1">
+              <a:shade val="50000"/>
+            </a:schemeClr>
+          </a:lnRef>
+          <a:fillRef idx="1">
+            <a:schemeClr val="accent1"/>
+          </a:fillRef>
+          <a:effectRef idx="0">
+            <a:schemeClr val="accent1"/>
+          </a:effectRef>
+          <a:fontRef idx="minor">
+            <a:schemeClr val="lt1"/>
+          </a:fontRef>
+        </p:style>
+        <p:txBody>
+          <a:bodyPr rtlCol="0" anchor="ctr"/>
+          <a:lstStyle/>
+          <a:p>
+            <a:pPr algn="ctr"/>
+            <a:r>
+              <a:rPr lang="en-US" altLang="zh-TW" sz="1200" dirty="0">
+                <a:solidFill>
+                  <a:schemeClr val="bg1"/>
+                </a:solidFill>
+              </a:rPr>
+              <a:t>Age&lt;=42.5</a:t>
+            </a:r>
+          </a:p>
+          <a:p>
+            <a:pPr algn="ctr"/>
+            <a:r>
+              <a:rPr lang="en-US" altLang="zh-TW" sz="1200" dirty="0" err="1">
+                <a:solidFill>
+                  <a:schemeClr val="bg1"/>
+                </a:solidFill>
+              </a:rPr>
+              <a:t>gini</a:t>
+            </a:r>
+            <a:r>
+              <a:rPr lang="en-US" altLang="zh-TW" sz="1200" dirty="0">
+                <a:solidFill>
+                  <a:schemeClr val="bg1"/>
+                </a:solidFill>
+              </a:rPr>
+              <a:t> = 0.322</a:t>
+            </a:r>
+          </a:p>
+          <a:p>
+            <a:pPr algn="ctr"/>
+            <a:r>
+              <a:rPr lang="en-US" altLang="zh-TW" sz="1200" dirty="0">
+                <a:solidFill>
+                  <a:schemeClr val="bg1"/>
+                </a:solidFill>
+              </a:rPr>
+              <a:t>Samples = 8000</a:t>
+            </a:r>
+          </a:p>
+          <a:p>
+            <a:pPr algn="ctr"/>
+            <a:r>
+              <a:rPr lang="en-US" altLang="zh-TW" sz="1200" dirty="0">
+                <a:solidFill>
+                  <a:schemeClr val="bg1"/>
+                </a:solidFill>
+              </a:rPr>
+              <a:t>Value = [6387,1613]</a:t>
+            </a:r>
+          </a:p>
+          <a:p>
+            <a:pPr algn="ctr"/>
+            <a:r>
+              <a:rPr lang="en-US" altLang="zh-TW" sz="1200" dirty="0">
+                <a:solidFill>
+                  <a:schemeClr val="bg1"/>
+                </a:solidFill>
+              </a:rPr>
+              <a:t>Class = 1</a:t>
+            </a:r>
+            <a:endParaRPr lang="zh-TW" altLang="en-US" sz="1200" dirty="0">
+              <a:solidFill>
+                <a:schemeClr val="bg1"/>
+              </a:solidFill>
+            </a:endParaRPr>
+          </a:p>
+        </p:txBody>
+      </p:sp>
+      <p:sp>
+        <p:nvSpPr>
+          <p:cNvPr id="5" name="矩形 4">
+            <a:extLst>
+              <a:ext uri="{FF2B5EF4-FFF2-40B4-BE49-F238E27FC236}">
+                <a16:creationId xmlns:a16="http://schemas.microsoft.com/office/drawing/2014/main" id="{C9A1A682-DC4D-48E9-86A5-0EF9E98D2A0E}"/>
+              </a:ext>
+            </a:extLst>
+          </p:cNvPr>
+          <p:cNvSpPr/>
+          <p:nvPr/>
+        </p:nvSpPr>
+        <p:spPr>
+          <a:xfrm>
+            <a:off x="2245799" y="2770904"/>
+            <a:ext cx="1710561" cy="1017711"/>
+          </a:xfrm>
+          <a:prstGeom prst="rect">
+            <a:avLst/>
+          </a:prstGeom>
+          <a:solidFill>
+            <a:srgbClr val="7EBDCE"/>
+          </a:solidFill>
+          <a:ln>
+            <a:solidFill>
+              <a:srgbClr val="418D91"/>
+            </a:solidFill>
+          </a:ln>
+        </p:spPr>
+        <p:style>
+          <a:lnRef idx="2">
+            <a:schemeClr val="accent1">
+              <a:shade val="50000"/>
+            </a:schemeClr>
+          </a:lnRef>
+          <a:fillRef idx="1">
+            <a:schemeClr val="accent1"/>
+          </a:fillRef>
+          <a:effectRef idx="0">
+            <a:schemeClr val="accent1"/>
+          </a:effectRef>
+          <a:fontRef idx="minor">
+            <a:schemeClr val="lt1"/>
+          </a:fontRef>
+        </p:style>
+        <p:txBody>
+          <a:bodyPr rtlCol="0" anchor="ctr"/>
+          <a:lstStyle/>
+          <a:p>
+            <a:pPr algn="ctr"/>
+            <a:r>
+              <a:rPr lang="en-US" altLang="zh-TW" sz="1100" dirty="0" err="1"/>
+              <a:t>products_number</a:t>
+            </a:r>
+            <a:r>
+              <a:rPr lang="en-US" altLang="zh-TW" sz="1100" dirty="0"/>
+              <a:t> &lt;= 2.5</a:t>
+            </a:r>
+          </a:p>
+          <a:p>
+            <a:pPr algn="ctr"/>
+            <a:r>
+              <a:rPr lang="en-US" altLang="zh-TW" sz="1100" dirty="0" err="1"/>
+              <a:t>gini</a:t>
+            </a:r>
+            <a:r>
+              <a:rPr lang="en-US" altLang="zh-TW" sz="1100" dirty="0"/>
+              <a:t> = 0.209</a:t>
+            </a:r>
+          </a:p>
+          <a:p>
+            <a:pPr algn="ctr"/>
+            <a:r>
+              <a:rPr lang="en-US" altLang="zh-TW" sz="1100" dirty="0"/>
+              <a:t>samples = 5688</a:t>
+            </a:r>
+          </a:p>
+          <a:p>
+            <a:pPr algn="ctr"/>
+            <a:r>
+              <a:rPr lang="en-US" altLang="zh-TW" sz="1100" dirty="0"/>
+              <a:t>value = [5014,674]</a:t>
+            </a:r>
+          </a:p>
+          <a:p>
+            <a:pPr algn="ctr"/>
+            <a:r>
+              <a:rPr lang="en-US" altLang="zh-TW" sz="1100" dirty="0"/>
+              <a:t>Class = 1</a:t>
+            </a:r>
+            <a:endParaRPr lang="zh-TW" altLang="en-US" sz="1100" dirty="0"/>
+          </a:p>
+        </p:txBody>
+      </p:sp>
+      <p:sp>
+        <p:nvSpPr>
+          <p:cNvPr id="7" name="矩形 6">
+            <a:extLst>
+              <a:ext uri="{FF2B5EF4-FFF2-40B4-BE49-F238E27FC236}">
+                <a16:creationId xmlns:a16="http://schemas.microsoft.com/office/drawing/2014/main" id="{CE2E24E1-6962-4CF3-8BC9-B6C0477AE114}"/>
+              </a:ext>
+            </a:extLst>
+          </p:cNvPr>
+          <p:cNvSpPr/>
+          <p:nvPr/>
+        </p:nvSpPr>
+        <p:spPr>
+          <a:xfrm>
+            <a:off x="8404538" y="2770903"/>
+            <a:ext cx="1710562" cy="1017711"/>
+          </a:xfrm>
+          <a:prstGeom prst="rect">
+            <a:avLst/>
+          </a:prstGeom>
+          <a:solidFill>
+            <a:srgbClr val="4FA5BD"/>
+          </a:solidFill>
+          <a:ln>
+            <a:solidFill>
+              <a:srgbClr val="418D91"/>
+            </a:solidFill>
+          </a:ln>
+        </p:spPr>
+        <p:style>
+          <a:lnRef idx="2">
+            <a:schemeClr val="accent1">
+              <a:shade val="50000"/>
+            </a:schemeClr>
+          </a:lnRef>
+          <a:fillRef idx="1">
+            <a:schemeClr val="accent1"/>
+          </a:fillRef>
+          <a:effectRef idx="0">
+            <a:schemeClr val="accent1"/>
+          </a:effectRef>
+          <a:fontRef idx="minor">
+            <a:schemeClr val="lt1"/>
+          </a:fontRef>
+        </p:style>
+        <p:txBody>
+          <a:bodyPr rtlCol="0" anchor="ctr"/>
+          <a:lstStyle/>
+          <a:p>
+            <a:pPr algn="ctr"/>
+            <a:r>
+              <a:rPr lang="en-US" altLang="zh-TW" sz="1200" dirty="0" err="1"/>
+              <a:t>activate_member</a:t>
+            </a:r>
+            <a:r>
+              <a:rPr lang="en-US" altLang="zh-TW" sz="1200" dirty="0"/>
+              <a:t>&lt;= 0.5</a:t>
+            </a:r>
+          </a:p>
+          <a:p>
+            <a:pPr algn="ctr"/>
+            <a:r>
+              <a:rPr lang="en-US" altLang="zh-TW" sz="1200" dirty="0" err="1"/>
+              <a:t>gini</a:t>
+            </a:r>
+            <a:r>
+              <a:rPr lang="en-US" altLang="zh-TW" sz="1200" dirty="0"/>
+              <a:t> = 0.482</a:t>
+            </a:r>
+          </a:p>
+          <a:p>
+            <a:pPr algn="ctr"/>
+            <a:r>
+              <a:rPr lang="en-US" altLang="zh-TW" sz="1200" dirty="0"/>
+              <a:t>samples = 2312</a:t>
+            </a:r>
+          </a:p>
+          <a:p>
+            <a:pPr algn="ctr"/>
+            <a:r>
+              <a:rPr lang="en-US" altLang="zh-TW" sz="1200" dirty="0"/>
+              <a:t>value = [1373,939]</a:t>
+            </a:r>
+          </a:p>
+          <a:p>
+            <a:pPr algn="ctr"/>
+            <a:r>
+              <a:rPr lang="en-US" altLang="zh-TW" sz="1200" dirty="0"/>
+              <a:t>Class = 1</a:t>
+            </a:r>
+            <a:endParaRPr lang="zh-TW" altLang="en-US" sz="1200" dirty="0"/>
+          </a:p>
+        </p:txBody>
+      </p:sp>
+      <p:sp>
+        <p:nvSpPr>
+          <p:cNvPr id="8" name="矩形 7">
+            <a:extLst>
+              <a:ext uri="{FF2B5EF4-FFF2-40B4-BE49-F238E27FC236}">
+                <a16:creationId xmlns:a16="http://schemas.microsoft.com/office/drawing/2014/main" id="{8827FAD1-9534-46A9-A2D4-C0BAB399E392}"/>
+              </a:ext>
+            </a:extLst>
+          </p:cNvPr>
+          <p:cNvSpPr/>
+          <p:nvPr/>
+        </p:nvSpPr>
+        <p:spPr>
+          <a:xfrm>
+            <a:off x="730515" y="4218743"/>
+            <a:ext cx="1710561" cy="1019048"/>
+          </a:xfrm>
+          <a:prstGeom prst="rect">
+            <a:avLst/>
+          </a:prstGeom>
+          <a:solidFill>
+            <a:srgbClr val="7EBDCE"/>
+          </a:solidFill>
+          <a:ln>
+            <a:solidFill>
+              <a:srgbClr val="418D91"/>
+            </a:solidFill>
+          </a:ln>
+        </p:spPr>
+        <p:style>
+          <a:lnRef idx="2">
+            <a:schemeClr val="accent1">
+              <a:shade val="50000"/>
+            </a:schemeClr>
+          </a:lnRef>
+          <a:fillRef idx="1">
+            <a:schemeClr val="accent1"/>
+          </a:fillRef>
+          <a:effectRef idx="0">
+            <a:schemeClr val="accent1"/>
+          </a:effectRef>
+          <a:fontRef idx="minor">
+            <a:schemeClr val="lt1"/>
+          </a:fontRef>
+        </p:style>
+        <p:txBody>
+          <a:bodyPr rtlCol="0" anchor="ctr"/>
+          <a:lstStyle/>
+          <a:p>
+            <a:pPr algn="ctr"/>
+            <a:r>
+              <a:rPr lang="en-US" altLang="zh-TW" sz="1200" dirty="0" err="1"/>
+              <a:t>products_number</a:t>
+            </a:r>
+            <a:r>
+              <a:rPr lang="en-US" altLang="zh-TW" sz="1200" dirty="0"/>
+              <a:t> &lt;= 1.5</a:t>
+            </a:r>
+          </a:p>
+          <a:p>
+            <a:pPr algn="ctr"/>
+            <a:r>
+              <a:rPr lang="en-US" altLang="zh-TW" sz="1200" dirty="0" err="1"/>
+              <a:t>gini</a:t>
+            </a:r>
+            <a:r>
+              <a:rPr lang="en-US" altLang="zh-TW" sz="1200" dirty="0"/>
+              <a:t> = 0.186</a:t>
+            </a:r>
+          </a:p>
+          <a:p>
+            <a:pPr algn="ctr"/>
+            <a:r>
+              <a:rPr lang="en-US" altLang="zh-TW" sz="1200" dirty="0"/>
+              <a:t>samples = 5556</a:t>
+            </a:r>
+          </a:p>
+          <a:p>
+            <a:pPr algn="ctr"/>
+            <a:r>
+              <a:rPr lang="en-US" altLang="zh-TW" sz="1200" dirty="0"/>
+              <a:t>value = [4979,577]</a:t>
+            </a:r>
+          </a:p>
+          <a:p>
+            <a:pPr algn="ctr"/>
+            <a:r>
+              <a:rPr lang="en-US" altLang="zh-TW" sz="1200" dirty="0"/>
+              <a:t>Class = 1</a:t>
+            </a:r>
+            <a:endParaRPr lang="zh-TW" altLang="en-US" sz="1200" dirty="0"/>
+          </a:p>
+        </p:txBody>
+      </p:sp>
+      <p:sp>
+        <p:nvSpPr>
+          <p:cNvPr id="9" name="矩形 8">
+            <a:extLst>
+              <a:ext uri="{FF2B5EF4-FFF2-40B4-BE49-F238E27FC236}">
+                <a16:creationId xmlns:a16="http://schemas.microsoft.com/office/drawing/2014/main" id="{F449C9CF-5685-47E3-9DFA-BFBBC96BBAB6}"/>
+              </a:ext>
+            </a:extLst>
+          </p:cNvPr>
+          <p:cNvSpPr/>
+          <p:nvPr/>
+        </p:nvSpPr>
+        <p:spPr>
+          <a:xfrm>
+            <a:off x="3669442" y="4218743"/>
+            <a:ext cx="1710561" cy="1019048"/>
+          </a:xfrm>
+          <a:prstGeom prst="rect">
+            <a:avLst/>
+          </a:prstGeom>
+          <a:solidFill>
+            <a:srgbClr val="CB5C2E"/>
+          </a:solidFill>
+          <a:ln>
+            <a:solidFill>
+              <a:srgbClr val="CB5C2E"/>
+            </a:solidFill>
+          </a:ln>
+        </p:spPr>
+        <p:style>
+          <a:lnRef idx="2">
+            <a:schemeClr val="accent1">
+              <a:shade val="50000"/>
+            </a:schemeClr>
+          </a:lnRef>
+          <a:fillRef idx="1">
+            <a:schemeClr val="accent1"/>
+          </a:fillRef>
+          <a:effectRef idx="0">
+            <a:schemeClr val="accent1"/>
+          </a:effectRef>
+          <a:fontRef idx="minor">
+            <a:schemeClr val="lt1"/>
+          </a:fontRef>
+        </p:style>
+        <p:txBody>
+          <a:bodyPr rtlCol="0" anchor="ctr"/>
+          <a:lstStyle/>
+          <a:p>
+            <a:pPr algn="ctr"/>
+            <a:r>
+              <a:rPr lang="en-US" altLang="zh-TW" sz="1200" dirty="0"/>
+              <a:t>balance &lt;= 57003.365</a:t>
+            </a:r>
+          </a:p>
+          <a:p>
+            <a:pPr algn="ctr"/>
+            <a:r>
+              <a:rPr lang="en-US" altLang="zh-TW" sz="1200" dirty="0" err="1"/>
+              <a:t>gini</a:t>
+            </a:r>
+            <a:r>
+              <a:rPr lang="en-US" altLang="zh-TW" sz="1200" dirty="0"/>
+              <a:t> = 0.39</a:t>
+            </a:r>
+          </a:p>
+          <a:p>
+            <a:pPr algn="ctr"/>
+            <a:r>
+              <a:rPr lang="en-US" altLang="zh-TW" sz="1200" dirty="0"/>
+              <a:t>samples = 132</a:t>
+            </a:r>
+          </a:p>
+          <a:p>
+            <a:pPr algn="ctr"/>
+            <a:r>
+              <a:rPr lang="en-US" altLang="zh-TW" sz="1200" dirty="0"/>
+              <a:t>value = [35,97]</a:t>
+            </a:r>
+          </a:p>
+          <a:p>
+            <a:pPr algn="ctr"/>
+            <a:r>
+              <a:rPr lang="en-US" altLang="zh-TW" sz="1200" dirty="0"/>
+              <a:t>Class = 0</a:t>
+            </a:r>
+            <a:endParaRPr lang="zh-TW" altLang="en-US" sz="1200" dirty="0"/>
+          </a:p>
+        </p:txBody>
+      </p:sp>
+      <p:sp>
+        <p:nvSpPr>
+          <p:cNvPr id="10" name="矩形 9">
+            <a:extLst>
+              <a:ext uri="{FF2B5EF4-FFF2-40B4-BE49-F238E27FC236}">
+                <a16:creationId xmlns:a16="http://schemas.microsoft.com/office/drawing/2014/main" id="{DC5470CF-41CC-4146-8E5A-1CA5EBE0E60A}"/>
+              </a:ext>
+            </a:extLst>
+          </p:cNvPr>
+          <p:cNvSpPr/>
+          <p:nvPr/>
+        </p:nvSpPr>
+        <p:spPr>
+          <a:xfrm>
+            <a:off x="6843914" y="4218743"/>
+            <a:ext cx="1710561" cy="1019048"/>
+          </a:xfrm>
+          <a:prstGeom prst="rect">
+            <a:avLst/>
+          </a:prstGeom>
+          <a:solidFill>
+            <a:srgbClr val="CB5C2E"/>
+          </a:solidFill>
+          <a:ln>
+            <a:solidFill>
+              <a:srgbClr val="CB5C2E"/>
+            </a:solidFill>
+          </a:ln>
+        </p:spPr>
+        <p:style>
+          <a:lnRef idx="2">
+            <a:schemeClr val="accent1">
+              <a:shade val="50000"/>
+            </a:schemeClr>
+          </a:lnRef>
+          <a:fillRef idx="1">
+            <a:schemeClr val="accent1"/>
+          </a:fillRef>
+          <a:effectRef idx="0">
+            <a:schemeClr val="accent1"/>
+          </a:effectRef>
+          <a:fontRef idx="minor">
+            <a:schemeClr val="lt1"/>
+          </a:fontRef>
+        </p:style>
+        <p:txBody>
+          <a:bodyPr rtlCol="0" anchor="ctr"/>
+          <a:lstStyle/>
+          <a:p>
+            <a:pPr algn="ctr"/>
+            <a:r>
+              <a:rPr lang="en-US" altLang="zh-TW" sz="1200" dirty="0"/>
+              <a:t>age &lt;= 50.5</a:t>
+            </a:r>
+          </a:p>
+          <a:p>
+            <a:pPr algn="ctr"/>
+            <a:r>
+              <a:rPr lang="en-US" altLang="zh-TW" sz="1200" dirty="0" err="1"/>
+              <a:t>gini</a:t>
+            </a:r>
+            <a:r>
+              <a:rPr lang="en-US" altLang="zh-TW" sz="1200" dirty="0"/>
+              <a:t> = 0.485</a:t>
+            </a:r>
+          </a:p>
+          <a:p>
+            <a:pPr algn="ctr"/>
+            <a:r>
+              <a:rPr lang="en-US" altLang="zh-TW" sz="1200" dirty="0"/>
+              <a:t>samples = 1033</a:t>
+            </a:r>
+          </a:p>
+          <a:p>
+            <a:pPr algn="ctr"/>
+            <a:r>
+              <a:rPr lang="en-US" altLang="zh-TW" sz="1200" dirty="0"/>
+              <a:t>value = [426,607]</a:t>
+            </a:r>
+          </a:p>
+          <a:p>
+            <a:pPr algn="ctr"/>
+            <a:r>
+              <a:rPr lang="en-US" altLang="zh-TW" sz="1200" dirty="0"/>
+              <a:t>Class = 0</a:t>
+            </a:r>
+            <a:endParaRPr lang="zh-TW" altLang="en-US" sz="1200" dirty="0"/>
+          </a:p>
+        </p:txBody>
+      </p:sp>
+      <p:sp>
+        <p:nvSpPr>
+          <p:cNvPr id="11" name="矩形 10">
+            <a:extLst>
+              <a:ext uri="{FF2B5EF4-FFF2-40B4-BE49-F238E27FC236}">
+                <a16:creationId xmlns:a16="http://schemas.microsoft.com/office/drawing/2014/main" id="{C03908DA-8AA0-487C-AE0F-8B56BCDDE21B}"/>
+              </a:ext>
+            </a:extLst>
+          </p:cNvPr>
+          <p:cNvSpPr/>
+          <p:nvPr/>
+        </p:nvSpPr>
+        <p:spPr>
+          <a:xfrm>
+            <a:off x="9788021" y="4218743"/>
+            <a:ext cx="1710561" cy="1019048"/>
+          </a:xfrm>
+          <a:prstGeom prst="rect">
+            <a:avLst/>
+          </a:prstGeom>
+          <a:solidFill>
+            <a:srgbClr val="4FA5BD"/>
+          </a:solidFill>
+          <a:ln>
+            <a:solidFill>
+              <a:srgbClr val="418D91"/>
+            </a:solidFill>
+          </a:ln>
+        </p:spPr>
+        <p:style>
+          <a:lnRef idx="2">
+            <a:schemeClr val="accent1">
+              <a:shade val="50000"/>
+            </a:schemeClr>
+          </a:lnRef>
+          <a:fillRef idx="1">
+            <a:schemeClr val="accent1"/>
+          </a:fillRef>
+          <a:effectRef idx="0">
+            <a:schemeClr val="accent1"/>
+          </a:effectRef>
+          <a:fontRef idx="minor">
+            <a:schemeClr val="lt1"/>
+          </a:fontRef>
+        </p:style>
+        <p:txBody>
+          <a:bodyPr rtlCol="0" anchor="ctr"/>
+          <a:lstStyle/>
+          <a:p>
+            <a:pPr algn="ctr"/>
+            <a:r>
+              <a:rPr lang="en-US" altLang="zh-TW" sz="1200" dirty="0" err="1"/>
+              <a:t>products_number</a:t>
+            </a:r>
+            <a:r>
+              <a:rPr lang="en-US" altLang="zh-TW" sz="1200" dirty="0"/>
+              <a:t> &lt;= 2.5</a:t>
+            </a:r>
+          </a:p>
+          <a:p>
+            <a:pPr algn="ctr"/>
+            <a:r>
+              <a:rPr lang="en-US" altLang="zh-TW" sz="1200" dirty="0" err="1"/>
+              <a:t>gini</a:t>
+            </a:r>
+            <a:r>
+              <a:rPr lang="en-US" altLang="zh-TW" sz="1200" dirty="0"/>
+              <a:t> = 0.384</a:t>
+            </a:r>
+          </a:p>
+          <a:p>
+            <a:pPr algn="ctr"/>
+            <a:r>
+              <a:rPr lang="en-US" altLang="zh-TW" sz="1200" dirty="0"/>
+              <a:t>samples = 1279</a:t>
+            </a:r>
+          </a:p>
+          <a:p>
+            <a:pPr algn="ctr"/>
+            <a:r>
+              <a:rPr lang="en-US" altLang="zh-TW" sz="1200" dirty="0"/>
+              <a:t>value = [947,332]</a:t>
+            </a:r>
+          </a:p>
+          <a:p>
+            <a:pPr algn="ctr"/>
+            <a:r>
+              <a:rPr lang="en-US" altLang="zh-TW" sz="1200" dirty="0"/>
+              <a:t>Class = 1</a:t>
+            </a:r>
+            <a:endParaRPr lang="zh-TW" altLang="en-US" sz="1200" dirty="0"/>
+          </a:p>
+        </p:txBody>
+      </p:sp>
+      <p:sp>
+        <p:nvSpPr>
+          <p:cNvPr id="12" name="矩形 11">
+            <a:extLst>
+              <a:ext uri="{FF2B5EF4-FFF2-40B4-BE49-F238E27FC236}">
+                <a16:creationId xmlns:a16="http://schemas.microsoft.com/office/drawing/2014/main" id="{0ED0D72F-7339-470B-9BA0-2EC07A944E1B}"/>
+              </a:ext>
+            </a:extLst>
+          </p:cNvPr>
+          <p:cNvSpPr/>
+          <p:nvPr/>
+        </p:nvSpPr>
+        <p:spPr>
+          <a:xfrm>
+            <a:off x="6031427" y="5667919"/>
+            <a:ext cx="1710561" cy="1019048"/>
+          </a:xfrm>
+          <a:prstGeom prst="rect">
+            <a:avLst/>
+          </a:prstGeom>
+          <a:solidFill>
+            <a:srgbClr val="4FA5BD"/>
+          </a:solidFill>
+          <a:ln>
+            <a:solidFill>
+              <a:srgbClr val="418D91"/>
+            </a:solidFill>
+          </a:ln>
+        </p:spPr>
+        <p:style>
+          <a:lnRef idx="2">
+            <a:schemeClr val="accent1">
+              <a:shade val="50000"/>
+            </a:schemeClr>
+          </a:lnRef>
+          <a:fillRef idx="1">
+            <a:schemeClr val="accent1"/>
+          </a:fillRef>
+          <a:effectRef idx="0">
+            <a:schemeClr val="accent1"/>
+          </a:effectRef>
+          <a:fontRef idx="minor">
+            <a:schemeClr val="lt1"/>
+          </a:fontRef>
+        </p:style>
+        <p:txBody>
+          <a:bodyPr rtlCol="0" anchor="ctr"/>
+          <a:lstStyle/>
+          <a:p>
+            <a:pPr algn="ctr"/>
+            <a:r>
+              <a:rPr lang="en-US" altLang="zh-TW" sz="1200" dirty="0" err="1"/>
+              <a:t>products_number</a:t>
+            </a:r>
+            <a:r>
+              <a:rPr lang="en-US" altLang="zh-TW" sz="1200" dirty="0"/>
+              <a:t> &lt;= 1.5</a:t>
+            </a:r>
+          </a:p>
+          <a:p>
+            <a:pPr algn="ctr"/>
+            <a:r>
+              <a:rPr lang="en-US" altLang="zh-TW" sz="1200" dirty="0" err="1"/>
+              <a:t>gini</a:t>
+            </a:r>
+            <a:r>
+              <a:rPr lang="en-US" altLang="zh-TW" sz="1200" dirty="0"/>
+              <a:t> = 0.498</a:t>
+            </a:r>
+          </a:p>
+          <a:p>
+            <a:pPr algn="ctr"/>
+            <a:r>
+              <a:rPr lang="en-US" altLang="zh-TW" sz="1200" dirty="0"/>
+              <a:t>samples = 701</a:t>
+            </a:r>
+          </a:p>
+          <a:p>
+            <a:pPr algn="ctr"/>
+            <a:r>
+              <a:rPr lang="en-US" altLang="zh-TW" sz="1200" dirty="0"/>
+              <a:t>value = [375,326]</a:t>
+            </a:r>
+          </a:p>
+          <a:p>
+            <a:pPr algn="ctr"/>
+            <a:r>
+              <a:rPr lang="en-US" altLang="zh-TW" sz="1200" dirty="0"/>
+              <a:t>Class = 1</a:t>
+            </a:r>
+            <a:endParaRPr lang="zh-TW" altLang="en-US" sz="1200" dirty="0"/>
+          </a:p>
+        </p:txBody>
+      </p:sp>
+      <p:sp>
+        <p:nvSpPr>
+          <p:cNvPr id="13" name="矩形 12">
+            <a:extLst>
+              <a:ext uri="{FF2B5EF4-FFF2-40B4-BE49-F238E27FC236}">
+                <a16:creationId xmlns:a16="http://schemas.microsoft.com/office/drawing/2014/main" id="{480D98DF-AD3E-40C7-92C8-1F3995450DF2}"/>
+              </a:ext>
+            </a:extLst>
+          </p:cNvPr>
+          <p:cNvSpPr/>
+          <p:nvPr/>
+        </p:nvSpPr>
+        <p:spPr>
+          <a:xfrm>
+            <a:off x="7796989" y="5667919"/>
+            <a:ext cx="1232712" cy="1019048"/>
+          </a:xfrm>
+          <a:prstGeom prst="rect">
+            <a:avLst/>
+          </a:prstGeom>
+          <a:solidFill>
+            <a:srgbClr val="DC8866"/>
+          </a:solidFill>
+          <a:ln>
+            <a:solidFill>
+              <a:srgbClr val="CB5C2E"/>
+            </a:solidFill>
+          </a:ln>
+        </p:spPr>
+        <p:style>
+          <a:lnRef idx="2">
+            <a:schemeClr val="accent1">
+              <a:shade val="50000"/>
+            </a:schemeClr>
+          </a:lnRef>
+          <a:fillRef idx="1">
+            <a:schemeClr val="accent1"/>
+          </a:fillRef>
+          <a:effectRef idx="0">
+            <a:schemeClr val="accent1"/>
+          </a:effectRef>
+          <a:fontRef idx="minor">
+            <a:schemeClr val="lt1"/>
+          </a:fontRef>
+        </p:style>
+        <p:txBody>
+          <a:bodyPr rtlCol="0" anchor="ctr"/>
+          <a:lstStyle/>
+          <a:p>
+            <a:pPr algn="ctr"/>
+            <a:r>
+              <a:rPr lang="en-US" altLang="zh-TW" sz="1200" dirty="0"/>
+              <a:t>age &lt;= 73.5</a:t>
+            </a:r>
+          </a:p>
+          <a:p>
+            <a:pPr algn="ctr"/>
+            <a:r>
+              <a:rPr lang="en-US" altLang="zh-TW" sz="1200" dirty="0" err="1"/>
+              <a:t>gini</a:t>
+            </a:r>
+            <a:r>
+              <a:rPr lang="en-US" altLang="zh-TW" sz="1200" dirty="0"/>
+              <a:t> = 0.26</a:t>
+            </a:r>
+          </a:p>
+          <a:p>
+            <a:pPr algn="ctr"/>
+            <a:r>
+              <a:rPr lang="en-US" altLang="zh-TW" sz="1200" dirty="0"/>
+              <a:t>samples = 332</a:t>
+            </a:r>
+          </a:p>
+          <a:p>
+            <a:pPr algn="ctr"/>
+            <a:r>
+              <a:rPr lang="en-US" altLang="zh-TW" sz="1200" dirty="0"/>
+              <a:t>value = [51,281]</a:t>
+            </a:r>
+          </a:p>
+          <a:p>
+            <a:pPr algn="ctr"/>
+            <a:r>
+              <a:rPr lang="en-US" altLang="zh-TW" sz="1200" dirty="0"/>
+              <a:t>Class = 0</a:t>
+            </a:r>
+            <a:endParaRPr lang="zh-TW" altLang="en-US" sz="1200" dirty="0"/>
+          </a:p>
+        </p:txBody>
+      </p:sp>
+      <p:sp>
+        <p:nvSpPr>
+          <p:cNvPr id="14" name="矩形 13">
+            <a:extLst>
+              <a:ext uri="{FF2B5EF4-FFF2-40B4-BE49-F238E27FC236}">
+                <a16:creationId xmlns:a16="http://schemas.microsoft.com/office/drawing/2014/main" id="{4BAE5FD1-E5D0-4730-9F82-68E34965591E}"/>
+              </a:ext>
+            </a:extLst>
+          </p:cNvPr>
+          <p:cNvSpPr/>
+          <p:nvPr/>
+        </p:nvSpPr>
+        <p:spPr>
+          <a:xfrm>
+            <a:off x="9082361" y="5667919"/>
+            <a:ext cx="1710561" cy="1019048"/>
+          </a:xfrm>
+          <a:prstGeom prst="rect">
+            <a:avLst/>
+          </a:prstGeom>
+          <a:solidFill>
+            <a:srgbClr val="4FA5BD"/>
+          </a:solidFill>
+          <a:ln>
+            <a:solidFill>
+              <a:srgbClr val="418D91"/>
+            </a:solidFill>
+          </a:ln>
+        </p:spPr>
+        <p:style>
+          <a:lnRef idx="2">
+            <a:schemeClr val="accent1">
+              <a:shade val="50000"/>
+            </a:schemeClr>
+          </a:lnRef>
+          <a:fillRef idx="1">
+            <a:schemeClr val="accent1"/>
+          </a:fillRef>
+          <a:effectRef idx="0">
+            <a:schemeClr val="accent1"/>
+          </a:effectRef>
+          <a:fontRef idx="minor">
+            <a:schemeClr val="lt1"/>
+          </a:fontRef>
+        </p:style>
+        <p:txBody>
+          <a:bodyPr rtlCol="0" anchor="ctr"/>
+          <a:lstStyle/>
+          <a:p>
+            <a:pPr algn="ctr"/>
+            <a:r>
+              <a:rPr lang="en-US" altLang="zh-TW" sz="1200" dirty="0" err="1"/>
+              <a:t>products_number</a:t>
+            </a:r>
+            <a:r>
+              <a:rPr lang="en-US" altLang="zh-TW" sz="1200" dirty="0"/>
+              <a:t> &lt;= 1.5</a:t>
+            </a:r>
+          </a:p>
+          <a:p>
+            <a:pPr algn="ctr"/>
+            <a:r>
+              <a:rPr lang="en-US" altLang="zh-TW" sz="1200" dirty="0" err="1"/>
+              <a:t>gini</a:t>
+            </a:r>
+            <a:r>
+              <a:rPr lang="en-US" altLang="zh-TW" sz="1200" dirty="0"/>
+              <a:t> = 0.359</a:t>
+            </a:r>
+          </a:p>
+          <a:p>
+            <a:pPr algn="ctr"/>
+            <a:r>
+              <a:rPr lang="en-US" altLang="zh-TW" sz="1200" dirty="0"/>
+              <a:t>samples = 1230</a:t>
+            </a:r>
+          </a:p>
+          <a:p>
+            <a:pPr algn="ctr"/>
+            <a:r>
+              <a:rPr lang="en-US" altLang="zh-TW" sz="1200" dirty="0"/>
+              <a:t>value = [942,288]</a:t>
+            </a:r>
+          </a:p>
+          <a:p>
+            <a:pPr algn="ctr"/>
+            <a:r>
+              <a:rPr lang="en-US" altLang="zh-TW" sz="1200" dirty="0"/>
+              <a:t>Class = 1</a:t>
+            </a:r>
+            <a:endParaRPr lang="zh-TW" altLang="en-US" sz="1200" dirty="0"/>
+          </a:p>
+        </p:txBody>
+      </p:sp>
+      <p:sp>
+        <p:nvSpPr>
+          <p:cNvPr id="15" name="矩形 14">
+            <a:extLst>
+              <a:ext uri="{FF2B5EF4-FFF2-40B4-BE49-F238E27FC236}">
+                <a16:creationId xmlns:a16="http://schemas.microsoft.com/office/drawing/2014/main" id="{F2FE5916-9F0B-4C28-B8A0-C6EE530D47D1}"/>
+              </a:ext>
+            </a:extLst>
+          </p:cNvPr>
+          <p:cNvSpPr/>
+          <p:nvPr/>
+        </p:nvSpPr>
+        <p:spPr>
+          <a:xfrm>
+            <a:off x="10840548" y="5667919"/>
+            <a:ext cx="1168690" cy="1019048"/>
+          </a:xfrm>
+          <a:prstGeom prst="rect">
+            <a:avLst/>
+          </a:prstGeom>
+          <a:solidFill>
+            <a:srgbClr val="DC8866"/>
+          </a:solidFill>
+          <a:ln>
+            <a:solidFill>
+              <a:srgbClr val="CB5C2E"/>
+            </a:solidFill>
+          </a:ln>
+        </p:spPr>
+        <p:style>
+          <a:lnRef idx="2">
+            <a:schemeClr val="accent1">
+              <a:shade val="50000"/>
+            </a:schemeClr>
+          </a:lnRef>
+          <a:fillRef idx="1">
+            <a:schemeClr val="accent1"/>
+          </a:fillRef>
+          <a:effectRef idx="0">
+            <a:schemeClr val="accent1"/>
+          </a:effectRef>
+          <a:fontRef idx="minor">
+            <a:schemeClr val="lt1"/>
+          </a:fontRef>
+        </p:style>
+        <p:txBody>
+          <a:bodyPr rtlCol="0" anchor="ctr"/>
+          <a:lstStyle/>
+          <a:p>
+            <a:pPr algn="ctr"/>
+            <a:r>
+              <a:rPr lang="en-US" altLang="zh-TW" sz="1200" dirty="0"/>
+              <a:t>age &lt;= 65.5</a:t>
+            </a:r>
+          </a:p>
+          <a:p>
+            <a:pPr algn="ctr"/>
+            <a:r>
+              <a:rPr lang="en-US" altLang="zh-TW" sz="1200" dirty="0" err="1"/>
+              <a:t>gini</a:t>
+            </a:r>
+            <a:r>
+              <a:rPr lang="en-US" altLang="zh-TW" sz="1200" dirty="0"/>
+              <a:t> = 0.183</a:t>
+            </a:r>
+          </a:p>
+          <a:p>
+            <a:pPr algn="ctr"/>
+            <a:r>
+              <a:rPr lang="en-US" altLang="zh-TW" sz="1200" dirty="0"/>
+              <a:t>samples = 49</a:t>
+            </a:r>
+          </a:p>
+          <a:p>
+            <a:pPr algn="ctr"/>
+            <a:r>
+              <a:rPr lang="en-US" altLang="zh-TW" sz="1200" dirty="0"/>
+              <a:t>value = [5,44]</a:t>
+            </a:r>
+          </a:p>
+          <a:p>
+            <a:pPr algn="ctr"/>
+            <a:r>
+              <a:rPr lang="en-US" altLang="zh-TW" sz="1200" dirty="0"/>
+              <a:t>Class = 0</a:t>
+            </a:r>
+            <a:endParaRPr lang="zh-TW" altLang="en-US" sz="1200" dirty="0"/>
+          </a:p>
+        </p:txBody>
+      </p:sp>
+      <p:sp>
+        <p:nvSpPr>
+          <p:cNvPr id="16" name="矩形 15">
+            <a:extLst>
+              <a:ext uri="{FF2B5EF4-FFF2-40B4-BE49-F238E27FC236}">
+                <a16:creationId xmlns:a16="http://schemas.microsoft.com/office/drawing/2014/main" id="{AF9CD2CA-93D5-4AC4-A8ED-5D8F8A90CAB8}"/>
+              </a:ext>
+            </a:extLst>
+          </p:cNvPr>
+          <p:cNvSpPr/>
+          <p:nvPr/>
+        </p:nvSpPr>
+        <p:spPr>
+          <a:xfrm>
+            <a:off x="4524723" y="5667919"/>
+            <a:ext cx="1451704" cy="1019048"/>
+          </a:xfrm>
+          <a:prstGeom prst="rect">
+            <a:avLst/>
+          </a:prstGeom>
+          <a:solidFill>
+            <a:srgbClr val="DC8866"/>
+          </a:solidFill>
+          <a:ln>
+            <a:solidFill>
+              <a:srgbClr val="CB5C2E"/>
+            </a:solidFill>
+          </a:ln>
+        </p:spPr>
+        <p:style>
+          <a:lnRef idx="2">
+            <a:schemeClr val="accent1">
+              <a:shade val="50000"/>
+            </a:schemeClr>
+          </a:lnRef>
+          <a:fillRef idx="1">
+            <a:schemeClr val="accent1"/>
+          </a:fillRef>
+          <a:effectRef idx="0">
+            <a:schemeClr val="accent1"/>
+          </a:effectRef>
+          <a:fontRef idx="minor">
+            <a:schemeClr val="lt1"/>
+          </a:fontRef>
+        </p:style>
+        <p:txBody>
+          <a:bodyPr rtlCol="0" anchor="ctr"/>
+          <a:lstStyle/>
+          <a:p>
+            <a:pPr algn="ctr"/>
+            <a:r>
+              <a:rPr lang="en-US" altLang="zh-TW" sz="1200" dirty="0" err="1"/>
+              <a:t>estimated_salary</a:t>
+            </a:r>
+            <a:r>
+              <a:rPr lang="en-US" altLang="zh-TW" sz="1200" dirty="0"/>
+              <a:t> &lt;= 193039.227</a:t>
+            </a:r>
+          </a:p>
+          <a:p>
+            <a:pPr algn="ctr"/>
+            <a:r>
+              <a:rPr lang="en-US" altLang="zh-TW" sz="1200" dirty="0" err="1"/>
+              <a:t>gini</a:t>
+            </a:r>
+            <a:r>
+              <a:rPr lang="en-US" altLang="zh-TW" sz="1200" dirty="0"/>
+              <a:t> = 0.204</a:t>
+            </a:r>
+          </a:p>
+          <a:p>
+            <a:pPr algn="ctr"/>
+            <a:r>
+              <a:rPr lang="en-US" altLang="zh-TW" sz="1200" dirty="0"/>
+              <a:t>samples = 78</a:t>
+            </a:r>
+          </a:p>
+          <a:p>
+            <a:pPr algn="ctr"/>
+            <a:r>
+              <a:rPr lang="en-US" altLang="zh-TW" sz="1200" dirty="0"/>
+              <a:t>value = [9,69]</a:t>
+            </a:r>
+          </a:p>
+          <a:p>
+            <a:pPr algn="ctr"/>
+            <a:r>
+              <a:rPr lang="en-US" altLang="zh-TW" sz="1200" dirty="0"/>
+              <a:t>Class = 0</a:t>
+            </a:r>
+            <a:endParaRPr lang="zh-TW" altLang="en-US" sz="1200" dirty="0"/>
+          </a:p>
+        </p:txBody>
+      </p:sp>
+      <p:sp>
+        <p:nvSpPr>
+          <p:cNvPr id="17" name="矩形 16">
+            <a:extLst>
+              <a:ext uri="{FF2B5EF4-FFF2-40B4-BE49-F238E27FC236}">
+                <a16:creationId xmlns:a16="http://schemas.microsoft.com/office/drawing/2014/main" id="{FEE83017-953F-4E9A-A013-881DAE010B78}"/>
+              </a:ext>
+            </a:extLst>
+          </p:cNvPr>
+          <p:cNvSpPr/>
+          <p:nvPr/>
+        </p:nvSpPr>
+        <p:spPr>
+          <a:xfrm>
+            <a:off x="2960803" y="5667919"/>
+            <a:ext cx="1508920" cy="1019048"/>
+          </a:xfrm>
+          <a:prstGeom prst="rect">
+            <a:avLst/>
+          </a:prstGeom>
+          <a:solidFill>
+            <a:srgbClr val="CB5C2E"/>
+          </a:solidFill>
+          <a:ln>
+            <a:solidFill>
+              <a:srgbClr val="CB5C2E"/>
+            </a:solidFill>
+          </a:ln>
+        </p:spPr>
+        <p:style>
+          <a:lnRef idx="2">
+            <a:schemeClr val="accent1">
+              <a:shade val="50000"/>
+            </a:schemeClr>
+          </a:lnRef>
+          <a:fillRef idx="1">
+            <a:schemeClr val="accent1"/>
+          </a:fillRef>
+          <a:effectRef idx="0">
+            <a:schemeClr val="accent1"/>
+          </a:effectRef>
+          <a:fontRef idx="minor">
+            <a:schemeClr val="lt1"/>
+          </a:fontRef>
+        </p:style>
+        <p:txBody>
+          <a:bodyPr rtlCol="0" anchor="ctr"/>
+          <a:lstStyle/>
+          <a:p>
+            <a:pPr algn="ctr"/>
+            <a:r>
+              <a:rPr lang="en-US" altLang="zh-TW" sz="1200" dirty="0" err="1"/>
+              <a:t>estimated_salary</a:t>
+            </a:r>
+            <a:r>
+              <a:rPr lang="en-US" altLang="zh-TW" sz="1200" dirty="0"/>
+              <a:t> &lt;= 132695.484</a:t>
+            </a:r>
+          </a:p>
+          <a:p>
+            <a:pPr algn="ctr"/>
+            <a:r>
+              <a:rPr lang="en-US" altLang="zh-TW" sz="1200" dirty="0" err="1"/>
+              <a:t>gini</a:t>
+            </a:r>
+            <a:r>
+              <a:rPr lang="en-US" altLang="zh-TW" sz="1200" dirty="0"/>
+              <a:t> = 0.499</a:t>
+            </a:r>
+          </a:p>
+          <a:p>
+            <a:pPr algn="ctr"/>
+            <a:r>
+              <a:rPr lang="en-US" altLang="zh-TW" sz="1200" dirty="0"/>
+              <a:t>samples = 54</a:t>
+            </a:r>
+          </a:p>
+          <a:p>
+            <a:pPr algn="ctr"/>
+            <a:r>
+              <a:rPr lang="en-US" altLang="zh-TW" sz="1200" dirty="0"/>
+              <a:t>value = [26,28]</a:t>
+            </a:r>
+          </a:p>
+          <a:p>
+            <a:pPr algn="ctr"/>
+            <a:r>
+              <a:rPr lang="en-US" altLang="zh-TW" sz="1200" dirty="0"/>
+              <a:t>Class = 0</a:t>
+            </a:r>
+            <a:endParaRPr lang="zh-TW" altLang="en-US" sz="1200" dirty="0"/>
+          </a:p>
+        </p:txBody>
+      </p:sp>
+      <p:sp>
+        <p:nvSpPr>
+          <p:cNvPr id="18" name="矩形 17">
+            <a:extLst>
+              <a:ext uri="{FF2B5EF4-FFF2-40B4-BE49-F238E27FC236}">
+                <a16:creationId xmlns:a16="http://schemas.microsoft.com/office/drawing/2014/main" id="{4C49CDB3-3061-4DBF-981B-4BBA9E94E9B2}"/>
+              </a:ext>
+            </a:extLst>
+          </p:cNvPr>
+          <p:cNvSpPr/>
+          <p:nvPr/>
+        </p:nvSpPr>
+        <p:spPr>
+          <a:xfrm>
+            <a:off x="1585796" y="5667919"/>
+            <a:ext cx="1320007" cy="1019048"/>
+          </a:xfrm>
+          <a:prstGeom prst="rect">
+            <a:avLst/>
+          </a:prstGeom>
+          <a:solidFill>
+            <a:srgbClr val="7EBDCE"/>
+          </a:solidFill>
+          <a:ln>
+            <a:solidFill>
+              <a:srgbClr val="418D91"/>
+            </a:solidFill>
+          </a:ln>
+        </p:spPr>
+        <p:style>
+          <a:lnRef idx="2">
+            <a:schemeClr val="accent1">
+              <a:shade val="50000"/>
+            </a:schemeClr>
+          </a:lnRef>
+          <a:fillRef idx="1">
+            <a:schemeClr val="accent1"/>
+          </a:fillRef>
+          <a:effectRef idx="0">
+            <a:schemeClr val="accent1"/>
+          </a:effectRef>
+          <a:fontRef idx="minor">
+            <a:schemeClr val="lt1"/>
+          </a:fontRef>
+        </p:style>
+        <p:txBody>
+          <a:bodyPr rtlCol="0" anchor="ctr"/>
+          <a:lstStyle/>
+          <a:p>
+            <a:pPr algn="ctr"/>
+            <a:r>
+              <a:rPr lang="en-US" altLang="zh-TW" sz="1200" dirty="0" err="1"/>
+              <a:t>balace</a:t>
+            </a:r>
+            <a:r>
+              <a:rPr lang="en-US" altLang="zh-TW" sz="1200" dirty="0"/>
+              <a:t> &lt;= 1884.34</a:t>
+            </a:r>
+          </a:p>
+          <a:p>
+            <a:pPr algn="ctr"/>
+            <a:r>
+              <a:rPr lang="en-US" altLang="zh-TW" sz="1200" dirty="0" err="1"/>
+              <a:t>gini</a:t>
+            </a:r>
+            <a:r>
+              <a:rPr lang="en-US" altLang="zh-TW" sz="1200" dirty="0"/>
+              <a:t> = 0.078</a:t>
+            </a:r>
+          </a:p>
+          <a:p>
+            <a:pPr algn="ctr"/>
+            <a:r>
+              <a:rPr lang="en-US" altLang="zh-TW" sz="1200" dirty="0"/>
+              <a:t>samples = 2812</a:t>
+            </a:r>
+          </a:p>
+          <a:p>
+            <a:pPr algn="ctr"/>
+            <a:r>
+              <a:rPr lang="en-US" altLang="zh-TW" sz="1200" dirty="0"/>
+              <a:t>value = [2698,114]</a:t>
+            </a:r>
+          </a:p>
+          <a:p>
+            <a:pPr algn="ctr"/>
+            <a:r>
+              <a:rPr lang="en-US" altLang="zh-TW" sz="1200" dirty="0"/>
+              <a:t>Class = 1</a:t>
+            </a:r>
+            <a:endParaRPr lang="zh-TW" altLang="en-US" sz="1200" dirty="0"/>
+          </a:p>
+        </p:txBody>
+      </p:sp>
+      <p:sp>
+        <p:nvSpPr>
+          <p:cNvPr id="19" name="矩形 18">
+            <a:extLst>
+              <a:ext uri="{FF2B5EF4-FFF2-40B4-BE49-F238E27FC236}">
+                <a16:creationId xmlns:a16="http://schemas.microsoft.com/office/drawing/2014/main" id="{BADD801B-78AE-4CFD-AD71-4F13FBCD5F6C}"/>
+              </a:ext>
+            </a:extLst>
+          </p:cNvPr>
+          <p:cNvSpPr/>
+          <p:nvPr/>
+        </p:nvSpPr>
+        <p:spPr>
+          <a:xfrm>
+            <a:off x="163106" y="5667919"/>
+            <a:ext cx="1320007" cy="1019048"/>
+          </a:xfrm>
+          <a:prstGeom prst="rect">
+            <a:avLst/>
+          </a:prstGeom>
+          <a:solidFill>
+            <a:srgbClr val="7EBDCE"/>
+          </a:solidFill>
+          <a:ln>
+            <a:solidFill>
+              <a:srgbClr val="418D91"/>
+            </a:solidFill>
+          </a:ln>
+        </p:spPr>
+        <p:style>
+          <a:lnRef idx="2">
+            <a:schemeClr val="accent1">
+              <a:shade val="50000"/>
+            </a:schemeClr>
+          </a:lnRef>
+          <a:fillRef idx="1">
+            <a:schemeClr val="accent1"/>
+          </a:fillRef>
+          <a:effectRef idx="0">
+            <a:schemeClr val="accent1"/>
+          </a:effectRef>
+          <a:fontRef idx="minor">
+            <a:schemeClr val="lt1"/>
+          </a:fontRef>
+        </p:style>
+        <p:txBody>
+          <a:bodyPr rtlCol="0" anchor="ctr"/>
+          <a:lstStyle/>
+          <a:p>
+            <a:pPr algn="ctr"/>
+            <a:r>
+              <a:rPr lang="en-US" altLang="zh-TW" sz="1200" dirty="0"/>
+              <a:t>country &lt;= 1.5</a:t>
+            </a:r>
+          </a:p>
+          <a:p>
+            <a:pPr algn="ctr"/>
+            <a:r>
+              <a:rPr lang="en-US" altLang="zh-TW" sz="1200" dirty="0" err="1"/>
+              <a:t>gini</a:t>
+            </a:r>
+            <a:r>
+              <a:rPr lang="en-US" altLang="zh-TW" sz="1200" dirty="0"/>
+              <a:t> = 0.281</a:t>
+            </a:r>
+          </a:p>
+          <a:p>
+            <a:pPr algn="ctr"/>
+            <a:r>
+              <a:rPr lang="en-US" altLang="zh-TW" sz="1200" dirty="0"/>
+              <a:t>samples = 2744</a:t>
+            </a:r>
+          </a:p>
+          <a:p>
+            <a:pPr algn="ctr"/>
+            <a:r>
+              <a:rPr lang="en-US" altLang="zh-TW" sz="1200" dirty="0"/>
+              <a:t>value = [2281,463]</a:t>
+            </a:r>
+          </a:p>
+          <a:p>
+            <a:pPr algn="ctr"/>
+            <a:r>
+              <a:rPr lang="en-US" altLang="zh-TW" sz="1200" dirty="0"/>
+              <a:t>Class = 1</a:t>
+            </a:r>
+            <a:endParaRPr lang="zh-TW" altLang="en-US" sz="1200" dirty="0"/>
+          </a:p>
+        </p:txBody>
+      </p:sp>
+      <p:cxnSp>
+        <p:nvCxnSpPr>
+          <p:cNvPr id="20" name="直線單箭頭接點 19" descr="ddd">
+            <a:extLst>
+              <a:ext uri="{FF2B5EF4-FFF2-40B4-BE49-F238E27FC236}">
+                <a16:creationId xmlns:a16="http://schemas.microsoft.com/office/drawing/2014/main" id="{27C6EF46-D1F1-4BDA-BDB5-0D566F427886}"/>
+              </a:ext>
+              <a:ext uri="{C183D7F6-B498-43B3-948B-1728B52AA6E4}">
+                <adec:decorative xmlns:adec="http://schemas.microsoft.com/office/drawing/2017/decorative" val="0"/>
+              </a:ext>
+            </a:extLst>
+          </p:cNvPr>
+          <p:cNvCxnSpPr>
+            <a:cxnSpLocks/>
+            <a:stCxn id="4" idx="2"/>
+            <a:endCxn id="5" idx="0"/>
+          </p:cNvCxnSpPr>
+          <p:nvPr/>
+        </p:nvCxnSpPr>
+        <p:spPr>
+          <a:xfrm flipH="1">
+            <a:off x="3101080" y="2300651"/>
+            <a:ext cx="2887553" cy="470253"/>
+          </a:xfrm>
+          <a:prstGeom prst="straightConnector1">
+            <a:avLst/>
+          </a:prstGeom>
+          <a:ln>
+            <a:solidFill>
+              <a:srgbClr val="063944"/>
+            </a:solidFill>
+            <a:tailEnd type="triangle"/>
+          </a:ln>
+        </p:spPr>
+        <p:style>
+          <a:lnRef idx="3">
+            <a:schemeClr val="accent1"/>
+          </a:lnRef>
+          <a:fillRef idx="0">
+            <a:schemeClr val="accent1"/>
+          </a:fillRef>
+          <a:effectRef idx="2">
+            <a:schemeClr val="accent1"/>
+          </a:effectRef>
+          <a:fontRef idx="minor">
+            <a:schemeClr val="tx1"/>
+          </a:fontRef>
+        </p:style>
+      </p:cxnSp>
+      <p:cxnSp>
+        <p:nvCxnSpPr>
+          <p:cNvPr id="21" name="直線單箭頭接點 20" descr="ddd">
+            <a:extLst>
+              <a:ext uri="{FF2B5EF4-FFF2-40B4-BE49-F238E27FC236}">
+                <a16:creationId xmlns:a16="http://schemas.microsoft.com/office/drawing/2014/main" id="{F793F001-3427-4F92-B23F-C7E5D4C17427}"/>
+              </a:ext>
+              <a:ext uri="{C183D7F6-B498-43B3-948B-1728B52AA6E4}">
+                <adec:decorative xmlns:adec="http://schemas.microsoft.com/office/drawing/2017/decorative" val="0"/>
+              </a:ext>
+            </a:extLst>
+          </p:cNvPr>
+          <p:cNvCxnSpPr>
+            <a:cxnSpLocks/>
+            <a:stCxn id="4" idx="2"/>
+            <a:endCxn id="7" idx="0"/>
+          </p:cNvCxnSpPr>
+          <p:nvPr/>
+        </p:nvCxnSpPr>
+        <p:spPr>
+          <a:xfrm>
+            <a:off x="5988633" y="2300651"/>
+            <a:ext cx="3271186" cy="470252"/>
+          </a:xfrm>
+          <a:prstGeom prst="straightConnector1">
+            <a:avLst/>
+          </a:prstGeom>
+          <a:ln>
+            <a:solidFill>
+              <a:srgbClr val="063944"/>
+            </a:solidFill>
+            <a:tailEnd type="triangle"/>
+          </a:ln>
+        </p:spPr>
+        <p:style>
+          <a:lnRef idx="3">
+            <a:schemeClr val="accent1"/>
+          </a:lnRef>
+          <a:fillRef idx="0">
+            <a:schemeClr val="accent1"/>
+          </a:fillRef>
+          <a:effectRef idx="2">
+            <a:schemeClr val="accent1"/>
+          </a:effectRef>
+          <a:fontRef idx="minor">
+            <a:schemeClr val="tx1"/>
+          </a:fontRef>
+        </p:style>
+      </p:cxnSp>
+      <p:cxnSp>
+        <p:nvCxnSpPr>
+          <p:cNvPr id="22" name="直線單箭頭接點 21" descr="ddd">
+            <a:extLst>
+              <a:ext uri="{FF2B5EF4-FFF2-40B4-BE49-F238E27FC236}">
+                <a16:creationId xmlns:a16="http://schemas.microsoft.com/office/drawing/2014/main" id="{8493404D-8CA0-40BE-8956-335CAFA94027}"/>
+              </a:ext>
+              <a:ext uri="{C183D7F6-B498-43B3-948B-1728B52AA6E4}">
+                <adec:decorative xmlns:adec="http://schemas.microsoft.com/office/drawing/2017/decorative" val="0"/>
+              </a:ext>
+            </a:extLst>
+          </p:cNvPr>
+          <p:cNvCxnSpPr>
+            <a:cxnSpLocks/>
+            <a:stCxn id="5" idx="2"/>
+            <a:endCxn id="8" idx="0"/>
+          </p:cNvCxnSpPr>
+          <p:nvPr/>
+        </p:nvCxnSpPr>
+        <p:spPr>
+          <a:xfrm flipH="1">
+            <a:off x="1585796" y="3788615"/>
+            <a:ext cx="1515284" cy="430128"/>
+          </a:xfrm>
+          <a:prstGeom prst="straightConnector1">
+            <a:avLst/>
+          </a:prstGeom>
+          <a:ln>
+            <a:solidFill>
+              <a:srgbClr val="264653"/>
+            </a:solidFill>
+            <a:tailEnd type="triangle"/>
+          </a:ln>
+        </p:spPr>
+        <p:style>
+          <a:lnRef idx="3">
+            <a:schemeClr val="accent1"/>
+          </a:lnRef>
+          <a:fillRef idx="0">
+            <a:schemeClr val="accent1"/>
+          </a:fillRef>
+          <a:effectRef idx="2">
+            <a:schemeClr val="accent1"/>
+          </a:effectRef>
+          <a:fontRef idx="minor">
+            <a:schemeClr val="tx1"/>
+          </a:fontRef>
+        </p:style>
+      </p:cxnSp>
+      <p:cxnSp>
+        <p:nvCxnSpPr>
+          <p:cNvPr id="23" name="直線單箭頭接點 22" descr="ddd">
+            <a:extLst>
+              <a:ext uri="{FF2B5EF4-FFF2-40B4-BE49-F238E27FC236}">
+                <a16:creationId xmlns:a16="http://schemas.microsoft.com/office/drawing/2014/main" id="{17442D10-CACA-4504-A40C-9BB60E0384A1}"/>
+              </a:ext>
+              <a:ext uri="{C183D7F6-B498-43B3-948B-1728B52AA6E4}">
+                <adec:decorative xmlns:adec="http://schemas.microsoft.com/office/drawing/2017/decorative" val="0"/>
+              </a:ext>
+            </a:extLst>
+          </p:cNvPr>
+          <p:cNvCxnSpPr>
+            <a:cxnSpLocks/>
+            <a:stCxn id="5" idx="2"/>
+            <a:endCxn id="9" idx="0"/>
+          </p:cNvCxnSpPr>
+          <p:nvPr/>
+        </p:nvCxnSpPr>
+        <p:spPr>
+          <a:xfrm>
+            <a:off x="3101080" y="3788615"/>
+            <a:ext cx="1423643" cy="430128"/>
+          </a:xfrm>
+          <a:prstGeom prst="straightConnector1">
+            <a:avLst/>
+          </a:prstGeom>
+          <a:ln>
+            <a:solidFill>
+              <a:srgbClr val="264653"/>
+            </a:solidFill>
+            <a:tailEnd type="triangle"/>
+          </a:ln>
+        </p:spPr>
+        <p:style>
+          <a:lnRef idx="3">
+            <a:schemeClr val="accent1"/>
+          </a:lnRef>
+          <a:fillRef idx="0">
+            <a:schemeClr val="accent1"/>
+          </a:fillRef>
+          <a:effectRef idx="2">
+            <a:schemeClr val="accent1"/>
+          </a:effectRef>
+          <a:fontRef idx="minor">
+            <a:schemeClr val="tx1"/>
+          </a:fontRef>
+        </p:style>
+      </p:cxnSp>
+      <p:cxnSp>
+        <p:nvCxnSpPr>
+          <p:cNvPr id="24" name="直線單箭頭接點 23" descr="ddd">
+            <a:extLst>
+              <a:ext uri="{FF2B5EF4-FFF2-40B4-BE49-F238E27FC236}">
+                <a16:creationId xmlns:a16="http://schemas.microsoft.com/office/drawing/2014/main" id="{67E695AD-94C0-4393-83E7-FE15A3A57F43}"/>
+              </a:ext>
+              <a:ext uri="{C183D7F6-B498-43B3-948B-1728B52AA6E4}">
+                <adec:decorative xmlns:adec="http://schemas.microsoft.com/office/drawing/2017/decorative" val="0"/>
+              </a:ext>
+            </a:extLst>
+          </p:cNvPr>
+          <p:cNvCxnSpPr>
+            <a:cxnSpLocks/>
+            <a:stCxn id="8" idx="2"/>
+            <a:endCxn id="19" idx="0"/>
+          </p:cNvCxnSpPr>
+          <p:nvPr/>
+        </p:nvCxnSpPr>
+        <p:spPr>
+          <a:xfrm flipH="1">
+            <a:off x="823110" y="5237791"/>
+            <a:ext cx="762686" cy="430128"/>
+          </a:xfrm>
+          <a:prstGeom prst="straightConnector1">
+            <a:avLst/>
+          </a:prstGeom>
+          <a:ln>
+            <a:solidFill>
+              <a:srgbClr val="063944"/>
+            </a:solidFill>
+            <a:tailEnd type="triangle"/>
+          </a:ln>
+        </p:spPr>
+        <p:style>
+          <a:lnRef idx="3">
+            <a:schemeClr val="accent1"/>
+          </a:lnRef>
+          <a:fillRef idx="0">
+            <a:schemeClr val="accent1"/>
+          </a:fillRef>
+          <a:effectRef idx="2">
+            <a:schemeClr val="accent1"/>
+          </a:effectRef>
+          <a:fontRef idx="minor">
+            <a:schemeClr val="tx1"/>
+          </a:fontRef>
+        </p:style>
+      </p:cxnSp>
+      <p:cxnSp>
+        <p:nvCxnSpPr>
+          <p:cNvPr id="25" name="直線單箭頭接點 24" descr="ddd">
+            <a:extLst>
+              <a:ext uri="{FF2B5EF4-FFF2-40B4-BE49-F238E27FC236}">
+                <a16:creationId xmlns:a16="http://schemas.microsoft.com/office/drawing/2014/main" id="{D8AF2AF2-766F-48FE-978F-6A69011CE0B1}"/>
+              </a:ext>
+              <a:ext uri="{C183D7F6-B498-43B3-948B-1728B52AA6E4}">
+                <adec:decorative xmlns:adec="http://schemas.microsoft.com/office/drawing/2017/decorative" val="0"/>
+              </a:ext>
+            </a:extLst>
+          </p:cNvPr>
+          <p:cNvCxnSpPr>
+            <a:cxnSpLocks/>
+            <a:stCxn id="8" idx="2"/>
+            <a:endCxn id="18" idx="0"/>
+          </p:cNvCxnSpPr>
+          <p:nvPr/>
+        </p:nvCxnSpPr>
+        <p:spPr>
+          <a:xfrm>
+            <a:off x="1585796" y="5237791"/>
+            <a:ext cx="660004" cy="430128"/>
+          </a:xfrm>
+          <a:prstGeom prst="straightConnector1">
+            <a:avLst/>
+          </a:prstGeom>
+          <a:ln>
+            <a:solidFill>
+              <a:srgbClr val="063944"/>
+            </a:solidFill>
+            <a:tailEnd type="triangle"/>
+          </a:ln>
+        </p:spPr>
+        <p:style>
+          <a:lnRef idx="3">
+            <a:schemeClr val="accent1"/>
+          </a:lnRef>
+          <a:fillRef idx="0">
+            <a:schemeClr val="accent1"/>
+          </a:fillRef>
+          <a:effectRef idx="2">
+            <a:schemeClr val="accent1"/>
+          </a:effectRef>
+          <a:fontRef idx="minor">
+            <a:schemeClr val="tx1"/>
+          </a:fontRef>
+        </p:style>
+      </p:cxnSp>
+      <p:cxnSp>
+        <p:nvCxnSpPr>
+          <p:cNvPr id="26" name="直線單箭頭接點 25" descr="ddd">
+            <a:extLst>
+              <a:ext uri="{FF2B5EF4-FFF2-40B4-BE49-F238E27FC236}">
+                <a16:creationId xmlns:a16="http://schemas.microsoft.com/office/drawing/2014/main" id="{B5AF321B-B142-454C-9236-9614F32CD4BD}"/>
+              </a:ext>
+              <a:ext uri="{C183D7F6-B498-43B3-948B-1728B52AA6E4}">
+                <adec:decorative xmlns:adec="http://schemas.microsoft.com/office/drawing/2017/decorative" val="0"/>
+              </a:ext>
+            </a:extLst>
+          </p:cNvPr>
+          <p:cNvCxnSpPr>
+            <a:cxnSpLocks/>
+            <a:stCxn id="9" idx="2"/>
+            <a:endCxn id="17" idx="0"/>
+          </p:cNvCxnSpPr>
+          <p:nvPr/>
+        </p:nvCxnSpPr>
+        <p:spPr>
+          <a:xfrm flipH="1">
+            <a:off x="3715263" y="5237791"/>
+            <a:ext cx="809460" cy="430128"/>
+          </a:xfrm>
+          <a:prstGeom prst="straightConnector1">
+            <a:avLst/>
+          </a:prstGeom>
+          <a:ln>
+            <a:solidFill>
+              <a:srgbClr val="063944"/>
+            </a:solidFill>
+            <a:tailEnd type="triangle"/>
+          </a:ln>
+        </p:spPr>
+        <p:style>
+          <a:lnRef idx="3">
+            <a:schemeClr val="accent1"/>
+          </a:lnRef>
+          <a:fillRef idx="0">
+            <a:schemeClr val="accent1"/>
+          </a:fillRef>
+          <a:effectRef idx="2">
+            <a:schemeClr val="accent1"/>
+          </a:effectRef>
+          <a:fontRef idx="minor">
+            <a:schemeClr val="tx1"/>
+          </a:fontRef>
+        </p:style>
+      </p:cxnSp>
+      <p:cxnSp>
+        <p:nvCxnSpPr>
+          <p:cNvPr id="27" name="直線單箭頭接點 26" descr="ddd">
+            <a:extLst>
+              <a:ext uri="{FF2B5EF4-FFF2-40B4-BE49-F238E27FC236}">
+                <a16:creationId xmlns:a16="http://schemas.microsoft.com/office/drawing/2014/main" id="{9822DE2C-9982-48E4-86B0-4391E95843CF}"/>
+              </a:ext>
+              <a:ext uri="{C183D7F6-B498-43B3-948B-1728B52AA6E4}">
+                <adec:decorative xmlns:adec="http://schemas.microsoft.com/office/drawing/2017/decorative" val="0"/>
+              </a:ext>
+            </a:extLst>
+          </p:cNvPr>
+          <p:cNvCxnSpPr>
+            <a:cxnSpLocks/>
+            <a:stCxn id="9" idx="2"/>
+            <a:endCxn id="16" idx="0"/>
+          </p:cNvCxnSpPr>
+          <p:nvPr/>
+        </p:nvCxnSpPr>
+        <p:spPr>
+          <a:xfrm>
+            <a:off x="4524723" y="5237791"/>
+            <a:ext cx="725852" cy="430128"/>
+          </a:xfrm>
+          <a:prstGeom prst="straightConnector1">
+            <a:avLst/>
+          </a:prstGeom>
+          <a:ln>
+            <a:solidFill>
+              <a:srgbClr val="063944"/>
+            </a:solidFill>
+            <a:tailEnd type="triangle"/>
+          </a:ln>
+        </p:spPr>
+        <p:style>
+          <a:lnRef idx="3">
+            <a:schemeClr val="accent1"/>
+          </a:lnRef>
+          <a:fillRef idx="0">
+            <a:schemeClr val="accent1"/>
+          </a:fillRef>
+          <a:effectRef idx="2">
+            <a:schemeClr val="accent1"/>
+          </a:effectRef>
+          <a:fontRef idx="minor">
+            <a:schemeClr val="tx1"/>
+          </a:fontRef>
+        </p:style>
+      </p:cxnSp>
+      <p:cxnSp>
+        <p:nvCxnSpPr>
+          <p:cNvPr id="28" name="直線單箭頭接點 27" descr="ddd">
+            <a:extLst>
+              <a:ext uri="{FF2B5EF4-FFF2-40B4-BE49-F238E27FC236}">
+                <a16:creationId xmlns:a16="http://schemas.microsoft.com/office/drawing/2014/main" id="{64E37EE3-7716-41D3-925C-5BE9BB9BDC71}"/>
+              </a:ext>
+              <a:ext uri="{C183D7F6-B498-43B3-948B-1728B52AA6E4}">
+                <adec:decorative xmlns:adec="http://schemas.microsoft.com/office/drawing/2017/decorative" val="0"/>
+              </a:ext>
+            </a:extLst>
+          </p:cNvPr>
+          <p:cNvCxnSpPr>
+            <a:cxnSpLocks/>
+            <a:stCxn id="7" idx="2"/>
+            <a:endCxn id="10" idx="0"/>
+          </p:cNvCxnSpPr>
+          <p:nvPr/>
+        </p:nvCxnSpPr>
+        <p:spPr>
+          <a:xfrm flipH="1">
+            <a:off x="7699195" y="3788614"/>
+            <a:ext cx="1560624" cy="430129"/>
+          </a:xfrm>
+          <a:prstGeom prst="straightConnector1">
+            <a:avLst/>
+          </a:prstGeom>
+          <a:ln>
+            <a:solidFill>
+              <a:srgbClr val="063944"/>
+            </a:solidFill>
+            <a:tailEnd type="triangle"/>
+          </a:ln>
+        </p:spPr>
+        <p:style>
+          <a:lnRef idx="3">
+            <a:schemeClr val="accent1"/>
+          </a:lnRef>
+          <a:fillRef idx="0">
+            <a:schemeClr val="accent1"/>
+          </a:fillRef>
+          <a:effectRef idx="2">
+            <a:schemeClr val="accent1"/>
+          </a:effectRef>
+          <a:fontRef idx="minor">
+            <a:schemeClr val="tx1"/>
+          </a:fontRef>
+        </p:style>
+      </p:cxnSp>
+      <p:cxnSp>
+        <p:nvCxnSpPr>
+          <p:cNvPr id="29" name="直線單箭頭接點 28" descr="ddd">
+            <a:extLst>
+              <a:ext uri="{FF2B5EF4-FFF2-40B4-BE49-F238E27FC236}">
+                <a16:creationId xmlns:a16="http://schemas.microsoft.com/office/drawing/2014/main" id="{12D54C75-6A54-43EA-9D34-7DA6706D212F}"/>
+              </a:ext>
+              <a:ext uri="{C183D7F6-B498-43B3-948B-1728B52AA6E4}">
+                <adec:decorative xmlns:adec="http://schemas.microsoft.com/office/drawing/2017/decorative" val="0"/>
+              </a:ext>
+            </a:extLst>
+          </p:cNvPr>
+          <p:cNvCxnSpPr>
+            <a:cxnSpLocks/>
+            <a:stCxn id="7" idx="2"/>
+            <a:endCxn id="11" idx="0"/>
+          </p:cNvCxnSpPr>
+          <p:nvPr/>
+        </p:nvCxnSpPr>
+        <p:spPr>
+          <a:xfrm>
+            <a:off x="9259819" y="3788614"/>
+            <a:ext cx="1383483" cy="430129"/>
+          </a:xfrm>
+          <a:prstGeom prst="straightConnector1">
+            <a:avLst/>
+          </a:prstGeom>
+          <a:ln>
+            <a:solidFill>
+              <a:srgbClr val="063944"/>
+            </a:solidFill>
+            <a:tailEnd type="triangle"/>
+          </a:ln>
+        </p:spPr>
+        <p:style>
+          <a:lnRef idx="3">
+            <a:schemeClr val="accent1"/>
+          </a:lnRef>
+          <a:fillRef idx="0">
+            <a:schemeClr val="accent1"/>
+          </a:fillRef>
+          <a:effectRef idx="2">
+            <a:schemeClr val="accent1"/>
+          </a:effectRef>
+          <a:fontRef idx="minor">
+            <a:schemeClr val="tx1"/>
+          </a:fontRef>
+        </p:style>
+      </p:cxnSp>
+      <p:cxnSp>
+        <p:nvCxnSpPr>
+          <p:cNvPr id="30" name="直線單箭頭接點 29" descr="ddd">
+            <a:extLst>
+              <a:ext uri="{FF2B5EF4-FFF2-40B4-BE49-F238E27FC236}">
+                <a16:creationId xmlns:a16="http://schemas.microsoft.com/office/drawing/2014/main" id="{A756B344-9DF8-4E7E-A198-F0E6AA5F22DA}"/>
+              </a:ext>
+              <a:ext uri="{C183D7F6-B498-43B3-948B-1728B52AA6E4}">
+                <adec:decorative xmlns:adec="http://schemas.microsoft.com/office/drawing/2017/decorative" val="0"/>
+              </a:ext>
+            </a:extLst>
+          </p:cNvPr>
+          <p:cNvCxnSpPr>
+            <a:cxnSpLocks/>
+            <a:stCxn id="10" idx="2"/>
+            <a:endCxn id="12" idx="0"/>
+          </p:cNvCxnSpPr>
+          <p:nvPr/>
+        </p:nvCxnSpPr>
+        <p:spPr>
+          <a:xfrm flipH="1">
+            <a:off x="6886708" y="5237791"/>
+            <a:ext cx="812487" cy="430128"/>
+          </a:xfrm>
+          <a:prstGeom prst="straightConnector1">
+            <a:avLst/>
+          </a:prstGeom>
+          <a:ln>
+            <a:solidFill>
+              <a:srgbClr val="063944"/>
+            </a:solidFill>
+            <a:tailEnd type="triangle"/>
+          </a:ln>
+        </p:spPr>
+        <p:style>
+          <a:lnRef idx="3">
+            <a:schemeClr val="accent1"/>
+          </a:lnRef>
+          <a:fillRef idx="0">
+            <a:schemeClr val="accent1"/>
+          </a:fillRef>
+          <a:effectRef idx="2">
+            <a:schemeClr val="accent1"/>
+          </a:effectRef>
+          <a:fontRef idx="minor">
+            <a:schemeClr val="tx1"/>
+          </a:fontRef>
+        </p:style>
+      </p:cxnSp>
+      <p:cxnSp>
+        <p:nvCxnSpPr>
+          <p:cNvPr id="31" name="直線單箭頭接點 30" descr="ddd">
+            <a:extLst>
+              <a:ext uri="{FF2B5EF4-FFF2-40B4-BE49-F238E27FC236}">
+                <a16:creationId xmlns:a16="http://schemas.microsoft.com/office/drawing/2014/main" id="{73BBA66A-D295-4561-B6F9-14ED0BC1AB8A}"/>
+              </a:ext>
+              <a:ext uri="{C183D7F6-B498-43B3-948B-1728B52AA6E4}">
+                <adec:decorative xmlns:adec="http://schemas.microsoft.com/office/drawing/2017/decorative" val="0"/>
+              </a:ext>
+            </a:extLst>
+          </p:cNvPr>
+          <p:cNvCxnSpPr>
+            <a:cxnSpLocks/>
+            <a:stCxn id="10" idx="2"/>
+            <a:endCxn id="13" idx="0"/>
+          </p:cNvCxnSpPr>
+          <p:nvPr/>
+        </p:nvCxnSpPr>
+        <p:spPr>
+          <a:xfrm>
+            <a:off x="7699195" y="5237791"/>
+            <a:ext cx="714150" cy="430128"/>
+          </a:xfrm>
+          <a:prstGeom prst="straightConnector1">
+            <a:avLst/>
+          </a:prstGeom>
+          <a:ln>
+            <a:solidFill>
+              <a:srgbClr val="063944"/>
+            </a:solidFill>
+            <a:tailEnd type="triangle"/>
+          </a:ln>
+        </p:spPr>
+        <p:style>
+          <a:lnRef idx="3">
+            <a:schemeClr val="accent1"/>
+          </a:lnRef>
+          <a:fillRef idx="0">
+            <a:schemeClr val="accent1"/>
+          </a:fillRef>
+          <a:effectRef idx="2">
+            <a:schemeClr val="accent1"/>
+          </a:effectRef>
+          <a:fontRef idx="minor">
+            <a:schemeClr val="tx1"/>
+          </a:fontRef>
+        </p:style>
+      </p:cxnSp>
+      <p:cxnSp>
+        <p:nvCxnSpPr>
+          <p:cNvPr id="32" name="直線單箭頭接點 31" descr="ddd">
+            <a:extLst>
+              <a:ext uri="{FF2B5EF4-FFF2-40B4-BE49-F238E27FC236}">
+                <a16:creationId xmlns:a16="http://schemas.microsoft.com/office/drawing/2014/main" id="{31F08D46-673C-40B5-8A06-2D06DDC41EC2}"/>
+              </a:ext>
+              <a:ext uri="{C183D7F6-B498-43B3-948B-1728B52AA6E4}">
+                <adec:decorative xmlns:adec="http://schemas.microsoft.com/office/drawing/2017/decorative" val="0"/>
+              </a:ext>
+            </a:extLst>
+          </p:cNvPr>
+          <p:cNvCxnSpPr>
+            <a:cxnSpLocks/>
+            <a:stCxn id="11" idx="2"/>
+            <a:endCxn id="14" idx="0"/>
+          </p:cNvCxnSpPr>
+          <p:nvPr/>
+        </p:nvCxnSpPr>
+        <p:spPr>
+          <a:xfrm flipH="1">
+            <a:off x="9937642" y="5237791"/>
+            <a:ext cx="705660" cy="430128"/>
+          </a:xfrm>
+          <a:prstGeom prst="straightConnector1">
+            <a:avLst/>
+          </a:prstGeom>
+          <a:ln>
+            <a:solidFill>
+              <a:srgbClr val="063944"/>
+            </a:solidFill>
+            <a:tailEnd type="triangle"/>
+          </a:ln>
+        </p:spPr>
+        <p:style>
+          <a:lnRef idx="3">
+            <a:schemeClr val="accent1"/>
+          </a:lnRef>
+          <a:fillRef idx="0">
+            <a:schemeClr val="accent1"/>
+          </a:fillRef>
+          <a:effectRef idx="2">
+            <a:schemeClr val="accent1"/>
+          </a:effectRef>
+          <a:fontRef idx="minor">
+            <a:schemeClr val="tx1"/>
+          </a:fontRef>
+        </p:style>
+      </p:cxnSp>
+      <p:cxnSp>
+        <p:nvCxnSpPr>
+          <p:cNvPr id="33" name="直線單箭頭接點 32" descr="ddd">
+            <a:extLst>
+              <a:ext uri="{FF2B5EF4-FFF2-40B4-BE49-F238E27FC236}">
+                <a16:creationId xmlns:a16="http://schemas.microsoft.com/office/drawing/2014/main" id="{7039B16E-08DC-4F99-A6EE-E5A1175DC06B}"/>
+              </a:ext>
+              <a:ext uri="{C183D7F6-B498-43B3-948B-1728B52AA6E4}">
+                <adec:decorative xmlns:adec="http://schemas.microsoft.com/office/drawing/2017/decorative" val="0"/>
+              </a:ext>
+            </a:extLst>
+          </p:cNvPr>
+          <p:cNvCxnSpPr>
+            <a:cxnSpLocks/>
+            <a:stCxn id="11" idx="2"/>
+            <a:endCxn id="15" idx="0"/>
+          </p:cNvCxnSpPr>
+          <p:nvPr/>
+        </p:nvCxnSpPr>
+        <p:spPr>
+          <a:xfrm>
+            <a:off x="10643302" y="5237791"/>
+            <a:ext cx="781591" cy="430128"/>
+          </a:xfrm>
+          <a:prstGeom prst="straightConnector1">
+            <a:avLst/>
+          </a:prstGeom>
+          <a:ln>
+            <a:solidFill>
+              <a:srgbClr val="063944"/>
+            </a:solidFill>
+            <a:tailEnd type="triangle"/>
+          </a:ln>
+        </p:spPr>
+        <p:style>
+          <a:lnRef idx="3">
+            <a:schemeClr val="accent1"/>
+          </a:lnRef>
+          <a:fillRef idx="0">
+            <a:schemeClr val="accent1"/>
+          </a:fillRef>
+          <a:effectRef idx="2">
+            <a:schemeClr val="accent1"/>
+          </a:effectRef>
+          <a:fontRef idx="minor">
+            <a:schemeClr val="tx1"/>
+          </a:fontRef>
+        </p:style>
+      </p:cxnSp>
+    </p:spTree>
+    <p:extLst>
+      <p:ext uri="{BB962C8B-B14F-4D97-AF65-F5344CB8AC3E}">
+        <p14:creationId xmlns:p14="http://schemas.microsoft.com/office/powerpoint/2010/main" val="69986126"/>
+      </p:ext>
+    </p:extLst>
+  </p:cSld>
+  <p:clrMapOvr>
+    <a:masterClrMapping/>
+  </p:clrMapOvr>
+  <mc:AlternateContent xmlns:mc="http://schemas.openxmlformats.org/markup-compatibility/2006" xmlns:p14="http://schemas.microsoft.com/office/powerpoint/2010/main">
+    <mc:Choice Requires="p14">
+      <p:transition spd="med" p14:dur="700">
+        <p:fade/>
+      </p:transition>
+    </mc:Choice>
+    <mc:Fallback xmlns="">
+      <p:transition spd="med">
+        <p:fade/>
+      </p:transition>
+    </mc:Fallback>
+  </mc:AlternateContent>
+</p:sld>
+</file>
+
+<file path=ppt/slides/slide14.xml><?xml version="1.0" encoding="utf-8"?>
+<p:sld xmlns:a="http://schemas.openxmlformats.org/drawingml/2006/main" xmlns:r="http://schemas.openxmlformats.org/officeDocument/2006/relationships" xmlns:p="http://schemas.openxmlformats.org/presentationml/2006/main">
+  <p:cSld>
+    <p:spTree>
+      <p:nvGrpSpPr>
+        <p:cNvPr id="1" name=""/>
+        <p:cNvGrpSpPr/>
+        <p:nvPr/>
+      </p:nvGrpSpPr>
+      <p:grpSpPr>
+        <a:xfrm>
+          <a:off x="0" y="0"/>
+          <a:ext cx="0" cy="0"/>
+          <a:chOff x="0" y="0"/>
+          <a:chExt cx="0" cy="0"/>
+        </a:xfrm>
+      </p:grpSpPr>
+      <p:sp>
+        <p:nvSpPr>
+          <p:cNvPr id="2" name="標題 1">
+            <a:extLst>
+              <a:ext uri="{FF2B5EF4-FFF2-40B4-BE49-F238E27FC236}">
+                <a16:creationId xmlns:a16="http://schemas.microsoft.com/office/drawing/2014/main" id="{F6874B10-73B0-4245-BAC9-B2873DDEBE63}"/>
+              </a:ext>
+            </a:extLst>
+          </p:cNvPr>
+          <p:cNvSpPr>
+            <a:spLocks noGrp="1"/>
+          </p:cNvSpPr>
+          <p:nvPr>
+            <p:ph type="title"/>
+          </p:nvPr>
+        </p:nvSpPr>
+        <p:spPr/>
+        <p:txBody>
+          <a:bodyPr/>
+          <a:lstStyle/>
+          <a:p>
+            <a:r>
+              <a:rPr lang="en-US" altLang="zh-TW" spc="300" dirty="0">
+                <a:latin typeface="微軟正黑體" panose="020B0604030504040204" pitchFamily="34" charset="-120"/>
+                <a:ea typeface="微軟正黑體" panose="020B0604030504040204" pitchFamily="34" charset="-120"/>
+              </a:rPr>
+              <a:t>Entropy</a:t>
+            </a:r>
+            <a:r>
+              <a:rPr lang="zh-TW" altLang="en-US" spc="300" dirty="0">
+                <a:latin typeface="微軟正黑體" panose="020B0604030504040204" pitchFamily="34" charset="-120"/>
+                <a:ea typeface="微軟正黑體" panose="020B0604030504040204" pitchFamily="34" charset="-120"/>
+              </a:rPr>
+              <a:t> 決策樹</a:t>
+            </a:r>
+          </a:p>
+        </p:txBody>
+      </p:sp>
+      <p:sp>
+        <p:nvSpPr>
+          <p:cNvPr id="20" name="矩形 19">
+            <a:extLst>
+              <a:ext uri="{FF2B5EF4-FFF2-40B4-BE49-F238E27FC236}">
+                <a16:creationId xmlns:a16="http://schemas.microsoft.com/office/drawing/2014/main" id="{4E5D16E6-1784-484B-B30F-8F1C72D4419F}"/>
+              </a:ext>
+            </a:extLst>
+          </p:cNvPr>
+          <p:cNvSpPr/>
+          <p:nvPr/>
+        </p:nvSpPr>
+        <p:spPr>
+          <a:xfrm>
+            <a:off x="5133352" y="1412028"/>
+            <a:ext cx="1710562" cy="888623"/>
+          </a:xfrm>
+          <a:prstGeom prst="rect">
+            <a:avLst/>
+          </a:prstGeom>
+          <a:solidFill>
+            <a:srgbClr val="4FA5BD"/>
+          </a:solidFill>
+          <a:ln>
+            <a:solidFill>
+              <a:srgbClr val="418D91"/>
+            </a:solidFill>
+          </a:ln>
+        </p:spPr>
+        <p:style>
+          <a:lnRef idx="2">
+            <a:schemeClr val="accent1">
+              <a:shade val="50000"/>
+            </a:schemeClr>
+          </a:lnRef>
+          <a:fillRef idx="1">
+            <a:schemeClr val="accent1"/>
+          </a:fillRef>
+          <a:effectRef idx="0">
+            <a:schemeClr val="accent1"/>
+          </a:effectRef>
+          <a:fontRef idx="minor">
+            <a:schemeClr val="lt1"/>
+          </a:fontRef>
+        </p:style>
+        <p:txBody>
+          <a:bodyPr rtlCol="0" anchor="ctr"/>
+          <a:lstStyle/>
+          <a:p>
+            <a:pPr algn="ctr"/>
+            <a:r>
+              <a:rPr lang="en-US" altLang="zh-TW" sz="1200" dirty="0"/>
+              <a:t>Age&lt;=42.5</a:t>
+            </a:r>
+          </a:p>
+          <a:p>
+            <a:pPr algn="ctr"/>
+            <a:r>
+              <a:rPr lang="en-US" altLang="zh-TW" sz="1200" dirty="0"/>
+              <a:t>entropy = 0.73</a:t>
+            </a:r>
+          </a:p>
+          <a:p>
+            <a:pPr algn="ctr"/>
+            <a:r>
+              <a:rPr lang="en-US" altLang="zh-TW" sz="1200" dirty="0"/>
+              <a:t>Samples = 8000</a:t>
+            </a:r>
+          </a:p>
+          <a:p>
+            <a:pPr algn="ctr"/>
+            <a:r>
+              <a:rPr lang="en-US" altLang="zh-TW" sz="1200" dirty="0"/>
+              <a:t>Value = [6369,1631]</a:t>
+            </a:r>
+          </a:p>
+          <a:p>
+            <a:pPr algn="ctr"/>
+            <a:r>
+              <a:rPr lang="en-US" altLang="zh-TW" sz="1200" dirty="0"/>
+              <a:t>Class = 1</a:t>
+            </a:r>
+            <a:endParaRPr lang="zh-TW" altLang="en-US" sz="1200" dirty="0"/>
+          </a:p>
+        </p:txBody>
+      </p:sp>
+      <p:sp>
+        <p:nvSpPr>
+          <p:cNvPr id="21" name="矩形 20">
+            <a:extLst>
+              <a:ext uri="{FF2B5EF4-FFF2-40B4-BE49-F238E27FC236}">
+                <a16:creationId xmlns:a16="http://schemas.microsoft.com/office/drawing/2014/main" id="{FD17D1F4-AAE0-4B4F-8BE6-28F1376D8DE5}"/>
+              </a:ext>
+            </a:extLst>
+          </p:cNvPr>
+          <p:cNvSpPr/>
+          <p:nvPr/>
+        </p:nvSpPr>
+        <p:spPr>
+          <a:xfrm>
+            <a:off x="2245799" y="2770904"/>
+            <a:ext cx="1710561" cy="1017711"/>
+          </a:xfrm>
+          <a:prstGeom prst="rect">
+            <a:avLst/>
+          </a:prstGeom>
+          <a:solidFill>
+            <a:srgbClr val="4FA5BD"/>
+          </a:solidFill>
+          <a:ln>
+            <a:solidFill>
+              <a:srgbClr val="418D91"/>
+            </a:solidFill>
+          </a:ln>
+        </p:spPr>
+        <p:style>
+          <a:lnRef idx="2">
+            <a:schemeClr val="accent1">
+              <a:shade val="50000"/>
+            </a:schemeClr>
+          </a:lnRef>
+          <a:fillRef idx="1">
+            <a:schemeClr val="accent1"/>
+          </a:fillRef>
+          <a:effectRef idx="0">
+            <a:schemeClr val="accent1"/>
+          </a:effectRef>
+          <a:fontRef idx="minor">
+            <a:schemeClr val="lt1"/>
+          </a:fontRef>
+        </p:style>
+        <p:txBody>
+          <a:bodyPr rtlCol="0" anchor="ctr"/>
+          <a:lstStyle/>
+          <a:p>
+            <a:pPr algn="ctr"/>
+            <a:r>
+              <a:rPr lang="en-US" altLang="zh-TW" sz="1100" dirty="0" err="1"/>
+              <a:t>products_number</a:t>
+            </a:r>
+            <a:r>
+              <a:rPr lang="en-US" altLang="zh-TW" sz="1100" dirty="0"/>
+              <a:t> &lt;= 2.5</a:t>
+            </a:r>
+          </a:p>
+          <a:p>
+            <a:pPr algn="ctr"/>
+            <a:r>
+              <a:rPr lang="en-US" altLang="zh-TW" sz="1100" dirty="0"/>
+              <a:t>entropy = 0.527</a:t>
+            </a:r>
+          </a:p>
+          <a:p>
+            <a:pPr algn="ctr"/>
+            <a:r>
+              <a:rPr lang="en-US" altLang="zh-TW" sz="1100" dirty="0"/>
+              <a:t>samples = 5701</a:t>
+            </a:r>
+          </a:p>
+          <a:p>
+            <a:pPr algn="ctr"/>
+            <a:r>
+              <a:rPr lang="en-US" altLang="zh-TW" sz="1100" dirty="0"/>
+              <a:t>value = [5022,679]</a:t>
+            </a:r>
+          </a:p>
+          <a:p>
+            <a:pPr algn="ctr"/>
+            <a:r>
+              <a:rPr lang="en-US" altLang="zh-TW" sz="1100" dirty="0"/>
+              <a:t>Class = 1</a:t>
+            </a:r>
+            <a:endParaRPr lang="zh-TW" altLang="en-US" sz="1100" dirty="0"/>
+          </a:p>
+        </p:txBody>
+      </p:sp>
+      <p:sp>
+        <p:nvSpPr>
+          <p:cNvPr id="22" name="矩形 21">
+            <a:extLst>
+              <a:ext uri="{FF2B5EF4-FFF2-40B4-BE49-F238E27FC236}">
+                <a16:creationId xmlns:a16="http://schemas.microsoft.com/office/drawing/2014/main" id="{9AF09BDA-DA35-40DD-BC42-4417BDD92D24}"/>
+              </a:ext>
+            </a:extLst>
+          </p:cNvPr>
+          <p:cNvSpPr/>
+          <p:nvPr/>
+        </p:nvSpPr>
+        <p:spPr>
+          <a:xfrm>
+            <a:off x="8404538" y="2770903"/>
+            <a:ext cx="1710562" cy="1017711"/>
+          </a:xfrm>
+          <a:prstGeom prst="rect">
+            <a:avLst/>
+          </a:prstGeom>
+          <a:solidFill>
+            <a:srgbClr val="4FA5BD"/>
+          </a:solidFill>
+          <a:ln>
+            <a:solidFill>
+              <a:srgbClr val="418D91"/>
+            </a:solidFill>
+          </a:ln>
+        </p:spPr>
+        <p:style>
+          <a:lnRef idx="2">
+            <a:schemeClr val="accent1">
+              <a:shade val="50000"/>
+            </a:schemeClr>
+          </a:lnRef>
+          <a:fillRef idx="1">
+            <a:schemeClr val="accent1"/>
+          </a:fillRef>
+          <a:effectRef idx="0">
+            <a:schemeClr val="accent1"/>
+          </a:effectRef>
+          <a:fontRef idx="minor">
+            <a:schemeClr val="lt1"/>
+          </a:fontRef>
+        </p:style>
+        <p:txBody>
+          <a:bodyPr rtlCol="0" anchor="ctr"/>
+          <a:lstStyle/>
+          <a:p>
+            <a:pPr algn="ctr"/>
+            <a:r>
+              <a:rPr lang="en-US" altLang="zh-TW" sz="1200" dirty="0" err="1"/>
+              <a:t>activate_member</a:t>
+            </a:r>
+            <a:r>
+              <a:rPr lang="en-US" altLang="zh-TW" sz="1200" dirty="0"/>
+              <a:t>&lt;= 2.5</a:t>
+            </a:r>
+          </a:p>
+          <a:p>
+            <a:pPr algn="ctr"/>
+            <a:r>
+              <a:rPr lang="en-US" altLang="zh-TW" sz="1200" dirty="0"/>
+              <a:t>entropy = 0.527</a:t>
+            </a:r>
+          </a:p>
+          <a:p>
+            <a:pPr algn="ctr"/>
+            <a:r>
+              <a:rPr lang="en-US" altLang="zh-TW" sz="1200" dirty="0"/>
+              <a:t>samples = 5701</a:t>
+            </a:r>
+          </a:p>
+          <a:p>
+            <a:pPr algn="ctr"/>
+            <a:r>
+              <a:rPr lang="en-US" altLang="zh-TW" sz="1200" dirty="0"/>
+              <a:t>value = [5022,679]</a:t>
+            </a:r>
+          </a:p>
+          <a:p>
+            <a:pPr algn="ctr"/>
+            <a:r>
+              <a:rPr lang="en-US" altLang="zh-TW" sz="1200" dirty="0"/>
+              <a:t>Class = 1</a:t>
+            </a:r>
+            <a:endParaRPr lang="zh-TW" altLang="en-US" sz="1200" dirty="0"/>
+          </a:p>
+        </p:txBody>
+      </p:sp>
+      <p:sp>
+        <p:nvSpPr>
+          <p:cNvPr id="23" name="矩形 22">
+            <a:extLst>
+              <a:ext uri="{FF2B5EF4-FFF2-40B4-BE49-F238E27FC236}">
+                <a16:creationId xmlns:a16="http://schemas.microsoft.com/office/drawing/2014/main" id="{44DF1E2D-A744-4C11-AB21-5F6F33603DB8}"/>
+              </a:ext>
+            </a:extLst>
+          </p:cNvPr>
+          <p:cNvSpPr/>
+          <p:nvPr/>
+        </p:nvSpPr>
+        <p:spPr>
+          <a:xfrm>
+            <a:off x="730515" y="4218743"/>
+            <a:ext cx="1710561" cy="1019048"/>
+          </a:xfrm>
+          <a:prstGeom prst="rect">
+            <a:avLst/>
+          </a:prstGeom>
+          <a:solidFill>
+            <a:srgbClr val="7EBDCE"/>
+          </a:solidFill>
+          <a:ln>
+            <a:solidFill>
+              <a:srgbClr val="418D91"/>
+            </a:solidFill>
+          </a:ln>
+        </p:spPr>
+        <p:style>
+          <a:lnRef idx="2">
+            <a:schemeClr val="accent1">
+              <a:shade val="50000"/>
+            </a:schemeClr>
+          </a:lnRef>
+          <a:fillRef idx="1">
+            <a:schemeClr val="accent1"/>
+          </a:fillRef>
+          <a:effectRef idx="0">
+            <a:schemeClr val="accent1"/>
+          </a:effectRef>
+          <a:fontRef idx="minor">
+            <a:schemeClr val="lt1"/>
+          </a:fontRef>
+        </p:style>
+        <p:txBody>
+          <a:bodyPr rtlCol="0" anchor="ctr"/>
+          <a:lstStyle/>
+          <a:p>
+            <a:pPr algn="ctr"/>
+            <a:r>
+              <a:rPr lang="en-US" altLang="zh-TW" sz="1200" dirty="0" err="1"/>
+              <a:t>products_number</a:t>
+            </a:r>
+            <a:r>
+              <a:rPr lang="en-US" altLang="zh-TW" sz="1200" dirty="0"/>
+              <a:t> &lt;= 1.5</a:t>
+            </a:r>
+          </a:p>
+          <a:p>
+            <a:pPr algn="ctr"/>
+            <a:r>
+              <a:rPr lang="en-US" altLang="zh-TW" sz="1200" dirty="0"/>
+              <a:t>entropy = 0.484</a:t>
+            </a:r>
+          </a:p>
+          <a:p>
+            <a:pPr algn="ctr"/>
+            <a:r>
+              <a:rPr lang="en-US" altLang="zh-TW" sz="1200" dirty="0"/>
+              <a:t>samples = 5574</a:t>
+            </a:r>
+          </a:p>
+          <a:p>
+            <a:pPr algn="ctr"/>
+            <a:r>
+              <a:rPr lang="en-US" altLang="zh-TW" sz="1200" dirty="0"/>
+              <a:t>value = [4990,584]</a:t>
+            </a:r>
+          </a:p>
+          <a:p>
+            <a:pPr algn="ctr"/>
+            <a:r>
+              <a:rPr lang="en-US" altLang="zh-TW" sz="1200" dirty="0"/>
+              <a:t>Class = 1</a:t>
+            </a:r>
+            <a:endParaRPr lang="zh-TW" altLang="en-US" sz="1200" dirty="0"/>
+          </a:p>
+        </p:txBody>
+      </p:sp>
+      <p:sp>
+        <p:nvSpPr>
+          <p:cNvPr id="24" name="矩形 23">
+            <a:extLst>
+              <a:ext uri="{FF2B5EF4-FFF2-40B4-BE49-F238E27FC236}">
+                <a16:creationId xmlns:a16="http://schemas.microsoft.com/office/drawing/2014/main" id="{6E01DDC8-AA7E-43FA-AA70-5FC42BC9B0D2}"/>
+              </a:ext>
+            </a:extLst>
+          </p:cNvPr>
+          <p:cNvSpPr/>
+          <p:nvPr/>
+        </p:nvSpPr>
+        <p:spPr>
+          <a:xfrm>
+            <a:off x="3669442" y="4218743"/>
+            <a:ext cx="1710561" cy="1019048"/>
+          </a:xfrm>
+          <a:prstGeom prst="rect">
+            <a:avLst/>
+          </a:prstGeom>
+          <a:solidFill>
+            <a:srgbClr val="CB5C2E"/>
+          </a:solidFill>
+          <a:ln>
+            <a:solidFill>
+              <a:srgbClr val="CB5C2E"/>
+            </a:solidFill>
+          </a:ln>
+        </p:spPr>
+        <p:style>
+          <a:lnRef idx="2">
+            <a:schemeClr val="accent1">
+              <a:shade val="50000"/>
+            </a:schemeClr>
+          </a:lnRef>
+          <a:fillRef idx="1">
+            <a:schemeClr val="accent1"/>
+          </a:fillRef>
+          <a:effectRef idx="0">
+            <a:schemeClr val="accent1"/>
+          </a:effectRef>
+          <a:fontRef idx="minor">
+            <a:schemeClr val="lt1"/>
+          </a:fontRef>
+        </p:style>
+        <p:txBody>
+          <a:bodyPr rtlCol="0" anchor="ctr"/>
+          <a:lstStyle/>
+          <a:p>
+            <a:pPr algn="ctr"/>
+            <a:r>
+              <a:rPr lang="en-US" altLang="zh-TW" sz="1200" dirty="0"/>
+              <a:t>Balance &lt;= 57003.365</a:t>
+            </a:r>
+          </a:p>
+          <a:p>
+            <a:pPr algn="ctr"/>
+            <a:r>
+              <a:rPr lang="en-US" altLang="zh-TW" sz="1200" dirty="0"/>
+              <a:t>entropy = 0.814</a:t>
+            </a:r>
+          </a:p>
+          <a:p>
+            <a:pPr algn="ctr"/>
+            <a:r>
+              <a:rPr lang="en-US" altLang="zh-TW" sz="1200" dirty="0"/>
+              <a:t>samples = 127</a:t>
+            </a:r>
+          </a:p>
+          <a:p>
+            <a:pPr algn="ctr"/>
+            <a:r>
+              <a:rPr lang="en-US" altLang="zh-TW" sz="1200" dirty="0"/>
+              <a:t>value = [32,95]</a:t>
+            </a:r>
+          </a:p>
+          <a:p>
+            <a:pPr algn="ctr"/>
+            <a:r>
+              <a:rPr lang="en-US" altLang="zh-TW" sz="1200" dirty="0"/>
+              <a:t>Class = 0</a:t>
+            </a:r>
+            <a:endParaRPr lang="zh-TW" altLang="en-US" sz="1200" dirty="0"/>
+          </a:p>
+        </p:txBody>
+      </p:sp>
+      <p:sp>
+        <p:nvSpPr>
+          <p:cNvPr id="25" name="矩形 24">
+            <a:extLst>
+              <a:ext uri="{FF2B5EF4-FFF2-40B4-BE49-F238E27FC236}">
+                <a16:creationId xmlns:a16="http://schemas.microsoft.com/office/drawing/2014/main" id="{5980E585-FDB1-4A05-B09B-DF0733242286}"/>
+              </a:ext>
+            </a:extLst>
+          </p:cNvPr>
+          <p:cNvSpPr/>
+          <p:nvPr/>
+        </p:nvSpPr>
+        <p:spPr>
+          <a:xfrm>
+            <a:off x="6843914" y="4218743"/>
+            <a:ext cx="1710561" cy="1019048"/>
+          </a:xfrm>
+          <a:prstGeom prst="rect">
+            <a:avLst/>
+          </a:prstGeom>
+          <a:solidFill>
+            <a:srgbClr val="CB5C2E"/>
+          </a:solidFill>
+          <a:ln>
+            <a:solidFill>
+              <a:srgbClr val="CB5C2E"/>
+            </a:solidFill>
+          </a:ln>
+        </p:spPr>
+        <p:style>
+          <a:lnRef idx="2">
+            <a:schemeClr val="accent1">
+              <a:shade val="50000"/>
+            </a:schemeClr>
+          </a:lnRef>
+          <a:fillRef idx="1">
+            <a:schemeClr val="accent1"/>
+          </a:fillRef>
+          <a:effectRef idx="0">
+            <a:schemeClr val="accent1"/>
+          </a:effectRef>
+          <a:fontRef idx="minor">
+            <a:schemeClr val="lt1"/>
+          </a:fontRef>
+        </p:style>
+        <p:txBody>
+          <a:bodyPr rtlCol="0" anchor="ctr"/>
+          <a:lstStyle/>
+          <a:p>
+            <a:pPr algn="ctr"/>
+            <a:r>
+              <a:rPr lang="en-US" altLang="zh-TW" sz="1200" dirty="0"/>
+              <a:t>age &lt;= 50.5</a:t>
+            </a:r>
+          </a:p>
+          <a:p>
+            <a:pPr algn="ctr"/>
+            <a:r>
+              <a:rPr lang="en-US" altLang="zh-TW" sz="1200" dirty="0"/>
+              <a:t>entropy = 0.976</a:t>
+            </a:r>
+          </a:p>
+          <a:p>
+            <a:pPr algn="ctr"/>
+            <a:r>
+              <a:rPr lang="en-US" altLang="zh-TW" sz="1200" dirty="0"/>
+              <a:t>samples = 1042</a:t>
+            </a:r>
+          </a:p>
+          <a:p>
+            <a:pPr algn="ctr"/>
+            <a:r>
+              <a:rPr lang="en-US" altLang="zh-TW" sz="1200" dirty="0"/>
+              <a:t>value = [426,616]</a:t>
+            </a:r>
+          </a:p>
+          <a:p>
+            <a:pPr algn="ctr"/>
+            <a:r>
+              <a:rPr lang="en-US" altLang="zh-TW" sz="1200" dirty="0"/>
+              <a:t>Class = 0</a:t>
+            </a:r>
+            <a:endParaRPr lang="zh-TW" altLang="en-US" sz="1200" dirty="0"/>
+          </a:p>
+        </p:txBody>
+      </p:sp>
+      <p:sp>
+        <p:nvSpPr>
+          <p:cNvPr id="27" name="矩形 26">
+            <a:extLst>
+              <a:ext uri="{FF2B5EF4-FFF2-40B4-BE49-F238E27FC236}">
+                <a16:creationId xmlns:a16="http://schemas.microsoft.com/office/drawing/2014/main" id="{D5E937E3-1F1F-4399-A2F9-9787C238D299}"/>
+              </a:ext>
+            </a:extLst>
+          </p:cNvPr>
+          <p:cNvSpPr/>
+          <p:nvPr/>
+        </p:nvSpPr>
+        <p:spPr>
+          <a:xfrm>
+            <a:off x="9788021" y="4218743"/>
+            <a:ext cx="1710561" cy="1019048"/>
+          </a:xfrm>
+          <a:prstGeom prst="rect">
+            <a:avLst/>
+          </a:prstGeom>
+          <a:solidFill>
+            <a:srgbClr val="4FA5BD"/>
+          </a:solidFill>
+          <a:ln>
+            <a:solidFill>
+              <a:srgbClr val="418D91"/>
+            </a:solidFill>
+          </a:ln>
+        </p:spPr>
+        <p:style>
+          <a:lnRef idx="2">
+            <a:schemeClr val="accent1">
+              <a:shade val="50000"/>
+            </a:schemeClr>
+          </a:lnRef>
+          <a:fillRef idx="1">
+            <a:schemeClr val="accent1"/>
+          </a:fillRef>
+          <a:effectRef idx="0">
+            <a:schemeClr val="accent1"/>
+          </a:effectRef>
+          <a:fontRef idx="minor">
+            <a:schemeClr val="lt1"/>
+          </a:fontRef>
+        </p:style>
+        <p:txBody>
+          <a:bodyPr rtlCol="0" anchor="ctr"/>
+          <a:lstStyle/>
+          <a:p>
+            <a:pPr algn="ctr"/>
+            <a:r>
+              <a:rPr lang="en-US" altLang="zh-TW" sz="1200" dirty="0" err="1"/>
+              <a:t>products_number</a:t>
+            </a:r>
+            <a:r>
+              <a:rPr lang="en-US" altLang="zh-TW" sz="1200" dirty="0"/>
+              <a:t> &lt;= 2.5</a:t>
+            </a:r>
+          </a:p>
+          <a:p>
+            <a:pPr algn="ctr"/>
+            <a:r>
+              <a:rPr lang="en-US" altLang="zh-TW" sz="1200" dirty="0"/>
+              <a:t>entropy = 0.838</a:t>
+            </a:r>
+          </a:p>
+          <a:p>
+            <a:pPr algn="ctr"/>
+            <a:r>
+              <a:rPr lang="en-US" altLang="zh-TW" sz="1200" dirty="0"/>
+              <a:t>samples = 1257</a:t>
+            </a:r>
+          </a:p>
+          <a:p>
+            <a:pPr algn="ctr"/>
+            <a:r>
+              <a:rPr lang="en-US" altLang="zh-TW" sz="1200" dirty="0"/>
+              <a:t>value = [921,336]</a:t>
+            </a:r>
+          </a:p>
+          <a:p>
+            <a:pPr algn="ctr"/>
+            <a:r>
+              <a:rPr lang="en-US" altLang="zh-TW" sz="1200" dirty="0"/>
+              <a:t>Class = 1</a:t>
+            </a:r>
+            <a:endParaRPr lang="zh-TW" altLang="en-US" sz="1200" dirty="0"/>
+          </a:p>
+        </p:txBody>
+      </p:sp>
+      <p:sp>
+        <p:nvSpPr>
+          <p:cNvPr id="28" name="矩形 27">
+            <a:extLst>
+              <a:ext uri="{FF2B5EF4-FFF2-40B4-BE49-F238E27FC236}">
+                <a16:creationId xmlns:a16="http://schemas.microsoft.com/office/drawing/2014/main" id="{8643D93B-9325-49B7-89F0-6DE633AA9567}"/>
+              </a:ext>
+            </a:extLst>
+          </p:cNvPr>
+          <p:cNvSpPr/>
+          <p:nvPr/>
+        </p:nvSpPr>
+        <p:spPr>
+          <a:xfrm>
+            <a:off x="6031427" y="5667919"/>
+            <a:ext cx="1710561" cy="1019048"/>
+          </a:xfrm>
+          <a:prstGeom prst="rect">
+            <a:avLst/>
+          </a:prstGeom>
+          <a:solidFill>
+            <a:srgbClr val="4FA5BD"/>
+          </a:solidFill>
+          <a:ln>
+            <a:solidFill>
+              <a:srgbClr val="418D91"/>
+            </a:solidFill>
+          </a:ln>
+        </p:spPr>
+        <p:style>
+          <a:lnRef idx="2">
+            <a:schemeClr val="accent1">
+              <a:shade val="50000"/>
+            </a:schemeClr>
+          </a:lnRef>
+          <a:fillRef idx="1">
+            <a:schemeClr val="accent1"/>
+          </a:fillRef>
+          <a:effectRef idx="0">
+            <a:schemeClr val="accent1"/>
+          </a:effectRef>
+          <a:fontRef idx="minor">
+            <a:schemeClr val="lt1"/>
+          </a:fontRef>
+        </p:style>
+        <p:txBody>
+          <a:bodyPr rtlCol="0" anchor="ctr"/>
+          <a:lstStyle/>
+          <a:p>
+            <a:pPr algn="ctr"/>
+            <a:r>
+              <a:rPr lang="en-US" altLang="zh-TW" sz="1200" dirty="0" err="1"/>
+              <a:t>products_number</a:t>
+            </a:r>
+            <a:r>
+              <a:rPr lang="en-US" altLang="zh-TW" sz="1200" dirty="0"/>
+              <a:t> &lt;= 2.5</a:t>
+            </a:r>
+          </a:p>
+          <a:p>
+            <a:pPr algn="ctr"/>
+            <a:r>
+              <a:rPr lang="en-US" altLang="zh-TW" sz="1200" dirty="0"/>
+              <a:t>entropy = 0.996</a:t>
+            </a:r>
+          </a:p>
+          <a:p>
+            <a:pPr algn="ctr"/>
+            <a:r>
+              <a:rPr lang="en-US" altLang="zh-TW" sz="1200" dirty="0"/>
+              <a:t>samples = 694</a:t>
+            </a:r>
+          </a:p>
+          <a:p>
+            <a:pPr algn="ctr"/>
+            <a:r>
+              <a:rPr lang="en-US" altLang="zh-TW" sz="1200" dirty="0"/>
+              <a:t>value = [374,320]</a:t>
+            </a:r>
+          </a:p>
+          <a:p>
+            <a:pPr algn="ctr"/>
+            <a:r>
+              <a:rPr lang="en-US" altLang="zh-TW" sz="1200" dirty="0"/>
+              <a:t>Class = 1</a:t>
+            </a:r>
+            <a:endParaRPr lang="zh-TW" altLang="en-US" sz="1200" dirty="0"/>
+          </a:p>
+        </p:txBody>
+      </p:sp>
+      <p:sp>
+        <p:nvSpPr>
+          <p:cNvPr id="29" name="矩形 28">
+            <a:extLst>
+              <a:ext uri="{FF2B5EF4-FFF2-40B4-BE49-F238E27FC236}">
+                <a16:creationId xmlns:a16="http://schemas.microsoft.com/office/drawing/2014/main" id="{367D2CA4-8645-4520-84CD-4861AF7303DF}"/>
+              </a:ext>
+            </a:extLst>
+          </p:cNvPr>
+          <p:cNvSpPr/>
+          <p:nvPr/>
+        </p:nvSpPr>
+        <p:spPr>
+          <a:xfrm>
+            <a:off x="7796989" y="5667919"/>
+            <a:ext cx="1232712" cy="1019048"/>
+          </a:xfrm>
+          <a:prstGeom prst="rect">
+            <a:avLst/>
+          </a:prstGeom>
+          <a:solidFill>
+            <a:srgbClr val="CB5C2E"/>
+          </a:solidFill>
+          <a:ln>
+            <a:solidFill>
+              <a:srgbClr val="CB5C2E"/>
+            </a:solidFill>
+          </a:ln>
+        </p:spPr>
+        <p:style>
+          <a:lnRef idx="2">
+            <a:schemeClr val="accent1">
+              <a:shade val="50000"/>
+            </a:schemeClr>
+          </a:lnRef>
+          <a:fillRef idx="1">
+            <a:schemeClr val="accent1"/>
+          </a:fillRef>
+          <a:effectRef idx="0">
+            <a:schemeClr val="accent1"/>
+          </a:effectRef>
+          <a:fontRef idx="minor">
+            <a:schemeClr val="lt1"/>
+          </a:fontRef>
+        </p:style>
+        <p:txBody>
+          <a:bodyPr rtlCol="0" anchor="ctr"/>
+          <a:lstStyle/>
+          <a:p>
+            <a:pPr algn="ctr"/>
+            <a:r>
+              <a:rPr lang="en-US" altLang="zh-TW" sz="1200" dirty="0"/>
+              <a:t>age &lt;= 73.0</a:t>
+            </a:r>
+          </a:p>
+          <a:p>
+            <a:pPr algn="ctr"/>
+            <a:r>
+              <a:rPr lang="en-US" altLang="zh-TW" sz="1200" dirty="0"/>
+              <a:t>entropy = 0.608</a:t>
+            </a:r>
+          </a:p>
+          <a:p>
+            <a:pPr algn="ctr"/>
+            <a:r>
+              <a:rPr lang="en-US" altLang="zh-TW" sz="1200" dirty="0"/>
+              <a:t>samples = 348</a:t>
+            </a:r>
+          </a:p>
+          <a:p>
+            <a:pPr algn="ctr"/>
+            <a:r>
+              <a:rPr lang="en-US" altLang="zh-TW" sz="1200" dirty="0"/>
+              <a:t>value = [52,296]</a:t>
+            </a:r>
+          </a:p>
+          <a:p>
+            <a:pPr algn="ctr"/>
+            <a:r>
+              <a:rPr lang="en-US" altLang="zh-TW" sz="1200" dirty="0"/>
+              <a:t>Class = 0</a:t>
+            </a:r>
+            <a:endParaRPr lang="zh-TW" altLang="en-US" sz="1200" dirty="0"/>
+          </a:p>
+        </p:txBody>
+      </p:sp>
+      <p:sp>
+        <p:nvSpPr>
+          <p:cNvPr id="32" name="矩形 31">
+            <a:extLst>
+              <a:ext uri="{FF2B5EF4-FFF2-40B4-BE49-F238E27FC236}">
+                <a16:creationId xmlns:a16="http://schemas.microsoft.com/office/drawing/2014/main" id="{053DE5AD-E7A9-44D3-9A4B-DB50688AFB56}"/>
+              </a:ext>
+            </a:extLst>
+          </p:cNvPr>
+          <p:cNvSpPr/>
+          <p:nvPr/>
+        </p:nvSpPr>
+        <p:spPr>
+          <a:xfrm>
+            <a:off x="9082361" y="5667919"/>
+            <a:ext cx="1710561" cy="1019048"/>
+          </a:xfrm>
+          <a:prstGeom prst="rect">
+            <a:avLst/>
+          </a:prstGeom>
+          <a:solidFill>
+            <a:srgbClr val="4FA5BD"/>
+          </a:solidFill>
+          <a:ln>
+            <a:solidFill>
+              <a:srgbClr val="418D91"/>
+            </a:solidFill>
+          </a:ln>
+        </p:spPr>
+        <p:style>
+          <a:lnRef idx="2">
+            <a:schemeClr val="accent1">
+              <a:shade val="50000"/>
+            </a:schemeClr>
+          </a:lnRef>
+          <a:fillRef idx="1">
+            <a:schemeClr val="accent1"/>
+          </a:fillRef>
+          <a:effectRef idx="0">
+            <a:schemeClr val="accent1"/>
+          </a:effectRef>
+          <a:fontRef idx="minor">
+            <a:schemeClr val="lt1"/>
+          </a:fontRef>
+        </p:style>
+        <p:txBody>
+          <a:bodyPr rtlCol="0" anchor="ctr"/>
+          <a:lstStyle/>
+          <a:p>
+            <a:pPr algn="ctr"/>
+            <a:r>
+              <a:rPr lang="en-US" altLang="zh-TW" sz="1200" dirty="0" err="1"/>
+              <a:t>products_number</a:t>
+            </a:r>
+            <a:r>
+              <a:rPr lang="en-US" altLang="zh-TW" sz="1200" dirty="0"/>
+              <a:t> &lt;= 1.5</a:t>
+            </a:r>
+          </a:p>
+          <a:p>
+            <a:pPr algn="ctr"/>
+            <a:r>
+              <a:rPr lang="en-US" altLang="zh-TW" sz="1200" dirty="0"/>
+              <a:t>entropy = 0.785</a:t>
+            </a:r>
+          </a:p>
+          <a:p>
+            <a:pPr algn="ctr"/>
+            <a:r>
+              <a:rPr lang="en-US" altLang="zh-TW" sz="1200" dirty="0"/>
+              <a:t>samples = 1196</a:t>
+            </a:r>
+          </a:p>
+          <a:p>
+            <a:pPr algn="ctr"/>
+            <a:r>
+              <a:rPr lang="en-US" altLang="zh-TW" sz="1200" dirty="0"/>
+              <a:t>value = [916,280]</a:t>
+            </a:r>
+          </a:p>
+          <a:p>
+            <a:pPr algn="ctr"/>
+            <a:r>
+              <a:rPr lang="en-US" altLang="zh-TW" sz="1200" dirty="0"/>
+              <a:t>Class = 1</a:t>
+            </a:r>
+            <a:endParaRPr lang="zh-TW" altLang="en-US" sz="1200" dirty="0"/>
+          </a:p>
+        </p:txBody>
+      </p:sp>
+      <p:sp>
+        <p:nvSpPr>
+          <p:cNvPr id="33" name="矩形 32">
+            <a:extLst>
+              <a:ext uri="{FF2B5EF4-FFF2-40B4-BE49-F238E27FC236}">
+                <a16:creationId xmlns:a16="http://schemas.microsoft.com/office/drawing/2014/main" id="{DBA39F36-68E3-4DD6-B2FB-C90CD8F48BF2}"/>
+              </a:ext>
+            </a:extLst>
+          </p:cNvPr>
+          <p:cNvSpPr/>
+          <p:nvPr/>
+        </p:nvSpPr>
+        <p:spPr>
+          <a:xfrm>
+            <a:off x="10840548" y="5667919"/>
+            <a:ext cx="1168690" cy="1019048"/>
+          </a:xfrm>
+          <a:prstGeom prst="rect">
+            <a:avLst/>
+          </a:prstGeom>
+          <a:solidFill>
+            <a:srgbClr val="DC8866"/>
+          </a:solidFill>
+          <a:ln>
+            <a:solidFill>
+              <a:srgbClr val="DC8866"/>
+            </a:solidFill>
+          </a:ln>
+        </p:spPr>
+        <p:style>
+          <a:lnRef idx="2">
+            <a:schemeClr val="accent1">
+              <a:shade val="50000"/>
+            </a:schemeClr>
+          </a:lnRef>
+          <a:fillRef idx="1">
+            <a:schemeClr val="accent1"/>
+          </a:fillRef>
+          <a:effectRef idx="0">
+            <a:schemeClr val="accent1"/>
+          </a:effectRef>
+          <a:fontRef idx="minor">
+            <a:schemeClr val="lt1"/>
+          </a:fontRef>
+        </p:style>
+        <p:txBody>
+          <a:bodyPr rtlCol="0" anchor="ctr"/>
+          <a:lstStyle/>
+          <a:p>
+            <a:pPr algn="ctr"/>
+            <a:r>
+              <a:rPr lang="en-US" altLang="zh-TW" sz="1200" dirty="0"/>
+              <a:t>age &lt;= 65.5</a:t>
+            </a:r>
+          </a:p>
+          <a:p>
+            <a:pPr algn="ctr"/>
+            <a:r>
+              <a:rPr lang="en-US" altLang="zh-TW" sz="1200" dirty="0"/>
+              <a:t>entropy = 0.409</a:t>
+            </a:r>
+          </a:p>
+          <a:p>
+            <a:pPr algn="ctr"/>
+            <a:r>
+              <a:rPr lang="en-US" altLang="zh-TW" sz="1200" dirty="0"/>
+              <a:t>samples = 61</a:t>
+            </a:r>
+          </a:p>
+          <a:p>
+            <a:pPr algn="ctr"/>
+            <a:r>
+              <a:rPr lang="en-US" altLang="zh-TW" sz="1200" dirty="0"/>
+              <a:t>value = [5,56]</a:t>
+            </a:r>
+          </a:p>
+          <a:p>
+            <a:pPr algn="ctr"/>
+            <a:r>
+              <a:rPr lang="en-US" altLang="zh-TW" sz="1200" dirty="0"/>
+              <a:t>Class = 0</a:t>
+            </a:r>
+            <a:endParaRPr lang="zh-TW" altLang="en-US" sz="1200" dirty="0"/>
+          </a:p>
+        </p:txBody>
+      </p:sp>
+      <p:sp>
+        <p:nvSpPr>
+          <p:cNvPr id="34" name="矩形 33">
+            <a:extLst>
+              <a:ext uri="{FF2B5EF4-FFF2-40B4-BE49-F238E27FC236}">
+                <a16:creationId xmlns:a16="http://schemas.microsoft.com/office/drawing/2014/main" id="{0063BD22-FAA9-494E-B6E9-273F1CCA1E59}"/>
+              </a:ext>
+            </a:extLst>
+          </p:cNvPr>
+          <p:cNvSpPr/>
+          <p:nvPr/>
+        </p:nvSpPr>
+        <p:spPr>
+          <a:xfrm>
+            <a:off x="4524723" y="5667919"/>
+            <a:ext cx="1451704" cy="1019048"/>
+          </a:xfrm>
+          <a:prstGeom prst="rect">
+            <a:avLst/>
+          </a:prstGeom>
+          <a:solidFill>
+            <a:srgbClr val="DC8866"/>
+          </a:solidFill>
+          <a:ln>
+            <a:solidFill>
+              <a:srgbClr val="DC8866"/>
+            </a:solidFill>
+          </a:ln>
+        </p:spPr>
+        <p:style>
+          <a:lnRef idx="2">
+            <a:schemeClr val="accent1">
+              <a:shade val="50000"/>
+            </a:schemeClr>
+          </a:lnRef>
+          <a:fillRef idx="1">
+            <a:schemeClr val="accent1"/>
+          </a:fillRef>
+          <a:effectRef idx="0">
+            <a:schemeClr val="accent1"/>
+          </a:effectRef>
+          <a:fontRef idx="minor">
+            <a:schemeClr val="lt1"/>
+          </a:fontRef>
+        </p:style>
+        <p:txBody>
+          <a:bodyPr rtlCol="0" anchor="ctr"/>
+          <a:lstStyle/>
+          <a:p>
+            <a:pPr algn="ctr"/>
+            <a:r>
+              <a:rPr lang="en-US" altLang="zh-TW" sz="1200" dirty="0" err="1"/>
+              <a:t>estimated_salary</a:t>
+            </a:r>
+            <a:r>
+              <a:rPr lang="en-US" altLang="zh-TW" sz="1200" dirty="0"/>
+              <a:t> &lt;= 193039.227</a:t>
+            </a:r>
+          </a:p>
+          <a:p>
+            <a:pPr algn="ctr"/>
+            <a:r>
+              <a:rPr lang="en-US" altLang="zh-TW" sz="1200" dirty="0"/>
+              <a:t>entropy = 0.443</a:t>
+            </a:r>
+          </a:p>
+          <a:p>
+            <a:pPr algn="ctr"/>
+            <a:r>
+              <a:rPr lang="en-US" altLang="zh-TW" sz="1200" dirty="0"/>
+              <a:t>samples = 76</a:t>
+            </a:r>
+          </a:p>
+          <a:p>
+            <a:pPr algn="ctr"/>
+            <a:r>
+              <a:rPr lang="en-US" altLang="zh-TW" sz="1200" dirty="0"/>
+              <a:t>value = [7,69]</a:t>
+            </a:r>
+          </a:p>
+          <a:p>
+            <a:pPr algn="ctr"/>
+            <a:r>
+              <a:rPr lang="en-US" altLang="zh-TW" sz="1200" dirty="0"/>
+              <a:t>Class = 0</a:t>
+            </a:r>
+            <a:endParaRPr lang="zh-TW" altLang="en-US" sz="1200" dirty="0"/>
+          </a:p>
+        </p:txBody>
+      </p:sp>
+      <p:sp>
+        <p:nvSpPr>
+          <p:cNvPr id="35" name="矩形 34">
+            <a:extLst>
+              <a:ext uri="{FF2B5EF4-FFF2-40B4-BE49-F238E27FC236}">
+                <a16:creationId xmlns:a16="http://schemas.microsoft.com/office/drawing/2014/main" id="{F5F68E00-D07F-4894-9226-ECF3DCA857B6}"/>
+              </a:ext>
+            </a:extLst>
+          </p:cNvPr>
+          <p:cNvSpPr/>
+          <p:nvPr/>
+        </p:nvSpPr>
+        <p:spPr>
+          <a:xfrm>
+            <a:off x="2960803" y="5667919"/>
+            <a:ext cx="1508920" cy="1019048"/>
+          </a:xfrm>
+          <a:prstGeom prst="rect">
+            <a:avLst/>
+          </a:prstGeom>
+          <a:solidFill>
+            <a:srgbClr val="CB5C2E"/>
+          </a:solidFill>
+          <a:ln>
+            <a:solidFill>
+              <a:srgbClr val="CB5C2E"/>
+            </a:solidFill>
+          </a:ln>
+        </p:spPr>
+        <p:style>
+          <a:lnRef idx="2">
+            <a:schemeClr val="accent1">
+              <a:shade val="50000"/>
+            </a:schemeClr>
+          </a:lnRef>
+          <a:fillRef idx="1">
+            <a:schemeClr val="accent1"/>
+          </a:fillRef>
+          <a:effectRef idx="0">
+            <a:schemeClr val="accent1"/>
+          </a:effectRef>
+          <a:fontRef idx="minor">
+            <a:schemeClr val="lt1"/>
+          </a:fontRef>
+        </p:style>
+        <p:txBody>
+          <a:bodyPr rtlCol="0" anchor="ctr"/>
+          <a:lstStyle/>
+          <a:p>
+            <a:pPr algn="ctr"/>
+            <a:r>
+              <a:rPr lang="en-US" altLang="zh-TW" sz="1200" dirty="0" err="1"/>
+              <a:t>estimated_salary</a:t>
+            </a:r>
+            <a:r>
+              <a:rPr lang="en-US" altLang="zh-TW" sz="1200" dirty="0"/>
+              <a:t> &lt;= 167555.125</a:t>
+            </a:r>
+          </a:p>
+          <a:p>
+            <a:pPr algn="ctr"/>
+            <a:r>
+              <a:rPr lang="en-US" altLang="zh-TW" sz="1200" dirty="0"/>
+              <a:t>entropy = 1.0</a:t>
+            </a:r>
+          </a:p>
+          <a:p>
+            <a:pPr algn="ctr"/>
+            <a:r>
+              <a:rPr lang="en-US" altLang="zh-TW" sz="1200" dirty="0"/>
+              <a:t>samples = 51</a:t>
+            </a:r>
+          </a:p>
+          <a:p>
+            <a:pPr algn="ctr"/>
+            <a:r>
+              <a:rPr lang="en-US" altLang="zh-TW" sz="1200" dirty="0"/>
+              <a:t>value = [25,26]</a:t>
+            </a:r>
+          </a:p>
+          <a:p>
+            <a:pPr algn="ctr"/>
+            <a:r>
+              <a:rPr lang="en-US" altLang="zh-TW" sz="1200" dirty="0"/>
+              <a:t>Class = 0</a:t>
+            </a:r>
+            <a:endParaRPr lang="zh-TW" altLang="en-US" sz="1200" dirty="0"/>
+          </a:p>
+        </p:txBody>
+      </p:sp>
+      <p:sp>
+        <p:nvSpPr>
+          <p:cNvPr id="36" name="矩形 35">
+            <a:extLst>
+              <a:ext uri="{FF2B5EF4-FFF2-40B4-BE49-F238E27FC236}">
+                <a16:creationId xmlns:a16="http://schemas.microsoft.com/office/drawing/2014/main" id="{95DDB2CC-6A50-4E02-81AE-81764BA0F3F2}"/>
+              </a:ext>
+            </a:extLst>
+          </p:cNvPr>
+          <p:cNvSpPr/>
+          <p:nvPr/>
+        </p:nvSpPr>
+        <p:spPr>
+          <a:xfrm>
+            <a:off x="1585796" y="5667919"/>
+            <a:ext cx="1320007" cy="1019048"/>
+          </a:xfrm>
+          <a:prstGeom prst="rect">
+            <a:avLst/>
+          </a:prstGeom>
+          <a:solidFill>
+            <a:srgbClr val="7EBDCE"/>
+          </a:solidFill>
+          <a:ln>
+            <a:solidFill>
+              <a:srgbClr val="418D91"/>
+            </a:solidFill>
+          </a:ln>
+        </p:spPr>
+        <p:style>
+          <a:lnRef idx="2">
+            <a:schemeClr val="accent1">
+              <a:shade val="50000"/>
+            </a:schemeClr>
+          </a:lnRef>
+          <a:fillRef idx="1">
+            <a:schemeClr val="accent1"/>
+          </a:fillRef>
+          <a:effectRef idx="0">
+            <a:schemeClr val="accent1"/>
+          </a:effectRef>
+          <a:fontRef idx="minor">
+            <a:schemeClr val="lt1"/>
+          </a:fontRef>
+        </p:style>
+        <p:txBody>
+          <a:bodyPr rtlCol="0" anchor="ctr"/>
+          <a:lstStyle/>
+          <a:p>
+            <a:pPr algn="ctr"/>
+            <a:r>
+              <a:rPr lang="en-US" altLang="zh-TW" sz="1200" dirty="0" err="1"/>
+              <a:t>balace</a:t>
+            </a:r>
+            <a:r>
+              <a:rPr lang="en-US" altLang="zh-TW" sz="1200" dirty="0"/>
+              <a:t> &lt;= 1884</a:t>
+            </a:r>
+          </a:p>
+          <a:p>
+            <a:pPr algn="ctr"/>
+            <a:r>
+              <a:rPr lang="en-US" altLang="zh-TW" sz="1200" dirty="0"/>
+              <a:t>entropy = 0.255</a:t>
+            </a:r>
+          </a:p>
+          <a:p>
+            <a:pPr algn="ctr"/>
+            <a:r>
+              <a:rPr lang="en-US" altLang="zh-TW" sz="1200" dirty="0"/>
+              <a:t>samples = 2809</a:t>
+            </a:r>
+          </a:p>
+          <a:p>
+            <a:pPr algn="ctr"/>
+            <a:r>
+              <a:rPr lang="en-US" altLang="zh-TW" sz="1200" dirty="0"/>
+              <a:t>value = [2689,120]</a:t>
+            </a:r>
+          </a:p>
+          <a:p>
+            <a:pPr algn="ctr"/>
+            <a:r>
+              <a:rPr lang="en-US" altLang="zh-TW" sz="1200" dirty="0"/>
+              <a:t>Class = 1</a:t>
+            </a:r>
+            <a:endParaRPr lang="zh-TW" altLang="en-US" sz="1200" dirty="0"/>
+          </a:p>
+        </p:txBody>
+      </p:sp>
+      <p:sp>
+        <p:nvSpPr>
+          <p:cNvPr id="37" name="矩形 36">
+            <a:extLst>
+              <a:ext uri="{FF2B5EF4-FFF2-40B4-BE49-F238E27FC236}">
+                <a16:creationId xmlns:a16="http://schemas.microsoft.com/office/drawing/2014/main" id="{7D364F93-B346-408C-AEAE-696E2CF64664}"/>
+              </a:ext>
+            </a:extLst>
+          </p:cNvPr>
+          <p:cNvSpPr/>
+          <p:nvPr/>
+        </p:nvSpPr>
+        <p:spPr>
+          <a:xfrm>
+            <a:off x="163106" y="5667919"/>
+            <a:ext cx="1320007" cy="1019048"/>
+          </a:xfrm>
+          <a:prstGeom prst="rect">
+            <a:avLst/>
+          </a:prstGeom>
+          <a:solidFill>
+            <a:srgbClr val="4FA5BD"/>
+          </a:solidFill>
+          <a:ln>
+            <a:solidFill>
+              <a:srgbClr val="418D91"/>
+            </a:solidFill>
+          </a:ln>
+        </p:spPr>
+        <p:style>
+          <a:lnRef idx="2">
+            <a:schemeClr val="accent1">
+              <a:shade val="50000"/>
+            </a:schemeClr>
+          </a:lnRef>
+          <a:fillRef idx="1">
+            <a:schemeClr val="accent1"/>
+          </a:fillRef>
+          <a:effectRef idx="0">
+            <a:schemeClr val="accent1"/>
+          </a:effectRef>
+          <a:fontRef idx="minor">
+            <a:schemeClr val="lt1"/>
+          </a:fontRef>
+        </p:style>
+        <p:txBody>
+          <a:bodyPr rtlCol="0" anchor="ctr"/>
+          <a:lstStyle/>
+          <a:p>
+            <a:pPr algn="ctr"/>
+            <a:r>
+              <a:rPr lang="en-US" altLang="zh-TW" sz="1200" dirty="0"/>
+              <a:t>country &lt;= 1.5</a:t>
+            </a:r>
+          </a:p>
+          <a:p>
+            <a:pPr algn="ctr"/>
+            <a:r>
+              <a:rPr lang="en-US" altLang="zh-TW" sz="1200" dirty="0"/>
+              <a:t>entropy = 0.653</a:t>
+            </a:r>
+          </a:p>
+          <a:p>
+            <a:pPr algn="ctr"/>
+            <a:r>
+              <a:rPr lang="en-US" altLang="zh-TW" sz="1200" dirty="0"/>
+              <a:t>samples = 2765</a:t>
+            </a:r>
+          </a:p>
+          <a:p>
+            <a:pPr algn="ctr"/>
+            <a:r>
+              <a:rPr lang="en-US" altLang="zh-TW" sz="1200" dirty="0"/>
+              <a:t>value = [2301,464]</a:t>
+            </a:r>
+          </a:p>
+          <a:p>
+            <a:pPr algn="ctr"/>
+            <a:r>
+              <a:rPr lang="en-US" altLang="zh-TW" sz="1200" dirty="0"/>
+              <a:t>Class = 1</a:t>
+            </a:r>
+            <a:endParaRPr lang="zh-TW" altLang="en-US" sz="1200" dirty="0"/>
+          </a:p>
+        </p:txBody>
+      </p:sp>
+      <p:cxnSp>
+        <p:nvCxnSpPr>
+          <p:cNvPr id="39" name="直線單箭頭接點 38" descr="ddd">
+            <a:extLst>
+              <a:ext uri="{FF2B5EF4-FFF2-40B4-BE49-F238E27FC236}">
+                <a16:creationId xmlns:a16="http://schemas.microsoft.com/office/drawing/2014/main" id="{2674588A-D3ED-4E47-A5D2-0FF87E7B445B}"/>
+              </a:ext>
+              <a:ext uri="{C183D7F6-B498-43B3-948B-1728B52AA6E4}">
+                <adec:decorative xmlns:adec="http://schemas.microsoft.com/office/drawing/2017/decorative" val="0"/>
+              </a:ext>
+            </a:extLst>
+          </p:cNvPr>
+          <p:cNvCxnSpPr>
+            <a:cxnSpLocks/>
+            <a:stCxn id="20" idx="2"/>
+            <a:endCxn id="21" idx="0"/>
+          </p:cNvCxnSpPr>
+          <p:nvPr/>
+        </p:nvCxnSpPr>
+        <p:spPr>
+          <a:xfrm flipH="1">
+            <a:off x="3101080" y="2300651"/>
+            <a:ext cx="2887553" cy="470253"/>
+          </a:xfrm>
+          <a:prstGeom prst="straightConnector1">
+            <a:avLst/>
+          </a:prstGeom>
+          <a:ln>
+            <a:solidFill>
+              <a:srgbClr val="063944"/>
+            </a:solidFill>
+            <a:tailEnd type="triangle"/>
+          </a:ln>
+        </p:spPr>
+        <p:style>
+          <a:lnRef idx="3">
+            <a:schemeClr val="accent1"/>
+          </a:lnRef>
+          <a:fillRef idx="0">
+            <a:schemeClr val="accent1"/>
+          </a:fillRef>
+          <a:effectRef idx="2">
+            <a:schemeClr val="accent1"/>
+          </a:effectRef>
+          <a:fontRef idx="minor">
+            <a:schemeClr val="tx1"/>
+          </a:fontRef>
+        </p:style>
+      </p:cxnSp>
+      <p:cxnSp>
+        <p:nvCxnSpPr>
+          <p:cNvPr id="41" name="直線單箭頭接點 40" descr="ddd">
+            <a:extLst>
+              <a:ext uri="{FF2B5EF4-FFF2-40B4-BE49-F238E27FC236}">
+                <a16:creationId xmlns:a16="http://schemas.microsoft.com/office/drawing/2014/main" id="{4B98FF6F-E97A-4F75-AC7B-DD3A72501DC4}"/>
+              </a:ext>
+              <a:ext uri="{C183D7F6-B498-43B3-948B-1728B52AA6E4}">
+                <adec:decorative xmlns:adec="http://schemas.microsoft.com/office/drawing/2017/decorative" val="0"/>
+              </a:ext>
+            </a:extLst>
+          </p:cNvPr>
+          <p:cNvCxnSpPr>
+            <a:cxnSpLocks/>
+            <a:stCxn id="20" idx="2"/>
+            <a:endCxn id="22" idx="0"/>
+          </p:cNvCxnSpPr>
+          <p:nvPr/>
+        </p:nvCxnSpPr>
+        <p:spPr>
+          <a:xfrm>
+            <a:off x="5988633" y="2300651"/>
+            <a:ext cx="3271186" cy="470252"/>
+          </a:xfrm>
+          <a:prstGeom prst="straightConnector1">
+            <a:avLst/>
+          </a:prstGeom>
+          <a:ln>
+            <a:solidFill>
+              <a:srgbClr val="063944"/>
+            </a:solidFill>
+            <a:tailEnd type="triangle"/>
+          </a:ln>
+        </p:spPr>
+        <p:style>
+          <a:lnRef idx="3">
+            <a:schemeClr val="accent1"/>
+          </a:lnRef>
+          <a:fillRef idx="0">
+            <a:schemeClr val="accent1"/>
+          </a:fillRef>
+          <a:effectRef idx="2">
+            <a:schemeClr val="accent1"/>
+          </a:effectRef>
+          <a:fontRef idx="minor">
+            <a:schemeClr val="tx1"/>
+          </a:fontRef>
+        </p:style>
+      </p:cxnSp>
+      <p:cxnSp>
+        <p:nvCxnSpPr>
+          <p:cNvPr id="45" name="直線單箭頭接點 44" descr="ddd">
+            <a:extLst>
+              <a:ext uri="{FF2B5EF4-FFF2-40B4-BE49-F238E27FC236}">
+                <a16:creationId xmlns:a16="http://schemas.microsoft.com/office/drawing/2014/main" id="{6F6175D3-14E9-4B6D-A4B6-A468221C3E1B}"/>
+              </a:ext>
+              <a:ext uri="{C183D7F6-B498-43B3-948B-1728B52AA6E4}">
+                <adec:decorative xmlns:adec="http://schemas.microsoft.com/office/drawing/2017/decorative" val="0"/>
+              </a:ext>
+            </a:extLst>
+          </p:cNvPr>
+          <p:cNvCxnSpPr>
+            <a:cxnSpLocks/>
+            <a:stCxn id="21" idx="2"/>
+            <a:endCxn id="23" idx="0"/>
+          </p:cNvCxnSpPr>
+          <p:nvPr/>
+        </p:nvCxnSpPr>
+        <p:spPr>
+          <a:xfrm flipH="1">
+            <a:off x="1585796" y="3788615"/>
+            <a:ext cx="1515284" cy="430128"/>
+          </a:xfrm>
+          <a:prstGeom prst="straightConnector1">
+            <a:avLst/>
+          </a:prstGeom>
+          <a:ln>
+            <a:solidFill>
+              <a:srgbClr val="063944"/>
+            </a:solidFill>
+            <a:tailEnd type="triangle"/>
+          </a:ln>
+        </p:spPr>
+        <p:style>
+          <a:lnRef idx="3">
+            <a:schemeClr val="accent1"/>
+          </a:lnRef>
+          <a:fillRef idx="0">
+            <a:schemeClr val="accent1"/>
+          </a:fillRef>
+          <a:effectRef idx="2">
+            <a:schemeClr val="accent1"/>
+          </a:effectRef>
+          <a:fontRef idx="minor">
+            <a:schemeClr val="tx1"/>
+          </a:fontRef>
+        </p:style>
+      </p:cxnSp>
+      <p:cxnSp>
+        <p:nvCxnSpPr>
+          <p:cNvPr id="48" name="直線單箭頭接點 47" descr="ddd">
+            <a:extLst>
+              <a:ext uri="{FF2B5EF4-FFF2-40B4-BE49-F238E27FC236}">
+                <a16:creationId xmlns:a16="http://schemas.microsoft.com/office/drawing/2014/main" id="{A76DD7AF-D747-4785-BADF-C5C94345C2F7}"/>
+              </a:ext>
+              <a:ext uri="{C183D7F6-B498-43B3-948B-1728B52AA6E4}">
+                <adec:decorative xmlns:adec="http://schemas.microsoft.com/office/drawing/2017/decorative" val="0"/>
+              </a:ext>
+            </a:extLst>
+          </p:cNvPr>
+          <p:cNvCxnSpPr>
+            <a:cxnSpLocks/>
+            <a:stCxn id="21" idx="2"/>
+            <a:endCxn id="24" idx="0"/>
+          </p:cNvCxnSpPr>
+          <p:nvPr/>
+        </p:nvCxnSpPr>
+        <p:spPr>
+          <a:xfrm>
+            <a:off x="3101080" y="3788615"/>
+            <a:ext cx="1423643" cy="430128"/>
+          </a:xfrm>
+          <a:prstGeom prst="straightConnector1">
+            <a:avLst/>
+          </a:prstGeom>
+          <a:ln>
+            <a:solidFill>
+              <a:srgbClr val="264653"/>
+            </a:solidFill>
+            <a:tailEnd type="triangle"/>
+          </a:ln>
+        </p:spPr>
+        <p:style>
+          <a:lnRef idx="3">
+            <a:schemeClr val="accent1"/>
+          </a:lnRef>
+          <a:fillRef idx="0">
+            <a:schemeClr val="accent1"/>
+          </a:fillRef>
+          <a:effectRef idx="2">
+            <a:schemeClr val="accent1"/>
+          </a:effectRef>
+          <a:fontRef idx="minor">
+            <a:schemeClr val="tx1"/>
+          </a:fontRef>
+        </p:style>
+      </p:cxnSp>
+      <p:cxnSp>
+        <p:nvCxnSpPr>
+          <p:cNvPr id="49" name="直線單箭頭接點 48" descr="ddd">
+            <a:extLst>
+              <a:ext uri="{FF2B5EF4-FFF2-40B4-BE49-F238E27FC236}">
+                <a16:creationId xmlns:a16="http://schemas.microsoft.com/office/drawing/2014/main" id="{2EA6F829-6D95-4537-9AAE-4B9E6116F7E6}"/>
+              </a:ext>
+              <a:ext uri="{C183D7F6-B498-43B3-948B-1728B52AA6E4}">
+                <adec:decorative xmlns:adec="http://schemas.microsoft.com/office/drawing/2017/decorative" val="0"/>
+              </a:ext>
+            </a:extLst>
+          </p:cNvPr>
+          <p:cNvCxnSpPr>
+            <a:cxnSpLocks/>
+            <a:stCxn id="23" idx="2"/>
+            <a:endCxn id="37" idx="0"/>
+          </p:cNvCxnSpPr>
+          <p:nvPr/>
+        </p:nvCxnSpPr>
+        <p:spPr>
+          <a:xfrm flipH="1">
+            <a:off x="823110" y="5237791"/>
+            <a:ext cx="762686" cy="430128"/>
+          </a:xfrm>
+          <a:prstGeom prst="straightConnector1">
+            <a:avLst/>
+          </a:prstGeom>
+          <a:ln>
+            <a:solidFill>
+              <a:srgbClr val="063944"/>
+            </a:solidFill>
+            <a:tailEnd type="triangle"/>
+          </a:ln>
+        </p:spPr>
+        <p:style>
+          <a:lnRef idx="3">
+            <a:schemeClr val="accent1"/>
+          </a:lnRef>
+          <a:fillRef idx="0">
+            <a:schemeClr val="accent1"/>
+          </a:fillRef>
+          <a:effectRef idx="2">
+            <a:schemeClr val="accent1"/>
+          </a:effectRef>
+          <a:fontRef idx="minor">
+            <a:schemeClr val="tx1"/>
+          </a:fontRef>
+        </p:style>
+      </p:cxnSp>
+      <p:cxnSp>
+        <p:nvCxnSpPr>
+          <p:cNvPr id="50" name="直線單箭頭接點 49" descr="ddd">
+            <a:extLst>
+              <a:ext uri="{FF2B5EF4-FFF2-40B4-BE49-F238E27FC236}">
+                <a16:creationId xmlns:a16="http://schemas.microsoft.com/office/drawing/2014/main" id="{94B536CF-4209-4684-8D83-3DD05A36F551}"/>
+              </a:ext>
+              <a:ext uri="{C183D7F6-B498-43B3-948B-1728B52AA6E4}">
+                <adec:decorative xmlns:adec="http://schemas.microsoft.com/office/drawing/2017/decorative" val="0"/>
+              </a:ext>
+            </a:extLst>
+          </p:cNvPr>
+          <p:cNvCxnSpPr>
+            <a:cxnSpLocks/>
+            <a:stCxn id="23" idx="2"/>
+            <a:endCxn id="36" idx="0"/>
+          </p:cNvCxnSpPr>
+          <p:nvPr/>
+        </p:nvCxnSpPr>
+        <p:spPr>
+          <a:xfrm>
+            <a:off x="1585796" y="5237791"/>
+            <a:ext cx="660004" cy="430128"/>
+          </a:xfrm>
+          <a:prstGeom prst="straightConnector1">
+            <a:avLst/>
+          </a:prstGeom>
+          <a:ln>
+            <a:solidFill>
+              <a:srgbClr val="063944"/>
+            </a:solidFill>
+            <a:tailEnd type="triangle"/>
+          </a:ln>
+        </p:spPr>
+        <p:style>
+          <a:lnRef idx="3">
+            <a:schemeClr val="accent1"/>
+          </a:lnRef>
+          <a:fillRef idx="0">
+            <a:schemeClr val="accent1"/>
+          </a:fillRef>
+          <a:effectRef idx="2">
+            <a:schemeClr val="accent1"/>
+          </a:effectRef>
+          <a:fontRef idx="minor">
+            <a:schemeClr val="tx1"/>
+          </a:fontRef>
+        </p:style>
+      </p:cxnSp>
+      <p:cxnSp>
+        <p:nvCxnSpPr>
+          <p:cNvPr id="51" name="直線單箭頭接點 50" descr="ddd">
+            <a:extLst>
+              <a:ext uri="{FF2B5EF4-FFF2-40B4-BE49-F238E27FC236}">
+                <a16:creationId xmlns:a16="http://schemas.microsoft.com/office/drawing/2014/main" id="{8E311F63-964F-490C-9AC0-62919FDF2D70}"/>
+              </a:ext>
+              <a:ext uri="{C183D7F6-B498-43B3-948B-1728B52AA6E4}">
+                <adec:decorative xmlns:adec="http://schemas.microsoft.com/office/drawing/2017/decorative" val="0"/>
+              </a:ext>
+            </a:extLst>
+          </p:cNvPr>
+          <p:cNvCxnSpPr>
+            <a:cxnSpLocks/>
+            <a:stCxn id="24" idx="2"/>
+            <a:endCxn id="35" idx="0"/>
+          </p:cNvCxnSpPr>
+          <p:nvPr/>
+        </p:nvCxnSpPr>
+        <p:spPr>
+          <a:xfrm flipH="1">
+            <a:off x="3715263" y="5237791"/>
+            <a:ext cx="809460" cy="430128"/>
+          </a:xfrm>
+          <a:prstGeom prst="straightConnector1">
+            <a:avLst/>
+          </a:prstGeom>
+          <a:ln>
+            <a:solidFill>
+              <a:srgbClr val="063944"/>
+            </a:solidFill>
+            <a:tailEnd type="triangle"/>
+          </a:ln>
+        </p:spPr>
+        <p:style>
+          <a:lnRef idx="3">
+            <a:schemeClr val="accent1"/>
+          </a:lnRef>
+          <a:fillRef idx="0">
+            <a:schemeClr val="accent1"/>
+          </a:fillRef>
+          <a:effectRef idx="2">
+            <a:schemeClr val="accent1"/>
+          </a:effectRef>
+          <a:fontRef idx="minor">
+            <a:schemeClr val="tx1"/>
+          </a:fontRef>
+        </p:style>
+      </p:cxnSp>
+      <p:cxnSp>
+        <p:nvCxnSpPr>
+          <p:cNvPr id="52" name="直線單箭頭接點 51" descr="ddd">
+            <a:extLst>
+              <a:ext uri="{FF2B5EF4-FFF2-40B4-BE49-F238E27FC236}">
+                <a16:creationId xmlns:a16="http://schemas.microsoft.com/office/drawing/2014/main" id="{915714D8-ED0C-40FB-8058-7C7D0ADC2C9A}"/>
+              </a:ext>
+              <a:ext uri="{C183D7F6-B498-43B3-948B-1728B52AA6E4}">
+                <adec:decorative xmlns:adec="http://schemas.microsoft.com/office/drawing/2017/decorative" val="0"/>
+              </a:ext>
+            </a:extLst>
+          </p:cNvPr>
+          <p:cNvCxnSpPr>
+            <a:cxnSpLocks/>
+            <a:stCxn id="24" idx="2"/>
+            <a:endCxn id="34" idx="0"/>
+          </p:cNvCxnSpPr>
+          <p:nvPr/>
+        </p:nvCxnSpPr>
+        <p:spPr>
+          <a:xfrm>
+            <a:off x="4524723" y="5237791"/>
+            <a:ext cx="725852" cy="430128"/>
+          </a:xfrm>
+          <a:prstGeom prst="straightConnector1">
+            <a:avLst/>
+          </a:prstGeom>
+          <a:ln>
+            <a:solidFill>
+              <a:srgbClr val="063944"/>
+            </a:solidFill>
+            <a:tailEnd type="triangle"/>
+          </a:ln>
+        </p:spPr>
+        <p:style>
+          <a:lnRef idx="3">
+            <a:schemeClr val="accent1"/>
+          </a:lnRef>
+          <a:fillRef idx="0">
+            <a:schemeClr val="accent1"/>
+          </a:fillRef>
+          <a:effectRef idx="2">
+            <a:schemeClr val="accent1"/>
+          </a:effectRef>
+          <a:fontRef idx="minor">
+            <a:schemeClr val="tx1"/>
+          </a:fontRef>
+        </p:style>
+      </p:cxnSp>
+      <p:cxnSp>
+        <p:nvCxnSpPr>
+          <p:cNvPr id="53" name="直線單箭頭接點 52" descr="ddd">
+            <a:extLst>
+              <a:ext uri="{FF2B5EF4-FFF2-40B4-BE49-F238E27FC236}">
+                <a16:creationId xmlns:a16="http://schemas.microsoft.com/office/drawing/2014/main" id="{D584D90C-E31E-4DE0-B2EC-313E10F4BE91}"/>
+              </a:ext>
+              <a:ext uri="{C183D7F6-B498-43B3-948B-1728B52AA6E4}">
+                <adec:decorative xmlns:adec="http://schemas.microsoft.com/office/drawing/2017/decorative" val="0"/>
+              </a:ext>
+            </a:extLst>
+          </p:cNvPr>
+          <p:cNvCxnSpPr>
+            <a:cxnSpLocks/>
+            <a:stCxn id="22" idx="2"/>
+            <a:endCxn id="25" idx="0"/>
+          </p:cNvCxnSpPr>
+          <p:nvPr/>
+        </p:nvCxnSpPr>
+        <p:spPr>
+          <a:xfrm flipH="1">
+            <a:off x="7699195" y="3788614"/>
+            <a:ext cx="1560624" cy="430129"/>
+          </a:xfrm>
+          <a:prstGeom prst="straightConnector1">
+            <a:avLst/>
+          </a:prstGeom>
+          <a:ln>
+            <a:solidFill>
+              <a:srgbClr val="063944"/>
+            </a:solidFill>
+            <a:tailEnd type="triangle"/>
+          </a:ln>
+        </p:spPr>
+        <p:style>
+          <a:lnRef idx="3">
+            <a:schemeClr val="accent1"/>
+          </a:lnRef>
+          <a:fillRef idx="0">
+            <a:schemeClr val="accent1"/>
+          </a:fillRef>
+          <a:effectRef idx="2">
+            <a:schemeClr val="accent1"/>
+          </a:effectRef>
+          <a:fontRef idx="minor">
+            <a:schemeClr val="tx1"/>
+          </a:fontRef>
+        </p:style>
+      </p:cxnSp>
+      <p:cxnSp>
+        <p:nvCxnSpPr>
+          <p:cNvPr id="66" name="直線單箭頭接點 65" descr="ddd">
+            <a:extLst>
+              <a:ext uri="{FF2B5EF4-FFF2-40B4-BE49-F238E27FC236}">
+                <a16:creationId xmlns:a16="http://schemas.microsoft.com/office/drawing/2014/main" id="{715C33AB-A011-4D41-834C-CC073F229346}"/>
+              </a:ext>
+              <a:ext uri="{C183D7F6-B498-43B3-948B-1728B52AA6E4}">
+                <adec:decorative xmlns:adec="http://schemas.microsoft.com/office/drawing/2017/decorative" val="0"/>
+              </a:ext>
+            </a:extLst>
+          </p:cNvPr>
+          <p:cNvCxnSpPr>
+            <a:cxnSpLocks/>
+            <a:stCxn id="22" idx="2"/>
+            <a:endCxn id="27" idx="0"/>
+          </p:cNvCxnSpPr>
+          <p:nvPr/>
+        </p:nvCxnSpPr>
+        <p:spPr>
+          <a:xfrm>
+            <a:off x="9259819" y="3788614"/>
+            <a:ext cx="1383483" cy="430129"/>
+          </a:xfrm>
+          <a:prstGeom prst="straightConnector1">
+            <a:avLst/>
+          </a:prstGeom>
+          <a:ln>
+            <a:solidFill>
+              <a:srgbClr val="063944"/>
+            </a:solidFill>
+            <a:tailEnd type="triangle"/>
+          </a:ln>
+        </p:spPr>
+        <p:style>
+          <a:lnRef idx="3">
+            <a:schemeClr val="accent1"/>
+          </a:lnRef>
+          <a:fillRef idx="0">
+            <a:schemeClr val="accent1"/>
+          </a:fillRef>
+          <a:effectRef idx="2">
+            <a:schemeClr val="accent1"/>
+          </a:effectRef>
+          <a:fontRef idx="minor">
+            <a:schemeClr val="tx1"/>
+          </a:fontRef>
+        </p:style>
+      </p:cxnSp>
+      <p:cxnSp>
+        <p:nvCxnSpPr>
+          <p:cNvPr id="67" name="直線單箭頭接點 66" descr="ddd">
+            <a:extLst>
+              <a:ext uri="{FF2B5EF4-FFF2-40B4-BE49-F238E27FC236}">
+                <a16:creationId xmlns:a16="http://schemas.microsoft.com/office/drawing/2014/main" id="{4D7E8B22-D117-493D-9EB6-949A9CF278AA}"/>
+              </a:ext>
+              <a:ext uri="{C183D7F6-B498-43B3-948B-1728B52AA6E4}">
+                <adec:decorative xmlns:adec="http://schemas.microsoft.com/office/drawing/2017/decorative" val="0"/>
+              </a:ext>
+            </a:extLst>
+          </p:cNvPr>
+          <p:cNvCxnSpPr>
+            <a:cxnSpLocks/>
+            <a:stCxn id="25" idx="2"/>
+            <a:endCxn id="28" idx="0"/>
+          </p:cNvCxnSpPr>
+          <p:nvPr/>
+        </p:nvCxnSpPr>
+        <p:spPr>
+          <a:xfrm flipH="1">
+            <a:off x="6886708" y="5237791"/>
+            <a:ext cx="812487" cy="430128"/>
+          </a:xfrm>
+          <a:prstGeom prst="straightConnector1">
+            <a:avLst/>
+          </a:prstGeom>
+          <a:ln>
+            <a:solidFill>
+              <a:srgbClr val="063944"/>
+            </a:solidFill>
+            <a:tailEnd type="triangle"/>
+          </a:ln>
+        </p:spPr>
+        <p:style>
+          <a:lnRef idx="3">
+            <a:schemeClr val="accent1"/>
+          </a:lnRef>
+          <a:fillRef idx="0">
+            <a:schemeClr val="accent1"/>
+          </a:fillRef>
+          <a:effectRef idx="2">
+            <a:schemeClr val="accent1"/>
+          </a:effectRef>
+          <a:fontRef idx="minor">
+            <a:schemeClr val="tx1"/>
+          </a:fontRef>
+        </p:style>
+      </p:cxnSp>
+      <p:cxnSp>
+        <p:nvCxnSpPr>
+          <p:cNvPr id="68" name="直線單箭頭接點 67" descr="ddd">
+            <a:extLst>
+              <a:ext uri="{FF2B5EF4-FFF2-40B4-BE49-F238E27FC236}">
+                <a16:creationId xmlns:a16="http://schemas.microsoft.com/office/drawing/2014/main" id="{46A82FC2-9858-4E49-9A80-D324C6F237EB}"/>
+              </a:ext>
+              <a:ext uri="{C183D7F6-B498-43B3-948B-1728B52AA6E4}">
+                <adec:decorative xmlns:adec="http://schemas.microsoft.com/office/drawing/2017/decorative" val="0"/>
+              </a:ext>
+            </a:extLst>
+          </p:cNvPr>
+          <p:cNvCxnSpPr>
+            <a:cxnSpLocks/>
+            <a:stCxn id="25" idx="2"/>
+            <a:endCxn id="29" idx="0"/>
+          </p:cNvCxnSpPr>
+          <p:nvPr/>
+        </p:nvCxnSpPr>
+        <p:spPr>
+          <a:xfrm>
+            <a:off x="7699195" y="5237791"/>
+            <a:ext cx="714150" cy="430128"/>
+          </a:xfrm>
+          <a:prstGeom prst="straightConnector1">
+            <a:avLst/>
+          </a:prstGeom>
+          <a:ln>
+            <a:solidFill>
+              <a:srgbClr val="063944"/>
+            </a:solidFill>
+            <a:tailEnd type="triangle"/>
+          </a:ln>
+        </p:spPr>
+        <p:style>
+          <a:lnRef idx="3">
+            <a:schemeClr val="accent1"/>
+          </a:lnRef>
+          <a:fillRef idx="0">
+            <a:schemeClr val="accent1"/>
+          </a:fillRef>
+          <a:effectRef idx="2">
+            <a:schemeClr val="accent1"/>
+          </a:effectRef>
+          <a:fontRef idx="minor">
+            <a:schemeClr val="tx1"/>
+          </a:fontRef>
+        </p:style>
+      </p:cxnSp>
+      <p:cxnSp>
+        <p:nvCxnSpPr>
+          <p:cNvPr id="69" name="直線單箭頭接點 68" descr="ddd">
+            <a:extLst>
+              <a:ext uri="{FF2B5EF4-FFF2-40B4-BE49-F238E27FC236}">
+                <a16:creationId xmlns:a16="http://schemas.microsoft.com/office/drawing/2014/main" id="{F400D767-8A02-417B-A9FB-1DD05609C824}"/>
+              </a:ext>
+              <a:ext uri="{C183D7F6-B498-43B3-948B-1728B52AA6E4}">
+                <adec:decorative xmlns:adec="http://schemas.microsoft.com/office/drawing/2017/decorative" val="0"/>
+              </a:ext>
+            </a:extLst>
+          </p:cNvPr>
+          <p:cNvCxnSpPr>
+            <a:cxnSpLocks/>
+            <a:stCxn id="27" idx="2"/>
+            <a:endCxn id="32" idx="0"/>
+          </p:cNvCxnSpPr>
+          <p:nvPr/>
+        </p:nvCxnSpPr>
+        <p:spPr>
+          <a:xfrm flipH="1">
+            <a:off x="9937642" y="5237791"/>
+            <a:ext cx="705660" cy="430128"/>
+          </a:xfrm>
+          <a:prstGeom prst="straightConnector1">
+            <a:avLst/>
+          </a:prstGeom>
+          <a:ln>
+            <a:solidFill>
+              <a:srgbClr val="063944"/>
+            </a:solidFill>
+            <a:tailEnd type="triangle"/>
+          </a:ln>
+        </p:spPr>
+        <p:style>
+          <a:lnRef idx="3">
+            <a:schemeClr val="accent1"/>
+          </a:lnRef>
+          <a:fillRef idx="0">
+            <a:schemeClr val="accent1"/>
+          </a:fillRef>
+          <a:effectRef idx="2">
+            <a:schemeClr val="accent1"/>
+          </a:effectRef>
+          <a:fontRef idx="minor">
+            <a:schemeClr val="tx1"/>
+          </a:fontRef>
+        </p:style>
+      </p:cxnSp>
+      <p:cxnSp>
+        <p:nvCxnSpPr>
+          <p:cNvPr id="70" name="直線單箭頭接點 69" descr="ddd">
+            <a:extLst>
+              <a:ext uri="{FF2B5EF4-FFF2-40B4-BE49-F238E27FC236}">
+                <a16:creationId xmlns:a16="http://schemas.microsoft.com/office/drawing/2014/main" id="{FF6AEE3D-F6D6-4A09-93B5-846F452ABB0F}"/>
+              </a:ext>
+              <a:ext uri="{C183D7F6-B498-43B3-948B-1728B52AA6E4}">
+                <adec:decorative xmlns:adec="http://schemas.microsoft.com/office/drawing/2017/decorative" val="0"/>
+              </a:ext>
+            </a:extLst>
+          </p:cNvPr>
+          <p:cNvCxnSpPr>
+            <a:cxnSpLocks/>
+            <a:stCxn id="27" idx="2"/>
+            <a:endCxn id="33" idx="0"/>
+          </p:cNvCxnSpPr>
+          <p:nvPr/>
+        </p:nvCxnSpPr>
+        <p:spPr>
+          <a:xfrm>
+            <a:off x="10643302" y="5237791"/>
+            <a:ext cx="781591" cy="430128"/>
+          </a:xfrm>
+          <a:prstGeom prst="straightConnector1">
+            <a:avLst/>
+          </a:prstGeom>
+          <a:ln>
+            <a:solidFill>
+              <a:srgbClr val="063944"/>
+            </a:solidFill>
+            <a:tailEnd type="triangle"/>
+          </a:ln>
+        </p:spPr>
+        <p:style>
+          <a:lnRef idx="3">
+            <a:schemeClr val="accent1"/>
+          </a:lnRef>
+          <a:fillRef idx="0">
+            <a:schemeClr val="accent1"/>
+          </a:fillRef>
+          <a:effectRef idx="2">
+            <a:schemeClr val="accent1"/>
+          </a:effectRef>
+          <a:fontRef idx="minor">
+            <a:schemeClr val="tx1"/>
+          </a:fontRef>
+        </p:style>
+      </p:cxnSp>
+    </p:spTree>
+    <p:extLst>
+      <p:ext uri="{BB962C8B-B14F-4D97-AF65-F5344CB8AC3E}">
+        <p14:creationId xmlns:p14="http://schemas.microsoft.com/office/powerpoint/2010/main" val="1725709502"/>
+      </p:ext>
+    </p:extLst>
+  </p:cSld>
+  <p:clrMapOvr>
+    <a:masterClrMapping/>
+  </p:clrMapOvr>
+  <mc:AlternateContent xmlns:mc="http://schemas.openxmlformats.org/markup-compatibility/2006" xmlns:p14="http://schemas.microsoft.com/office/powerpoint/2010/main">
+    <mc:Choice Requires="p14">
+      <p:transition spd="med" p14:dur="700">
+        <p:fade/>
+      </p:transition>
+    </mc:Choice>
+    <mc:Fallback xmlns="">
+      <p:transition spd="med">
+        <p:fade/>
+      </p:transition>
+    </mc:Fallback>
+  </mc:AlternateContent>
+</p:sld>
+</file>
+
+<file path=ppt/slides/slide15.xml><?xml version="1.0" encoding="utf-8"?>
+<p:sld xmlns:a="http://schemas.openxmlformats.org/drawingml/2006/main" xmlns:r="http://schemas.openxmlformats.org/officeDocument/2006/relationships" xmlns:p="http://schemas.openxmlformats.org/presentationml/2006/main">
+  <p:cSld>
+    <p:spTree>
+      <p:nvGrpSpPr>
+        <p:cNvPr id="1" name=""/>
+        <p:cNvGrpSpPr/>
+        <p:nvPr/>
+      </p:nvGrpSpPr>
+      <p:grpSpPr>
+        <a:xfrm>
+          <a:off x="0" y="0"/>
+          <a:ext cx="0" cy="0"/>
+          <a:chOff x="0" y="0"/>
+          <a:chExt cx="0" cy="0"/>
+        </a:xfrm>
+      </p:grpSpPr>
+      <p:sp>
+        <p:nvSpPr>
+          <p:cNvPr id="2" name="標題 1">
+            <a:extLst>
+              <a:ext uri="{FF2B5EF4-FFF2-40B4-BE49-F238E27FC236}">
+                <a16:creationId xmlns:a16="http://schemas.microsoft.com/office/drawing/2014/main" id="{F6874B10-73B0-4245-BAC9-B2873DDEBE63}"/>
+              </a:ext>
+            </a:extLst>
+          </p:cNvPr>
+          <p:cNvSpPr>
+            <a:spLocks noGrp="1"/>
+          </p:cNvSpPr>
+          <p:nvPr>
+            <p:ph type="title"/>
+          </p:nvPr>
+        </p:nvSpPr>
+        <p:spPr/>
+        <p:txBody>
+          <a:bodyPr/>
+          <a:lstStyle/>
+          <a:p>
+            <a:r>
+              <a:rPr lang="en-US" altLang="zh-TW" spc="300" dirty="0">
+                <a:latin typeface="微軟正黑體" panose="020B0604030504040204" pitchFamily="34" charset="-120"/>
+                <a:ea typeface="微軟正黑體" panose="020B0604030504040204" pitchFamily="34" charset="-120"/>
+              </a:rPr>
+              <a:t>Classification Report</a:t>
+            </a:r>
+            <a:endParaRPr lang="zh-TW" altLang="en-US" spc="300" dirty="0">
+              <a:latin typeface="微軟正黑體" panose="020B0604030504040204" pitchFamily="34" charset="-120"/>
+              <a:ea typeface="微軟正黑體" panose="020B0604030504040204" pitchFamily="34" charset="-120"/>
+            </a:endParaRPr>
+          </a:p>
+        </p:txBody>
+      </p:sp>
+      <p:pic>
+        <p:nvPicPr>
+          <p:cNvPr id="4" name="圖片 3">
+            <a:extLst>
+              <a:ext uri="{FF2B5EF4-FFF2-40B4-BE49-F238E27FC236}">
+                <a16:creationId xmlns:a16="http://schemas.microsoft.com/office/drawing/2014/main" id="{0A8B1C74-FDE2-41C3-99BB-F9F308827E8F}"/>
+              </a:ext>
+            </a:extLst>
+          </p:cNvPr>
+          <p:cNvPicPr>
+            <a:picLocks noChangeAspect="1"/>
+          </p:cNvPicPr>
+          <p:nvPr/>
+        </p:nvPicPr>
+        <p:blipFill>
+          <a:blip r:embed="rId2"/>
+          <a:stretch>
+            <a:fillRect/>
+          </a:stretch>
+        </p:blipFill>
+        <p:spPr>
+          <a:xfrm>
+            <a:off x="5265617" y="4346246"/>
+            <a:ext cx="5716912" cy="1944265"/>
+          </a:xfrm>
+          <a:prstGeom prst="rect">
+            <a:avLst/>
+          </a:prstGeom>
+        </p:spPr>
+      </p:pic>
+      <p:pic>
+        <p:nvPicPr>
+          <p:cNvPr id="5" name="圖片 4">
+            <a:extLst>
+              <a:ext uri="{FF2B5EF4-FFF2-40B4-BE49-F238E27FC236}">
+                <a16:creationId xmlns:a16="http://schemas.microsoft.com/office/drawing/2014/main" id="{9024A8D8-7A4A-4C35-B476-A3A18BFA7E5C}"/>
+              </a:ext>
+            </a:extLst>
+          </p:cNvPr>
+          <p:cNvPicPr>
+            <a:picLocks noChangeAspect="1"/>
+          </p:cNvPicPr>
+          <p:nvPr/>
+        </p:nvPicPr>
+        <p:blipFill>
+          <a:blip r:embed="rId3"/>
+          <a:stretch>
+            <a:fillRect/>
+          </a:stretch>
+        </p:blipFill>
+        <p:spPr>
+          <a:xfrm>
+            <a:off x="5265617" y="1764134"/>
+            <a:ext cx="5374592" cy="1944265"/>
+          </a:xfrm>
+          <a:prstGeom prst="rect">
+            <a:avLst/>
+          </a:prstGeom>
+        </p:spPr>
+      </p:pic>
+      <p:sp>
+        <p:nvSpPr>
+          <p:cNvPr id="7" name="文字方塊 6">
+            <a:extLst>
+              <a:ext uri="{FF2B5EF4-FFF2-40B4-BE49-F238E27FC236}">
+                <a16:creationId xmlns:a16="http://schemas.microsoft.com/office/drawing/2014/main" id="{8E70FBBD-B175-4887-BF0F-B594A4A5964B}"/>
+              </a:ext>
+            </a:extLst>
+          </p:cNvPr>
+          <p:cNvSpPr txBox="1"/>
+          <p:nvPr/>
+        </p:nvSpPr>
+        <p:spPr>
+          <a:xfrm>
+            <a:off x="1726398" y="2368019"/>
+            <a:ext cx="1559293" cy="707886"/>
+          </a:xfrm>
+          <a:prstGeom prst="rect">
+            <a:avLst/>
+          </a:prstGeom>
+          <a:noFill/>
+        </p:spPr>
+        <p:txBody>
+          <a:bodyPr wrap="square" rtlCol="0">
+            <a:spAutoFit/>
+          </a:bodyPr>
+          <a:lstStyle/>
+          <a:p>
+            <a:pPr algn="ctr"/>
+            <a:r>
+              <a:rPr lang="en-US" altLang="zh-TW" sz="4000" spc="300" dirty="0" err="1">
+                <a:solidFill>
+                  <a:srgbClr val="063944"/>
+                </a:solidFill>
+              </a:rPr>
+              <a:t>gini</a:t>
+            </a:r>
+            <a:endParaRPr lang="zh-TW" altLang="en-US" sz="4800" spc="300" dirty="0">
+              <a:solidFill>
+                <a:srgbClr val="063944"/>
+              </a:solidFill>
+            </a:endParaRPr>
+          </a:p>
+        </p:txBody>
+      </p:sp>
+      <p:sp>
+        <p:nvSpPr>
+          <p:cNvPr id="9" name="文字方塊 8">
+            <a:extLst>
+              <a:ext uri="{FF2B5EF4-FFF2-40B4-BE49-F238E27FC236}">
+                <a16:creationId xmlns:a16="http://schemas.microsoft.com/office/drawing/2014/main" id="{39743787-D631-4AA7-953F-2F82FA4C2899}"/>
+              </a:ext>
+            </a:extLst>
+          </p:cNvPr>
+          <p:cNvSpPr txBox="1"/>
+          <p:nvPr/>
+        </p:nvSpPr>
+        <p:spPr>
+          <a:xfrm>
+            <a:off x="1333098" y="4964435"/>
+            <a:ext cx="2345891" cy="707886"/>
+          </a:xfrm>
+          <a:prstGeom prst="rect">
+            <a:avLst/>
+          </a:prstGeom>
+          <a:noFill/>
+        </p:spPr>
+        <p:txBody>
+          <a:bodyPr wrap="square" rtlCol="0">
+            <a:spAutoFit/>
+          </a:bodyPr>
+          <a:lstStyle/>
+          <a:p>
+            <a:pPr algn="ctr"/>
+            <a:r>
+              <a:rPr lang="en-US" altLang="zh-TW" sz="4000" spc="300" dirty="0">
+                <a:solidFill>
+                  <a:srgbClr val="063944"/>
+                </a:solidFill>
+              </a:rPr>
+              <a:t>entropy</a:t>
+            </a:r>
+            <a:endParaRPr lang="zh-TW" altLang="en-US" sz="4800" spc="300" dirty="0">
+              <a:solidFill>
+                <a:srgbClr val="063944"/>
+              </a:solidFill>
+            </a:endParaRPr>
+          </a:p>
+        </p:txBody>
+      </p:sp>
+    </p:spTree>
+    <p:extLst>
+      <p:ext uri="{BB962C8B-B14F-4D97-AF65-F5344CB8AC3E}">
+        <p14:creationId xmlns:p14="http://schemas.microsoft.com/office/powerpoint/2010/main" val="2962683467"/>
+      </p:ext>
+    </p:extLst>
+  </p:cSld>
+  <p:clrMapOvr>
+    <a:masterClrMapping/>
+  </p:clrMapOvr>
+  <mc:AlternateContent xmlns:mc="http://schemas.openxmlformats.org/markup-compatibility/2006" xmlns:p14="http://schemas.microsoft.com/office/powerpoint/2010/main">
+    <mc:Choice Requires="p14">
+      <p:transition spd="med" p14:dur="700">
+        <p:fade/>
+      </p:transition>
+    </mc:Choice>
+    <mc:Fallback xmlns="">
+      <p:transition spd="med">
+        <p:fade/>
+      </p:transition>
+    </mc:Fallback>
+  </mc:AlternateContent>
+</p:sld>
+</file>
+
+<file path=ppt/slides/slide16.xml><?xml version="1.0" encoding="utf-8"?>
+<p:sld xmlns:a="http://schemas.openxmlformats.org/drawingml/2006/main" xmlns:r="http://schemas.openxmlformats.org/officeDocument/2006/relationships" xmlns:p="http://schemas.openxmlformats.org/presentationml/2006/main">
+  <p:cSld>
+    <p:spTree>
+      <p:nvGrpSpPr>
+        <p:cNvPr id="1" name=""/>
+        <p:cNvGrpSpPr/>
+        <p:nvPr/>
+      </p:nvGrpSpPr>
+      <p:grpSpPr>
+        <a:xfrm>
+          <a:off x="0" y="0"/>
+          <a:ext cx="0" cy="0"/>
+          <a:chOff x="0" y="0"/>
+          <a:chExt cx="0" cy="0"/>
+        </a:xfrm>
+      </p:grpSpPr>
+      <p:sp>
+        <p:nvSpPr>
+          <p:cNvPr id="2" name="標題 1">
+            <a:extLst>
+              <a:ext uri="{FF2B5EF4-FFF2-40B4-BE49-F238E27FC236}">
+                <a16:creationId xmlns:a16="http://schemas.microsoft.com/office/drawing/2014/main" id="{F6874B10-73B0-4245-BAC9-B2873DDEBE63}"/>
+              </a:ext>
+            </a:extLst>
+          </p:cNvPr>
+          <p:cNvSpPr>
+            <a:spLocks noGrp="1"/>
+          </p:cNvSpPr>
+          <p:nvPr>
+            <p:ph type="title"/>
+          </p:nvPr>
+        </p:nvSpPr>
+        <p:spPr/>
+        <p:txBody>
+          <a:bodyPr/>
+          <a:lstStyle/>
+          <a:p>
+            <a:r>
+              <a:rPr lang="zh-TW" altLang="en-US" spc="300" dirty="0">
+                <a:latin typeface="微軟正黑體" panose="020B0604030504040204" pitchFamily="34" charset="-120"/>
+                <a:ea typeface="微軟正黑體" panose="020B0604030504040204" pitchFamily="34" charset="-120"/>
+              </a:rPr>
+              <a:t>決策樹結果</a:t>
+            </a:r>
+          </a:p>
+        </p:txBody>
+      </p:sp>
+      <p:pic>
+        <p:nvPicPr>
+          <p:cNvPr id="5" name="圖片 4">
+            <a:extLst>
+              <a:ext uri="{FF2B5EF4-FFF2-40B4-BE49-F238E27FC236}">
+                <a16:creationId xmlns:a16="http://schemas.microsoft.com/office/drawing/2014/main" id="{95C49555-9F1C-46EA-8D47-C58A1E37A5F4}"/>
+              </a:ext>
+            </a:extLst>
+          </p:cNvPr>
+          <p:cNvPicPr>
+            <a:picLocks noChangeAspect="1"/>
+          </p:cNvPicPr>
+          <p:nvPr/>
+        </p:nvPicPr>
+        <p:blipFill>
+          <a:blip r:embed="rId2"/>
+          <a:stretch>
+            <a:fillRect/>
+          </a:stretch>
+        </p:blipFill>
+        <p:spPr>
+          <a:xfrm>
+            <a:off x="811595" y="2577401"/>
+            <a:ext cx="4661414" cy="3195711"/>
+          </a:xfrm>
+          <a:prstGeom prst="rect">
+            <a:avLst/>
+          </a:prstGeom>
+        </p:spPr>
+      </p:pic>
+      <p:pic>
+        <p:nvPicPr>
+          <p:cNvPr id="6" name="圖片 5">
+            <a:extLst>
+              <a:ext uri="{FF2B5EF4-FFF2-40B4-BE49-F238E27FC236}">
+                <a16:creationId xmlns:a16="http://schemas.microsoft.com/office/drawing/2014/main" id="{29CBEEB8-A7EB-42F9-B154-C2A57ED952AB}"/>
+              </a:ext>
+            </a:extLst>
+          </p:cNvPr>
+          <p:cNvPicPr>
+            <a:picLocks noChangeAspect="1"/>
+          </p:cNvPicPr>
+          <p:nvPr/>
+        </p:nvPicPr>
+        <p:blipFill>
+          <a:blip r:embed="rId3"/>
+          <a:stretch>
+            <a:fillRect/>
+          </a:stretch>
+        </p:blipFill>
+        <p:spPr>
+          <a:xfrm>
+            <a:off x="6320944" y="2432221"/>
+            <a:ext cx="4908072" cy="3340891"/>
+          </a:xfrm>
+          <a:prstGeom prst="rect">
+            <a:avLst/>
+          </a:prstGeom>
+        </p:spPr>
+      </p:pic>
+      <p:sp>
+        <p:nvSpPr>
+          <p:cNvPr id="7" name="文字方塊 6">
+            <a:extLst>
+              <a:ext uri="{FF2B5EF4-FFF2-40B4-BE49-F238E27FC236}">
+                <a16:creationId xmlns:a16="http://schemas.microsoft.com/office/drawing/2014/main" id="{F7F6C142-0C62-489E-9E9A-DFDE6E05E975}"/>
+              </a:ext>
+            </a:extLst>
+          </p:cNvPr>
+          <p:cNvSpPr txBox="1"/>
+          <p:nvPr/>
+        </p:nvSpPr>
+        <p:spPr>
+          <a:xfrm>
+            <a:off x="2244074" y="1745719"/>
+            <a:ext cx="1559293" cy="707886"/>
+          </a:xfrm>
+          <a:prstGeom prst="rect">
+            <a:avLst/>
+          </a:prstGeom>
+          <a:noFill/>
+        </p:spPr>
+        <p:txBody>
+          <a:bodyPr wrap="square" rtlCol="0">
+            <a:spAutoFit/>
+          </a:bodyPr>
+          <a:lstStyle/>
+          <a:p>
+            <a:pPr algn="ctr"/>
+            <a:r>
+              <a:rPr lang="en-US" altLang="zh-TW" sz="4000" spc="300" dirty="0" err="1">
+                <a:solidFill>
+                  <a:srgbClr val="063944"/>
+                </a:solidFill>
+              </a:rPr>
+              <a:t>gini</a:t>
+            </a:r>
+            <a:endParaRPr lang="zh-TW" altLang="en-US" sz="4800" spc="300" dirty="0">
+              <a:solidFill>
+                <a:srgbClr val="063944"/>
+              </a:solidFill>
+            </a:endParaRPr>
+          </a:p>
+        </p:txBody>
+      </p:sp>
+      <p:sp>
+        <p:nvSpPr>
+          <p:cNvPr id="8" name="文字方塊 7">
+            <a:extLst>
+              <a:ext uri="{FF2B5EF4-FFF2-40B4-BE49-F238E27FC236}">
+                <a16:creationId xmlns:a16="http://schemas.microsoft.com/office/drawing/2014/main" id="{95829371-58BF-427F-A2C3-90607328DFE1}"/>
+              </a:ext>
+            </a:extLst>
+          </p:cNvPr>
+          <p:cNvSpPr txBox="1"/>
+          <p:nvPr/>
+        </p:nvSpPr>
+        <p:spPr>
+          <a:xfrm>
+            <a:off x="7602035" y="1745719"/>
+            <a:ext cx="2345891" cy="707886"/>
+          </a:xfrm>
+          <a:prstGeom prst="rect">
+            <a:avLst/>
+          </a:prstGeom>
+          <a:noFill/>
+        </p:spPr>
+        <p:txBody>
+          <a:bodyPr wrap="square" rtlCol="0">
+            <a:spAutoFit/>
+          </a:bodyPr>
+          <a:lstStyle/>
+          <a:p>
+            <a:pPr algn="ctr"/>
+            <a:r>
+              <a:rPr lang="en-US" altLang="zh-TW" sz="4000" spc="300" dirty="0">
+                <a:solidFill>
+                  <a:srgbClr val="063944"/>
+                </a:solidFill>
+              </a:rPr>
+              <a:t>entropy</a:t>
+            </a:r>
+            <a:endParaRPr lang="zh-TW" altLang="en-US" sz="4800" spc="300" dirty="0">
+              <a:solidFill>
+                <a:srgbClr val="063944"/>
+              </a:solidFill>
+            </a:endParaRPr>
+          </a:p>
+        </p:txBody>
+      </p:sp>
+      <p:sp>
+        <p:nvSpPr>
+          <p:cNvPr id="9" name="文字方塊 8">
+            <a:extLst>
+              <a:ext uri="{FF2B5EF4-FFF2-40B4-BE49-F238E27FC236}">
+                <a16:creationId xmlns:a16="http://schemas.microsoft.com/office/drawing/2014/main" id="{16AB319F-D225-4A43-A8E1-38C32AC67551}"/>
+              </a:ext>
+            </a:extLst>
+          </p:cNvPr>
+          <p:cNvSpPr txBox="1"/>
+          <p:nvPr/>
+        </p:nvSpPr>
+        <p:spPr>
+          <a:xfrm>
+            <a:off x="3765293" y="5729624"/>
+            <a:ext cx="4661414" cy="769441"/>
+          </a:xfrm>
+          <a:prstGeom prst="rect">
+            <a:avLst/>
+          </a:prstGeom>
+          <a:noFill/>
+        </p:spPr>
+        <p:txBody>
+          <a:bodyPr wrap="square" rtlCol="0">
+            <a:spAutoFit/>
+          </a:bodyPr>
+          <a:lstStyle/>
+          <a:p>
+            <a:pPr algn="ctr"/>
+            <a:r>
+              <a:rPr lang="en-US" altLang="zh-TW" sz="4400" spc="300" dirty="0" err="1">
+                <a:solidFill>
+                  <a:srgbClr val="CB5C2E"/>
+                </a:solidFill>
+              </a:rPr>
+              <a:t>max_depth</a:t>
+            </a:r>
+            <a:r>
+              <a:rPr lang="en-US" altLang="zh-TW" sz="4400" spc="300" dirty="0">
+                <a:solidFill>
+                  <a:srgbClr val="CB5C2E"/>
+                </a:solidFill>
+              </a:rPr>
+              <a:t>=5</a:t>
+            </a:r>
+            <a:endParaRPr lang="zh-TW" altLang="en-US" sz="4400" spc="300" dirty="0">
+              <a:solidFill>
+                <a:srgbClr val="CB5C2E"/>
+              </a:solidFill>
+            </a:endParaRPr>
+          </a:p>
+        </p:txBody>
+      </p:sp>
+    </p:spTree>
+    <p:extLst>
+      <p:ext uri="{BB962C8B-B14F-4D97-AF65-F5344CB8AC3E}">
+        <p14:creationId xmlns:p14="http://schemas.microsoft.com/office/powerpoint/2010/main" val="4044237619"/>
+      </p:ext>
+    </p:extLst>
+  </p:cSld>
+  <p:clrMapOvr>
+    <a:masterClrMapping/>
+  </p:clrMapOvr>
+  <mc:AlternateContent xmlns:mc="http://schemas.openxmlformats.org/markup-compatibility/2006" xmlns:p14="http://schemas.microsoft.com/office/powerpoint/2010/main">
+    <mc:Choice Requires="p14">
+      <p:transition spd="med" p14:dur="700">
+        <p:fade/>
+      </p:transition>
+    </mc:Choice>
+    <mc:Fallback xmlns="">
+      <p:transition spd="med">
+        <p:fade/>
+      </p:transition>
+    </mc:Fallback>
+  </mc:AlternateContent>
+</p:sld>
+</file>
+
+<file path=ppt/slides/slide17.xml><?xml version="1.0" encoding="utf-8"?>
+<p:sld xmlns:a="http://schemas.openxmlformats.org/drawingml/2006/main" xmlns:r="http://schemas.openxmlformats.org/officeDocument/2006/relationships" xmlns:p="http://schemas.openxmlformats.org/presentationml/2006/main">
+  <p:cSld>
+    <p:spTree>
+      <p:nvGrpSpPr>
+        <p:cNvPr id="1" name=""/>
+        <p:cNvGrpSpPr/>
+        <p:nvPr/>
+      </p:nvGrpSpPr>
+      <p:grpSpPr>
+        <a:xfrm>
+          <a:off x="0" y="0"/>
+          <a:ext cx="0" cy="0"/>
+          <a:chOff x="0" y="0"/>
+          <a:chExt cx="0" cy="0"/>
+        </a:xfrm>
+      </p:grpSpPr>
+      <p:sp>
+        <p:nvSpPr>
+          <p:cNvPr id="2" name="標題 1">
+            <a:extLst>
+              <a:ext uri="{FF2B5EF4-FFF2-40B4-BE49-F238E27FC236}">
+                <a16:creationId xmlns:a16="http://schemas.microsoft.com/office/drawing/2014/main" id="{F6874B10-73B0-4245-BAC9-B2873DDEBE63}"/>
+              </a:ext>
+            </a:extLst>
+          </p:cNvPr>
+          <p:cNvSpPr>
+            <a:spLocks noGrp="1"/>
+          </p:cNvSpPr>
+          <p:nvPr>
+            <p:ph type="title"/>
+          </p:nvPr>
+        </p:nvSpPr>
+        <p:spPr/>
+        <p:txBody>
+          <a:bodyPr/>
+          <a:lstStyle/>
+          <a:p>
+            <a:r>
+              <a:rPr lang="zh-TW" altLang="en-US" spc="300" dirty="0">
+                <a:latin typeface="微軟正黑體" panose="020B0604030504040204" pitchFamily="34" charset="-120"/>
+                <a:ea typeface="微軟正黑體" panose="020B0604030504040204" pitchFamily="34" charset="-120"/>
+              </a:rPr>
+              <a:t>其他方法及結果</a:t>
+            </a:r>
+          </a:p>
+        </p:txBody>
+      </p:sp>
+      <p:pic>
+        <p:nvPicPr>
+          <p:cNvPr id="3" name="圖片 2">
+            <a:extLst>
+              <a:ext uri="{FF2B5EF4-FFF2-40B4-BE49-F238E27FC236}">
+                <a16:creationId xmlns:a16="http://schemas.microsoft.com/office/drawing/2014/main" id="{675F1205-98C9-4C2F-ABA4-A5B11A3FB0D1}"/>
+              </a:ext>
+            </a:extLst>
+          </p:cNvPr>
+          <p:cNvPicPr>
+            <a:picLocks noChangeAspect="1"/>
+          </p:cNvPicPr>
+          <p:nvPr/>
+        </p:nvPicPr>
+        <p:blipFill>
+          <a:blip r:embed="rId2"/>
+          <a:stretch>
+            <a:fillRect/>
+          </a:stretch>
+        </p:blipFill>
+        <p:spPr>
+          <a:xfrm>
+            <a:off x="5256848" y="1801762"/>
+            <a:ext cx="6068407" cy="1946216"/>
+          </a:xfrm>
+          <a:prstGeom prst="rect">
+            <a:avLst/>
+          </a:prstGeom>
+        </p:spPr>
+      </p:pic>
+      <p:pic>
+        <p:nvPicPr>
+          <p:cNvPr id="4" name="圖片 3">
+            <a:extLst>
+              <a:ext uri="{FF2B5EF4-FFF2-40B4-BE49-F238E27FC236}">
+                <a16:creationId xmlns:a16="http://schemas.microsoft.com/office/drawing/2014/main" id="{2E35061E-ECBE-4D93-85E9-3B7FA57FF03C}"/>
+              </a:ext>
+            </a:extLst>
+          </p:cNvPr>
+          <p:cNvPicPr>
+            <a:picLocks noChangeAspect="1"/>
+          </p:cNvPicPr>
+          <p:nvPr/>
+        </p:nvPicPr>
+        <p:blipFill>
+          <a:blip r:embed="rId3"/>
+          <a:stretch>
+            <a:fillRect/>
+          </a:stretch>
+        </p:blipFill>
+        <p:spPr>
+          <a:xfrm>
+            <a:off x="5256848" y="4272262"/>
+            <a:ext cx="6241482" cy="2153886"/>
+          </a:xfrm>
+          <a:prstGeom prst="rect">
+            <a:avLst/>
+          </a:prstGeom>
+        </p:spPr>
+      </p:pic>
+      <p:sp>
+        <p:nvSpPr>
+          <p:cNvPr id="9" name="文字方塊 8">
+            <a:extLst>
+              <a:ext uri="{FF2B5EF4-FFF2-40B4-BE49-F238E27FC236}">
+                <a16:creationId xmlns:a16="http://schemas.microsoft.com/office/drawing/2014/main" id="{9344D731-C52D-4025-88AB-CE908357C5C2}"/>
+              </a:ext>
+            </a:extLst>
+          </p:cNvPr>
+          <p:cNvSpPr txBox="1"/>
+          <p:nvPr/>
+        </p:nvSpPr>
+        <p:spPr>
+          <a:xfrm>
+            <a:off x="1726398" y="2368019"/>
+            <a:ext cx="1559293" cy="707886"/>
+          </a:xfrm>
+          <a:prstGeom prst="rect">
+            <a:avLst/>
+          </a:prstGeom>
+          <a:noFill/>
+        </p:spPr>
+        <p:txBody>
+          <a:bodyPr wrap="square" rtlCol="0">
+            <a:spAutoFit/>
+          </a:bodyPr>
+          <a:lstStyle/>
+          <a:p>
+            <a:pPr algn="ctr"/>
+            <a:r>
+              <a:rPr lang="en-US" altLang="zh-TW" sz="4000" spc="300" dirty="0">
+                <a:solidFill>
+                  <a:srgbClr val="063944"/>
+                </a:solidFill>
+              </a:rPr>
+              <a:t>SVM</a:t>
+            </a:r>
+            <a:endParaRPr lang="zh-TW" altLang="en-US" sz="4800" spc="300" dirty="0">
+              <a:solidFill>
+                <a:srgbClr val="063944"/>
+              </a:solidFill>
+            </a:endParaRPr>
+          </a:p>
+        </p:txBody>
+      </p:sp>
+      <p:sp>
+        <p:nvSpPr>
+          <p:cNvPr id="10" name="文字方塊 9">
+            <a:extLst>
+              <a:ext uri="{FF2B5EF4-FFF2-40B4-BE49-F238E27FC236}">
+                <a16:creationId xmlns:a16="http://schemas.microsoft.com/office/drawing/2014/main" id="{E79159CE-1477-4B10-8D3A-7CD21A891680}"/>
+              </a:ext>
+            </a:extLst>
+          </p:cNvPr>
+          <p:cNvSpPr txBox="1"/>
+          <p:nvPr/>
+        </p:nvSpPr>
+        <p:spPr>
+          <a:xfrm>
+            <a:off x="1726397" y="4641319"/>
+            <a:ext cx="1559293" cy="707886"/>
+          </a:xfrm>
+          <a:prstGeom prst="rect">
+            <a:avLst/>
+          </a:prstGeom>
+          <a:noFill/>
+        </p:spPr>
+        <p:txBody>
+          <a:bodyPr wrap="square" rtlCol="0">
+            <a:spAutoFit/>
+          </a:bodyPr>
+          <a:lstStyle/>
+          <a:p>
+            <a:pPr algn="ctr"/>
+            <a:r>
+              <a:rPr lang="en-US" altLang="zh-TW" sz="4000" spc="300" dirty="0">
+                <a:solidFill>
+                  <a:srgbClr val="063944"/>
+                </a:solidFill>
+              </a:rPr>
+              <a:t>KNN</a:t>
+            </a:r>
+            <a:endParaRPr lang="zh-TW" altLang="en-US" sz="4800" spc="300" dirty="0">
+              <a:solidFill>
+                <a:srgbClr val="063944"/>
+              </a:solidFill>
+            </a:endParaRPr>
+          </a:p>
+        </p:txBody>
+      </p:sp>
+    </p:spTree>
+    <p:extLst>
+      <p:ext uri="{BB962C8B-B14F-4D97-AF65-F5344CB8AC3E}">
+        <p14:creationId xmlns:p14="http://schemas.microsoft.com/office/powerpoint/2010/main" val="62881160"/>
+      </p:ext>
+    </p:extLst>
+  </p:cSld>
+  <p:clrMapOvr>
+    <a:masterClrMapping/>
+  </p:clrMapOvr>
+  <mc:AlternateContent xmlns:mc="http://schemas.openxmlformats.org/markup-compatibility/2006" xmlns:p14="http://schemas.microsoft.com/office/powerpoint/2010/main">
+    <mc:Choice Requires="p14">
+      <p:transition spd="med" p14:dur="700">
+        <p:fade/>
+      </p:transition>
+    </mc:Choice>
+    <mc:Fallback xmlns="">
+      <p:transition spd="med">
+        <p:fade/>
+      </p:transition>
+    </mc:Fallback>
+  </mc:AlternateContent>
+</p:sld>
+</file>
+
+<file path=ppt/slides/slide18.xml><?xml version="1.0" encoding="utf-8"?>
+<p:sld xmlns:a="http://schemas.openxmlformats.org/drawingml/2006/main" xmlns:r="http://schemas.openxmlformats.org/officeDocument/2006/relationships" xmlns:p="http://schemas.openxmlformats.org/presentationml/2006/main">
+  <p:cSld>
+    <p:spTree>
+      <p:nvGrpSpPr>
+        <p:cNvPr id="1" name=""/>
+        <p:cNvGrpSpPr/>
+        <p:nvPr/>
+      </p:nvGrpSpPr>
+      <p:grpSpPr>
+        <a:xfrm>
+          <a:off x="0" y="0"/>
+          <a:ext cx="0" cy="0"/>
+          <a:chOff x="0" y="0"/>
+          <a:chExt cx="0" cy="0"/>
+        </a:xfrm>
+      </p:grpSpPr>
+      <p:sp>
+        <p:nvSpPr>
+          <p:cNvPr id="2" name="標題 1">
+            <a:extLst>
+              <a:ext uri="{FF2B5EF4-FFF2-40B4-BE49-F238E27FC236}">
+                <a16:creationId xmlns:a16="http://schemas.microsoft.com/office/drawing/2014/main" id="{B81AC892-6262-4DE5-97FC-25C4EE64C4B9}"/>
+              </a:ext>
+            </a:extLst>
+          </p:cNvPr>
+          <p:cNvSpPr>
+            <a:spLocks noGrp="1"/>
+          </p:cNvSpPr>
+          <p:nvPr>
+            <p:ph type="title"/>
+          </p:nvPr>
+        </p:nvSpPr>
+        <p:spPr>
+          <a:xfrm>
+            <a:off x="0" y="0"/>
+            <a:ext cx="12192000" cy="1325563"/>
+          </a:xfrm>
+          <a:solidFill>
+            <a:srgbClr val="197A89"/>
+          </a:solidFill>
+        </p:spPr>
+        <p:txBody>
+          <a:bodyPr/>
+          <a:lstStyle/>
+          <a:p>
+            <a:r>
+              <a:rPr lang="en-US" altLang="zh-TW" dirty="0">
+                <a:solidFill>
+                  <a:srgbClr val="FFFFFF"/>
+                </a:solidFill>
+              </a:rPr>
+              <a:t>CONTENT</a:t>
+            </a:r>
+            <a:endParaRPr lang="zh-TW" altLang="en-US" dirty="0">
+              <a:solidFill>
+                <a:srgbClr val="FFFFFF"/>
+              </a:solidFill>
+            </a:endParaRPr>
+          </a:p>
+        </p:txBody>
+      </p:sp>
+      <p:sp>
+        <p:nvSpPr>
+          <p:cNvPr id="7" name="文字方塊 6">
+            <a:extLst>
+              <a:ext uri="{FF2B5EF4-FFF2-40B4-BE49-F238E27FC236}">
+                <a16:creationId xmlns:a16="http://schemas.microsoft.com/office/drawing/2014/main" id="{C782779A-A9BD-4D74-B498-13CC878CA49B}"/>
+              </a:ext>
+            </a:extLst>
+          </p:cNvPr>
+          <p:cNvSpPr txBox="1"/>
+          <p:nvPr userDrawn="1"/>
+        </p:nvSpPr>
+        <p:spPr>
+          <a:xfrm>
+            <a:off x="3050607" y="1645634"/>
+            <a:ext cx="7236462" cy="646331"/>
+          </a:xfrm>
+          <a:prstGeom prst="rect">
+            <a:avLst/>
+          </a:prstGeom>
+          <a:noFill/>
+        </p:spPr>
+        <p:txBody>
+          <a:bodyPr wrap="square" rtlCol="0">
+            <a:spAutoFit/>
+          </a:bodyPr>
+          <a:lstStyle/>
+          <a:p>
+            <a:pPr algn="l"/>
+            <a:r>
+              <a:rPr lang="zh-TW" altLang="en-US" sz="3600" b="1" dirty="0">
+                <a:solidFill>
+                  <a:srgbClr val="063944"/>
+                </a:solidFill>
+                <a:latin typeface="微軟正黑體" panose="020B0604030504040204" pitchFamily="34" charset="-120"/>
+                <a:ea typeface="微軟正黑體" panose="020B0604030504040204" pitchFamily="34" charset="-120"/>
+                <a:cs typeface="Courier New" panose="02070309020205020404" pitchFamily="49" charset="0"/>
+              </a:rPr>
+              <a:t>資料集的介紹</a:t>
+            </a:r>
+          </a:p>
+        </p:txBody>
+      </p:sp>
+      <p:sp>
+        <p:nvSpPr>
+          <p:cNvPr id="11" name="文字方塊 10">
+            <a:extLst>
+              <a:ext uri="{FF2B5EF4-FFF2-40B4-BE49-F238E27FC236}">
+                <a16:creationId xmlns:a16="http://schemas.microsoft.com/office/drawing/2014/main" id="{3CE26CD4-E2CF-44E2-9C6F-106C9F9144BF}"/>
+              </a:ext>
+            </a:extLst>
+          </p:cNvPr>
+          <p:cNvSpPr txBox="1"/>
+          <p:nvPr userDrawn="1"/>
+        </p:nvSpPr>
+        <p:spPr>
+          <a:xfrm>
+            <a:off x="3050607" y="2673630"/>
+            <a:ext cx="7236462" cy="646331"/>
+          </a:xfrm>
+          <a:prstGeom prst="rect">
+            <a:avLst/>
+          </a:prstGeom>
+          <a:noFill/>
+        </p:spPr>
+        <p:txBody>
+          <a:bodyPr wrap="square" rtlCol="0">
+            <a:spAutoFit/>
+          </a:bodyPr>
+          <a:lstStyle/>
+          <a:p>
+            <a:pPr marL="0" marR="0" lvl="0" indent="0" algn="l" defTabSz="914400" rtl="0" eaLnBrk="1" fontAlgn="auto" latinLnBrk="0" hangingPunct="1">
+              <a:lnSpc>
+                <a:spcPct val="100000"/>
+              </a:lnSpc>
+              <a:spcBef>
+                <a:spcPts val="0"/>
+              </a:spcBef>
+              <a:spcAft>
+                <a:spcPts val="0"/>
+              </a:spcAft>
+              <a:buClrTx/>
+              <a:buSzTx/>
+              <a:buFontTx/>
+              <a:buNone/>
+              <a:tabLst/>
+              <a:defRPr/>
+            </a:pPr>
+            <a:r>
+              <a:rPr lang="zh-TW" altLang="en-US" sz="3600" b="1" dirty="0">
+                <a:solidFill>
+                  <a:srgbClr val="063944"/>
+                </a:solidFill>
+                <a:latin typeface="微軟正黑體" panose="020B0604030504040204" pitchFamily="34" charset="-120"/>
+                <a:ea typeface="微軟正黑體" panose="020B0604030504040204" pitchFamily="34" charset="-120"/>
+                <a:cs typeface="Courier New" panose="02070309020205020404" pitchFamily="49" charset="0"/>
+              </a:rPr>
+              <a:t>描述問題</a:t>
+            </a:r>
+          </a:p>
+        </p:txBody>
+      </p:sp>
+      <p:sp>
+        <p:nvSpPr>
+          <p:cNvPr id="15" name="文字方塊 14">
+            <a:extLst>
+              <a:ext uri="{FF2B5EF4-FFF2-40B4-BE49-F238E27FC236}">
+                <a16:creationId xmlns:a16="http://schemas.microsoft.com/office/drawing/2014/main" id="{5C005173-9968-4535-A86F-BBB692852391}"/>
+              </a:ext>
+            </a:extLst>
+          </p:cNvPr>
+          <p:cNvSpPr txBox="1"/>
+          <p:nvPr userDrawn="1"/>
+        </p:nvSpPr>
+        <p:spPr>
+          <a:xfrm>
+            <a:off x="3050607" y="3687693"/>
+            <a:ext cx="7400290" cy="646331"/>
+          </a:xfrm>
+          <a:prstGeom prst="rect">
+            <a:avLst/>
+          </a:prstGeom>
+          <a:noFill/>
+        </p:spPr>
+        <p:txBody>
+          <a:bodyPr wrap="square" rtlCol="0">
+            <a:spAutoFit/>
+          </a:bodyPr>
+          <a:lstStyle/>
+          <a:p>
+            <a:pPr algn="l"/>
+            <a:r>
+              <a:rPr lang="zh-TW" altLang="en-US" sz="3600" b="1" dirty="0">
+                <a:solidFill>
+                  <a:srgbClr val="063944"/>
+                </a:solidFill>
+                <a:latin typeface="微軟正黑體" panose="020B0604030504040204" pitchFamily="34" charset="-120"/>
+                <a:ea typeface="微軟正黑體" panose="020B0604030504040204" pitchFamily="34" charset="-120"/>
+                <a:cs typeface="Courier New" panose="02070309020205020404" pitchFamily="49" charset="0"/>
+              </a:rPr>
+              <a:t>研究方法</a:t>
+            </a:r>
+          </a:p>
+        </p:txBody>
+      </p:sp>
+      <p:sp>
+        <p:nvSpPr>
+          <p:cNvPr id="19" name="文字方塊 18">
+            <a:extLst>
+              <a:ext uri="{FF2B5EF4-FFF2-40B4-BE49-F238E27FC236}">
+                <a16:creationId xmlns:a16="http://schemas.microsoft.com/office/drawing/2014/main" id="{5FF07098-B576-4EA2-8D05-FE82D6152590}"/>
+              </a:ext>
+            </a:extLst>
+          </p:cNvPr>
+          <p:cNvSpPr txBox="1"/>
+          <p:nvPr userDrawn="1"/>
+        </p:nvSpPr>
+        <p:spPr>
+          <a:xfrm>
+            <a:off x="3050607" y="4654095"/>
+            <a:ext cx="7236462" cy="646331"/>
+          </a:xfrm>
+          <a:prstGeom prst="rect">
+            <a:avLst/>
+          </a:prstGeom>
+          <a:noFill/>
+        </p:spPr>
+        <p:txBody>
+          <a:bodyPr wrap="square" rtlCol="0">
+            <a:spAutoFit/>
+          </a:bodyPr>
+          <a:lstStyle/>
+          <a:p>
+            <a:pPr marL="0" marR="0" lvl="0" indent="0" algn="l" defTabSz="914400" rtl="0" eaLnBrk="1" fontAlgn="auto" latinLnBrk="0" hangingPunct="1">
+              <a:lnSpc>
+                <a:spcPct val="100000"/>
+              </a:lnSpc>
+              <a:spcBef>
+                <a:spcPts val="0"/>
+              </a:spcBef>
+              <a:spcAft>
+                <a:spcPts val="0"/>
+              </a:spcAft>
+              <a:buClrTx/>
+              <a:buSzTx/>
+              <a:buFontTx/>
+              <a:buNone/>
+              <a:tabLst/>
+              <a:defRPr/>
+            </a:pPr>
+            <a:r>
+              <a:rPr lang="zh-TW" altLang="en-US" sz="3600" b="1" dirty="0">
+                <a:solidFill>
+                  <a:srgbClr val="063944"/>
+                </a:solidFill>
+                <a:latin typeface="微軟正黑體" panose="020B0604030504040204" pitchFamily="34" charset="-120"/>
+                <a:ea typeface="微軟正黑體" panose="020B0604030504040204" pitchFamily="34" charset="-120"/>
+                <a:cs typeface="Courier New" panose="02070309020205020404" pitchFamily="49" charset="0"/>
+              </a:rPr>
+              <a:t>研究結果</a:t>
+            </a:r>
+          </a:p>
+        </p:txBody>
+      </p:sp>
+      <p:sp>
+        <p:nvSpPr>
+          <p:cNvPr id="23" name="文字方塊 22">
+            <a:extLst>
+              <a:ext uri="{FF2B5EF4-FFF2-40B4-BE49-F238E27FC236}">
+                <a16:creationId xmlns:a16="http://schemas.microsoft.com/office/drawing/2014/main" id="{7A8F2A93-7489-43ED-A87B-71E29B89CA26}"/>
+              </a:ext>
+            </a:extLst>
+          </p:cNvPr>
+          <p:cNvSpPr txBox="1"/>
+          <p:nvPr userDrawn="1"/>
+        </p:nvSpPr>
+        <p:spPr>
+          <a:xfrm>
+            <a:off x="3050607" y="5620497"/>
+            <a:ext cx="7236462" cy="646331"/>
+          </a:xfrm>
+          <a:prstGeom prst="rect">
+            <a:avLst/>
+          </a:prstGeom>
+          <a:noFill/>
+        </p:spPr>
+        <p:txBody>
+          <a:bodyPr wrap="square" rtlCol="0">
+            <a:spAutoFit/>
+          </a:bodyPr>
+          <a:lstStyle/>
+          <a:p>
+            <a:pPr algn="l"/>
+            <a:r>
+              <a:rPr lang="zh-TW" altLang="en-US" sz="3600" b="1" dirty="0">
+                <a:solidFill>
+                  <a:srgbClr val="CB5C2E"/>
+                </a:solidFill>
+                <a:latin typeface="微軟正黑體" panose="020B0604030504040204" pitchFamily="34" charset="-120"/>
+                <a:ea typeface="微軟正黑體" panose="020B0604030504040204" pitchFamily="34" charset="-120"/>
+                <a:cs typeface="Courier New" panose="02070309020205020404" pitchFamily="49" charset="0"/>
+              </a:rPr>
+              <a:t>結論</a:t>
+            </a:r>
+          </a:p>
+        </p:txBody>
+      </p:sp>
+    </p:spTree>
+    <p:extLst>
+      <p:ext uri="{BB962C8B-B14F-4D97-AF65-F5344CB8AC3E}">
+        <p14:creationId xmlns:p14="http://schemas.microsoft.com/office/powerpoint/2010/main" val="3628898078"/>
+      </p:ext>
+    </p:extLst>
+  </p:cSld>
+  <p:clrMapOvr>
+    <a:masterClrMapping/>
+  </p:clrMapOvr>
+  <mc:AlternateContent xmlns:mc="http://schemas.openxmlformats.org/markup-compatibility/2006" xmlns:p14="http://schemas.microsoft.com/office/powerpoint/2010/main">
+    <mc:Choice Requires="p14">
+      <p:transition spd="med" p14:dur="700">
+        <p:fade/>
+      </p:transition>
+    </mc:Choice>
+    <mc:Fallback xmlns="">
+      <p:transition spd="med">
+        <p:fade/>
+      </p:transition>
+    </mc:Fallback>
+  </mc:AlternateContent>
+</p:sld>
+</file>
+
+<file path=ppt/slides/slide19.xml><?xml version="1.0" encoding="utf-8"?>
+<p:sld xmlns:a="http://schemas.openxmlformats.org/drawingml/2006/main" xmlns:r="http://schemas.openxmlformats.org/officeDocument/2006/relationships" xmlns:p="http://schemas.openxmlformats.org/presentationml/2006/main">
+  <p:cSld>
+    <p:spTree>
+      <p:nvGrpSpPr>
+        <p:cNvPr id="1" name=""/>
+        <p:cNvGrpSpPr/>
+        <p:nvPr/>
+      </p:nvGrpSpPr>
+      <p:grpSpPr>
+        <a:xfrm>
+          <a:off x="0" y="0"/>
+          <a:ext cx="0" cy="0"/>
+          <a:chOff x="0" y="0"/>
+          <a:chExt cx="0" cy="0"/>
+        </a:xfrm>
+      </p:grpSpPr>
+      <p:sp>
+        <p:nvSpPr>
+          <p:cNvPr id="2" name="標題 1">
+            <a:extLst>
+              <a:ext uri="{FF2B5EF4-FFF2-40B4-BE49-F238E27FC236}">
+                <a16:creationId xmlns:a16="http://schemas.microsoft.com/office/drawing/2014/main" id="{F6874B10-73B0-4245-BAC9-B2873DDEBE63}"/>
+              </a:ext>
+            </a:extLst>
+          </p:cNvPr>
+          <p:cNvSpPr>
+            <a:spLocks noGrp="1"/>
+          </p:cNvSpPr>
+          <p:nvPr>
+            <p:ph type="title"/>
+          </p:nvPr>
+        </p:nvSpPr>
+        <p:spPr/>
+        <p:txBody>
+          <a:bodyPr/>
+          <a:lstStyle/>
+          <a:p>
+            <a:r>
+              <a:rPr lang="zh-TW" altLang="en-US" spc="300" dirty="0">
+                <a:latin typeface="微軟正黑體" panose="020B0604030504040204" pitchFamily="34" charset="-120"/>
+                <a:ea typeface="微軟正黑體" panose="020B0604030504040204" pitchFamily="34" charset="-120"/>
+              </a:rPr>
+              <a:t>結論</a:t>
+            </a:r>
+          </a:p>
+        </p:txBody>
+      </p:sp>
+      <p:sp>
+        <p:nvSpPr>
+          <p:cNvPr id="5" name="文字方塊 4">
+            <a:extLst>
+              <a:ext uri="{FF2B5EF4-FFF2-40B4-BE49-F238E27FC236}">
+                <a16:creationId xmlns:a16="http://schemas.microsoft.com/office/drawing/2014/main" id="{E30B6C2C-805D-45EF-9F9A-9930EB2264BB}"/>
+              </a:ext>
+            </a:extLst>
+          </p:cNvPr>
+          <p:cNvSpPr txBox="1"/>
+          <p:nvPr/>
+        </p:nvSpPr>
+        <p:spPr>
+          <a:xfrm>
+            <a:off x="1016000" y="1663700"/>
+            <a:ext cx="10312400" cy="2862322"/>
+          </a:xfrm>
+          <a:prstGeom prst="rect">
+            <a:avLst/>
+          </a:prstGeom>
+          <a:noFill/>
+        </p:spPr>
+        <p:txBody>
+          <a:bodyPr wrap="square" rtlCol="0">
+            <a:spAutoFit/>
+          </a:bodyPr>
+          <a:lstStyle/>
+          <a:p>
+            <a:pPr marL="285750" indent="-285750">
+              <a:buFont typeface="Arial" panose="020B0604020202020204" pitchFamily="34" charset="0"/>
+              <a:buChar char="•"/>
+            </a:pPr>
+            <a:r>
+              <a:rPr lang="zh-TW" altLang="en-US" spc="300" dirty="0">
+                <a:solidFill>
+                  <a:srgbClr val="063944"/>
+                </a:solidFill>
+                <a:latin typeface="微軟正黑體" panose="020B0604030504040204" pitchFamily="34" charset="-120"/>
+                <a:ea typeface="微軟正黑體" panose="020B0604030504040204" pitchFamily="34" charset="-120"/>
+              </a:rPr>
+              <a:t>對於此資料集，相較於</a:t>
+            </a:r>
+            <a:r>
+              <a:rPr lang="en-US" altLang="zh-TW" spc="300" dirty="0">
+                <a:solidFill>
+                  <a:srgbClr val="063944"/>
+                </a:solidFill>
+                <a:latin typeface="微軟正黑體" panose="020B0604030504040204" pitchFamily="34" charset="-120"/>
+                <a:ea typeface="微軟正黑體" panose="020B0604030504040204" pitchFamily="34" charset="-120"/>
+              </a:rPr>
+              <a:t>SVM</a:t>
+            </a:r>
+            <a:r>
+              <a:rPr lang="zh-TW" altLang="en-US" spc="300" dirty="0">
+                <a:solidFill>
+                  <a:srgbClr val="063944"/>
+                </a:solidFill>
+                <a:latin typeface="微軟正黑體" panose="020B0604030504040204" pitchFamily="34" charset="-120"/>
+                <a:ea typeface="微軟正黑體" panose="020B0604030504040204" pitchFamily="34" charset="-120"/>
+              </a:rPr>
+              <a:t>、</a:t>
+            </a:r>
+            <a:r>
+              <a:rPr lang="en-US" altLang="zh-TW" spc="300" dirty="0">
+                <a:solidFill>
+                  <a:srgbClr val="063944"/>
+                </a:solidFill>
+                <a:latin typeface="微軟正黑體" panose="020B0604030504040204" pitchFamily="34" charset="-120"/>
+                <a:ea typeface="微軟正黑體" panose="020B0604030504040204" pitchFamily="34" charset="-120"/>
+              </a:rPr>
+              <a:t>KNN</a:t>
+            </a:r>
+            <a:r>
+              <a:rPr lang="zh-TW" altLang="en-US" spc="300" dirty="0">
+                <a:solidFill>
+                  <a:srgbClr val="063944"/>
+                </a:solidFill>
+                <a:latin typeface="微軟正黑體" panose="020B0604030504040204" pitchFamily="34" charset="-120"/>
+                <a:ea typeface="微軟正黑體" panose="020B0604030504040204" pitchFamily="34" charset="-120"/>
+              </a:rPr>
+              <a:t>，利用</a:t>
+            </a:r>
+            <a:r>
+              <a:rPr lang="en-US" altLang="zh-TW" spc="300" dirty="0">
+                <a:solidFill>
+                  <a:srgbClr val="063944"/>
+                </a:solidFill>
+                <a:latin typeface="微軟正黑體" panose="020B0604030504040204" pitchFamily="34" charset="-120"/>
+                <a:ea typeface="微軟正黑體" panose="020B0604030504040204" pitchFamily="34" charset="-120"/>
+              </a:rPr>
+              <a:t>Decision Tree </a:t>
+            </a:r>
+            <a:r>
+              <a:rPr lang="zh-TW" altLang="en-US" spc="300" dirty="0">
+                <a:solidFill>
+                  <a:srgbClr val="063944"/>
+                </a:solidFill>
+                <a:latin typeface="微軟正黑體" panose="020B0604030504040204" pitchFamily="34" charset="-120"/>
+                <a:ea typeface="微軟正黑體" panose="020B0604030504040204" pitchFamily="34" charset="-120"/>
+              </a:rPr>
+              <a:t>所訓練出來的模組，準確度較高。</a:t>
+            </a:r>
+            <a:endParaRPr lang="en-US" altLang="zh-TW" spc="300" dirty="0">
+              <a:solidFill>
+                <a:srgbClr val="063944"/>
+              </a:solidFill>
+              <a:latin typeface="微軟正黑體" panose="020B0604030504040204" pitchFamily="34" charset="-120"/>
+              <a:ea typeface="微軟正黑體" panose="020B0604030504040204" pitchFamily="34" charset="-120"/>
+            </a:endParaRPr>
+          </a:p>
+          <a:p>
+            <a:pPr marL="285750" indent="-285750">
+              <a:buFont typeface="Arial" panose="020B0604020202020204" pitchFamily="34" charset="0"/>
+              <a:buChar char="•"/>
+            </a:pPr>
+            <a:endParaRPr lang="en-US" altLang="zh-TW" spc="300" dirty="0">
+              <a:solidFill>
+                <a:srgbClr val="063944"/>
+              </a:solidFill>
+              <a:latin typeface="微軟正黑體" panose="020B0604030504040204" pitchFamily="34" charset="-120"/>
+              <a:ea typeface="微軟正黑體" panose="020B0604030504040204" pitchFamily="34" charset="-120"/>
+            </a:endParaRPr>
+          </a:p>
+          <a:p>
+            <a:pPr marL="285750" indent="-285750">
+              <a:buFont typeface="Arial" panose="020B0604020202020204" pitchFamily="34" charset="0"/>
+              <a:buChar char="•"/>
+            </a:pPr>
+            <a:r>
+              <a:rPr lang="zh-TW" altLang="en-US" spc="300" dirty="0">
+                <a:solidFill>
+                  <a:srgbClr val="063944"/>
+                </a:solidFill>
+                <a:latin typeface="微軟正黑體" panose="020B0604030504040204" pitchFamily="34" charset="-120"/>
+                <a:ea typeface="微軟正黑體" panose="020B0604030504040204" pitchFamily="34" charset="-120"/>
+              </a:rPr>
+              <a:t>利用</a:t>
+            </a:r>
+            <a:r>
+              <a:rPr lang="en-US" altLang="zh-TW" spc="300" dirty="0" err="1">
+                <a:solidFill>
+                  <a:srgbClr val="063944"/>
+                </a:solidFill>
+                <a:latin typeface="微軟正黑體" panose="020B0604030504040204" pitchFamily="34" charset="-120"/>
+                <a:ea typeface="微軟正黑體" panose="020B0604030504040204" pitchFamily="34" charset="-120"/>
+              </a:rPr>
+              <a:t>gini</a:t>
+            </a:r>
+            <a:r>
+              <a:rPr lang="zh-TW" altLang="en-US" spc="300" dirty="0">
+                <a:solidFill>
+                  <a:srgbClr val="063944"/>
+                </a:solidFill>
+                <a:latin typeface="微軟正黑體" panose="020B0604030504040204" pitchFamily="34" charset="-120"/>
+                <a:ea typeface="微軟正黑體" panose="020B0604030504040204" pitchFamily="34" charset="-120"/>
+              </a:rPr>
+              <a:t>、</a:t>
+            </a:r>
+            <a:r>
+              <a:rPr lang="en-US" altLang="zh-TW" spc="300" dirty="0">
+                <a:solidFill>
+                  <a:srgbClr val="063944"/>
+                </a:solidFill>
+                <a:latin typeface="微軟正黑體" panose="020B0604030504040204" pitchFamily="34" charset="-120"/>
+                <a:ea typeface="微軟正黑體" panose="020B0604030504040204" pitchFamily="34" charset="-120"/>
+              </a:rPr>
+              <a:t>entropy</a:t>
+            </a:r>
+            <a:r>
+              <a:rPr lang="zh-TW" altLang="en-US" spc="300" dirty="0">
+                <a:solidFill>
+                  <a:srgbClr val="063944"/>
+                </a:solidFill>
+                <a:latin typeface="微軟正黑體" panose="020B0604030504040204" pitchFamily="34" charset="-120"/>
+                <a:ea typeface="微軟正黑體" panose="020B0604030504040204" pitchFamily="34" charset="-120"/>
+              </a:rPr>
+              <a:t>計算純度，</a:t>
+            </a:r>
+            <a:r>
+              <a:rPr lang="en-US" altLang="zh-TW" spc="300" dirty="0" err="1">
+                <a:solidFill>
+                  <a:srgbClr val="063944"/>
+                </a:solidFill>
+                <a:latin typeface="微軟正黑體" panose="020B0604030504040204" pitchFamily="34" charset="-120"/>
+                <a:ea typeface="微軟正黑體" panose="020B0604030504040204" pitchFamily="34" charset="-120"/>
+              </a:rPr>
+              <a:t>Max_depth</a:t>
+            </a:r>
+            <a:r>
+              <a:rPr lang="en-US" altLang="zh-TW" spc="300" dirty="0">
+                <a:solidFill>
+                  <a:srgbClr val="063944"/>
+                </a:solidFill>
+                <a:latin typeface="微軟正黑體" panose="020B0604030504040204" pitchFamily="34" charset="-120"/>
+                <a:ea typeface="微軟正黑體" panose="020B0604030504040204" pitchFamily="34" charset="-120"/>
+              </a:rPr>
+              <a:t>=5</a:t>
+            </a:r>
+            <a:r>
+              <a:rPr lang="zh-TW" altLang="en-US" spc="300" dirty="0">
+                <a:solidFill>
+                  <a:srgbClr val="063944"/>
+                </a:solidFill>
+                <a:latin typeface="微軟正黑體" panose="020B0604030504040204" pitchFamily="34" charset="-120"/>
+                <a:ea typeface="微軟正黑體" panose="020B0604030504040204" pitchFamily="34" charset="-120"/>
+              </a:rPr>
+              <a:t>時達到最高的準確度。</a:t>
+            </a:r>
+            <a:endParaRPr lang="en-US" altLang="zh-TW" spc="300" dirty="0">
+              <a:solidFill>
+                <a:srgbClr val="063944"/>
+              </a:solidFill>
+              <a:latin typeface="微軟正黑體" panose="020B0604030504040204" pitchFamily="34" charset="-120"/>
+              <a:ea typeface="微軟正黑體" panose="020B0604030504040204" pitchFamily="34" charset="-120"/>
+            </a:endParaRPr>
+          </a:p>
+          <a:p>
+            <a:pPr marL="285750" indent="-285750">
+              <a:buFont typeface="Arial" panose="020B0604020202020204" pitchFamily="34" charset="0"/>
+              <a:buChar char="•"/>
+            </a:pPr>
+            <a:endParaRPr lang="en-US" altLang="zh-TW" spc="300" dirty="0">
+              <a:solidFill>
+                <a:srgbClr val="063944"/>
+              </a:solidFill>
+              <a:latin typeface="微軟正黑體" panose="020B0604030504040204" pitchFamily="34" charset="-120"/>
+              <a:ea typeface="微軟正黑體" panose="020B0604030504040204" pitchFamily="34" charset="-120"/>
+            </a:endParaRPr>
+          </a:p>
+          <a:p>
+            <a:pPr marL="285750" indent="-285750">
+              <a:buFont typeface="Arial" panose="020B0604020202020204" pitchFamily="34" charset="0"/>
+              <a:buChar char="•"/>
+            </a:pPr>
+            <a:r>
+              <a:rPr lang="zh-TW" altLang="en-US" spc="300" dirty="0">
+                <a:solidFill>
+                  <a:srgbClr val="063944"/>
+                </a:solidFill>
+                <a:latin typeface="微軟正黑體" panose="020B0604030504040204" pitchFamily="34" charset="-120"/>
+                <a:ea typeface="微軟正黑體" panose="020B0604030504040204" pitchFamily="34" charset="-120"/>
+              </a:rPr>
+              <a:t>透過決策樹可以透過特徵去進行決策，盡量使性質相像的資料，被分到同一個類別。</a:t>
+            </a:r>
+            <a:endParaRPr lang="en-US" altLang="zh-TW" spc="300" dirty="0">
+              <a:solidFill>
+                <a:srgbClr val="063944"/>
+              </a:solidFill>
+              <a:latin typeface="微軟正黑體" panose="020B0604030504040204" pitchFamily="34" charset="-120"/>
+              <a:ea typeface="微軟正黑體" panose="020B0604030504040204" pitchFamily="34" charset="-120"/>
+            </a:endParaRPr>
+          </a:p>
+          <a:p>
+            <a:pPr marL="285750" indent="-285750">
+              <a:buFont typeface="Arial" panose="020B0604020202020204" pitchFamily="34" charset="0"/>
+              <a:buChar char="•"/>
+            </a:pPr>
+            <a:endParaRPr lang="en-US" altLang="zh-TW" spc="300" dirty="0">
+              <a:solidFill>
+                <a:srgbClr val="063944"/>
+              </a:solidFill>
+              <a:latin typeface="微軟正黑體" panose="020B0604030504040204" pitchFamily="34" charset="-120"/>
+              <a:ea typeface="微軟正黑體" panose="020B0604030504040204" pitchFamily="34" charset="-120"/>
+            </a:endParaRPr>
+          </a:p>
+          <a:p>
+            <a:pPr marL="285750" indent="-285750">
+              <a:buFont typeface="Arial" panose="020B0604020202020204" pitchFamily="34" charset="0"/>
+              <a:buChar char="•"/>
+            </a:pPr>
+            <a:r>
+              <a:rPr lang="en-US" altLang="zh-TW" spc="300" dirty="0">
+                <a:solidFill>
+                  <a:srgbClr val="063944"/>
+                </a:solidFill>
+                <a:latin typeface="微軟正黑體" panose="020B0604030504040204" pitchFamily="34" charset="-120"/>
+                <a:ea typeface="微軟正黑體" panose="020B0604030504040204" pitchFamily="34" charset="-120"/>
+              </a:rPr>
+              <a:t>SVM</a:t>
+            </a:r>
+            <a:r>
+              <a:rPr lang="zh-TW" altLang="en-US" spc="300" dirty="0">
+                <a:solidFill>
+                  <a:srgbClr val="063944"/>
+                </a:solidFill>
+                <a:latin typeface="微軟正黑體" panose="020B0604030504040204" pitchFamily="34" charset="-120"/>
+                <a:ea typeface="微軟正黑體" panose="020B0604030504040204" pitchFamily="34" charset="-120"/>
+              </a:rPr>
+              <a:t>透過降維的方式可以訓練出較好的模組。</a:t>
+            </a:r>
+            <a:endParaRPr lang="en-US" altLang="zh-TW" spc="300" dirty="0">
+              <a:solidFill>
+                <a:srgbClr val="063944"/>
+              </a:solidFill>
+              <a:latin typeface="微軟正黑體" panose="020B0604030504040204" pitchFamily="34" charset="-120"/>
+              <a:ea typeface="微軟正黑體" panose="020B0604030504040204" pitchFamily="34" charset="-120"/>
+            </a:endParaRPr>
+          </a:p>
+          <a:p>
+            <a:pPr marL="285750" indent="-285750">
+              <a:buFont typeface="Arial" panose="020B0604020202020204" pitchFamily="34" charset="0"/>
+              <a:buChar char="•"/>
+            </a:pPr>
+            <a:endParaRPr lang="en-US" altLang="zh-TW" spc="300" dirty="0">
+              <a:solidFill>
+                <a:srgbClr val="063944"/>
+              </a:solidFill>
+              <a:latin typeface="微軟正黑體" panose="020B0604030504040204" pitchFamily="34" charset="-120"/>
+              <a:ea typeface="微軟正黑體" panose="020B0604030504040204" pitchFamily="34" charset="-120"/>
+            </a:endParaRPr>
+          </a:p>
+          <a:p>
+            <a:pPr marL="285750" indent="-285750">
+              <a:buFont typeface="Arial" panose="020B0604020202020204" pitchFamily="34" charset="0"/>
+              <a:buChar char="•"/>
+            </a:pPr>
+            <a:r>
+              <a:rPr lang="en-US" altLang="zh-TW" spc="300" dirty="0">
+                <a:solidFill>
+                  <a:srgbClr val="063944"/>
+                </a:solidFill>
+                <a:latin typeface="微軟正黑體" panose="020B0604030504040204" pitchFamily="34" charset="-120"/>
+                <a:ea typeface="微軟正黑體" panose="020B0604030504040204" pitchFamily="34" charset="-120"/>
+              </a:rPr>
+              <a:t>KNN</a:t>
+            </a:r>
+            <a:r>
+              <a:rPr lang="zh-TW" altLang="en-US" spc="300" dirty="0">
+                <a:solidFill>
+                  <a:srgbClr val="063944"/>
+                </a:solidFill>
+                <a:latin typeface="微軟正黑體" panose="020B0604030504040204" pitchFamily="34" charset="-120"/>
+                <a:ea typeface="微軟正黑體" panose="020B0604030504040204" pitchFamily="34" charset="-120"/>
+              </a:rPr>
+              <a:t>可透過調整</a:t>
+            </a:r>
+            <a:r>
+              <a:rPr lang="en-US" altLang="zh-TW" spc="300" dirty="0">
+                <a:solidFill>
+                  <a:srgbClr val="063944"/>
+                </a:solidFill>
+                <a:latin typeface="微軟正黑體" panose="020B0604030504040204" pitchFamily="34" charset="-120"/>
+                <a:ea typeface="微軟正黑體" panose="020B0604030504040204" pitchFamily="34" charset="-120"/>
+              </a:rPr>
+              <a:t>K</a:t>
+            </a:r>
+            <a:r>
+              <a:rPr lang="zh-TW" altLang="en-US" spc="300" dirty="0">
+                <a:solidFill>
+                  <a:srgbClr val="063944"/>
+                </a:solidFill>
+                <a:latin typeface="微軟正黑體" panose="020B0604030504040204" pitchFamily="34" charset="-120"/>
+                <a:ea typeface="微軟正黑體" panose="020B0604030504040204" pitchFamily="34" charset="-120"/>
+              </a:rPr>
+              <a:t>值來達到較好的準確率，但</a:t>
+            </a:r>
+            <a:r>
+              <a:rPr lang="en-US" altLang="zh-TW" spc="300" dirty="0">
+                <a:solidFill>
+                  <a:srgbClr val="063944"/>
+                </a:solidFill>
+                <a:latin typeface="微軟正黑體" panose="020B0604030504040204" pitchFamily="34" charset="-120"/>
+                <a:ea typeface="微軟正黑體" panose="020B0604030504040204" pitchFamily="34" charset="-120"/>
+              </a:rPr>
+              <a:t>K</a:t>
+            </a:r>
+            <a:r>
+              <a:rPr lang="zh-TW" altLang="en-US" spc="300" dirty="0">
+                <a:solidFill>
+                  <a:srgbClr val="063944"/>
+                </a:solidFill>
+                <a:latin typeface="微軟正黑體" panose="020B0604030504040204" pitchFamily="34" charset="-120"/>
+                <a:ea typeface="微軟正黑體" panose="020B0604030504040204" pitchFamily="34" charset="-120"/>
+              </a:rPr>
+              <a:t>值過大時會造成過度擬合。</a:t>
+            </a:r>
+          </a:p>
+        </p:txBody>
+      </p:sp>
+    </p:spTree>
+    <p:extLst>
+      <p:ext uri="{BB962C8B-B14F-4D97-AF65-F5344CB8AC3E}">
+        <p14:creationId xmlns:p14="http://schemas.microsoft.com/office/powerpoint/2010/main" val="2888348123"/>
+      </p:ext>
+    </p:extLst>
+  </p:cSld>
+  <p:clrMapOvr>
+    <a:masterClrMapping/>
+  </p:clrMapOvr>
+  <mc:AlternateContent xmlns:mc="http://schemas.openxmlformats.org/markup-compatibility/2006" xmlns:p14="http://schemas.microsoft.com/office/powerpoint/2010/main">
+    <mc:Choice Requires="p14">
+      <p:transition spd="med" p14:dur="700">
+        <p:fade/>
+      </p:transition>
+    </mc:Choice>
+    <mc:Fallback xmlns="">
+      <p:transition spd="med">
+        <p:fade/>
+      </p:transition>
+    </mc:Fallback>
+  </mc:AlternateContent>
 </p:sld>
 </file>
 
@@ -6390,7 +12703,7 @@
             <a:ext cx="12192000" cy="1325563"/>
           </a:xfrm>
           <a:solidFill>
-            <a:srgbClr val="58737D"/>
+            <a:srgbClr val="197A89"/>
           </a:solidFill>
         </p:spPr>
         <p:txBody>
@@ -6398,10 +12711,18 @@
           <a:lstStyle/>
           <a:p>
             <a:r>
-              <a:rPr lang="en-US" altLang="zh-TW" dirty="0"/>
+              <a:rPr lang="en-US" altLang="zh-TW" dirty="0">
+                <a:solidFill>
+                  <a:srgbClr val="FFFFFF"/>
+                </a:solidFill>
+              </a:rPr>
               <a:t>CONTENT</a:t>
             </a:r>
-            <a:endParaRPr lang="zh-TW" altLang="en-US" dirty="0"/>
+            <a:endParaRPr lang="zh-TW" altLang="en-US" dirty="0">
+              <a:solidFill>
+                <a:srgbClr val="FFFFFF"/>
+              </a:solidFill>
+            </a:endParaRPr>
           </a:p>
         </p:txBody>
       </p:sp>
@@ -6437,7 +12758,7 @@
             <a:r>
               <a:rPr lang="zh-TW" altLang="en-US" sz="3600" b="1" dirty="0">
                 <a:solidFill>
-                  <a:srgbClr val="58737D"/>
+                  <a:srgbClr val="CB5C2E"/>
                 </a:solidFill>
                 <a:latin typeface="微軟正黑體" panose="020B0604030504040204" pitchFamily="34" charset="-120"/>
                 <a:ea typeface="微軟正黑體" panose="020B0604030504040204" pitchFamily="34" charset="-120"/>
@@ -6496,7 +12817,7 @@
             <a:r>
               <a:rPr lang="zh-TW" altLang="en-US" sz="3600" b="1" dirty="0">
                 <a:solidFill>
-                  <a:srgbClr val="58737D"/>
+                  <a:srgbClr val="063944"/>
                 </a:solidFill>
                 <a:latin typeface="微軟正黑體" panose="020B0604030504040204" pitchFamily="34" charset="-120"/>
                 <a:ea typeface="微軟正黑體" panose="020B0604030504040204" pitchFamily="34" charset="-120"/>
@@ -6539,7 +12860,7 @@
             <a:r>
               <a:rPr lang="zh-TW" altLang="en-US" sz="3600" b="1" dirty="0">
                 <a:solidFill>
-                  <a:srgbClr val="58737D"/>
+                  <a:srgbClr val="063944"/>
                 </a:solidFill>
                 <a:latin typeface="微軟正黑體" panose="020B0604030504040204" pitchFamily="34" charset="-120"/>
                 <a:ea typeface="微軟正黑體" panose="020B0604030504040204" pitchFamily="34" charset="-120"/>
@@ -6598,7 +12919,7 @@
             <a:r>
               <a:rPr lang="zh-TW" altLang="en-US" sz="3600" b="1" dirty="0">
                 <a:solidFill>
-                  <a:srgbClr val="58737D"/>
+                  <a:srgbClr val="063944"/>
                 </a:solidFill>
                 <a:latin typeface="微軟正黑體" panose="020B0604030504040204" pitchFamily="34" charset="-120"/>
                 <a:ea typeface="微軟正黑體" panose="020B0604030504040204" pitchFamily="34" charset="-120"/>
@@ -6641,7 +12962,7 @@
             <a:r>
               <a:rPr lang="zh-TW" altLang="en-US" sz="3600" b="1" dirty="0">
                 <a:solidFill>
-                  <a:srgbClr val="58737D"/>
+                  <a:srgbClr val="063944"/>
                 </a:solidFill>
                 <a:latin typeface="微軟正黑體" panose="020B0604030504040204" pitchFamily="34" charset="-120"/>
                 <a:ea typeface="微軟正黑體" panose="020B0604030504040204" pitchFamily="34" charset="-120"/>
@@ -6677,6 +12998,36 @@
 </p:sld>
 </file>
 
+<file path=ppt/slides/slide20.xml><?xml version="1.0" encoding="utf-8"?>
+<p:sld xmlns:a="http://schemas.openxmlformats.org/drawingml/2006/main" xmlns:r="http://schemas.openxmlformats.org/officeDocument/2006/relationships" xmlns:p="http://schemas.openxmlformats.org/presentationml/2006/main">
+  <p:cSld>
+    <p:spTree>
+      <p:nvGrpSpPr>
+        <p:cNvPr id="1" name=""/>
+        <p:cNvGrpSpPr/>
+        <p:nvPr/>
+      </p:nvGrpSpPr>
+      <p:grpSpPr>
+        <a:xfrm>
+          <a:off x="0" y="0"/>
+          <a:ext cx="0" cy="0"/>
+          <a:chOff x="0" y="0"/>
+          <a:chExt cx="0" cy="0"/>
+        </a:xfrm>
+      </p:grpSpPr>
+    </p:spTree>
+    <p:extLst>
+      <p:ext uri="{BB962C8B-B14F-4D97-AF65-F5344CB8AC3E}">
+        <p14:creationId xmlns:p14="http://schemas.microsoft.com/office/powerpoint/2010/main" val="1823434506"/>
+      </p:ext>
+    </p:extLst>
+  </p:cSld>
+  <p:clrMapOvr>
+    <a:masterClrMapping/>
+  </p:clrMapOvr>
+</p:sld>
+</file>
+
 <file path=ppt/slides/slide3.xml><?xml version="1.0" encoding="utf-8"?>
 <p:sld xmlns:a="http://schemas.openxmlformats.org/drawingml/2006/main" xmlns:r="http://schemas.openxmlformats.org/officeDocument/2006/relationships" xmlns:p="http://schemas.openxmlformats.org/presentationml/2006/main">
   <p:cSld>
@@ -6699,7 +13050,7 @@
           <p:cNvPr id="2" name="標題 1">
             <a:extLst>
               <a:ext uri="{FF2B5EF4-FFF2-40B4-BE49-F238E27FC236}">
-                <a16:creationId xmlns:a16="http://schemas.microsoft.com/office/drawing/2014/main" id="{61CE8A7B-1724-4D93-8D88-A198BF2B4DC2}"/>
+                <a16:creationId xmlns:a16="http://schemas.microsoft.com/office/drawing/2014/main" id="{F6874B10-73B0-4245-BAC9-B2873DDEBE63}"/>
               </a:ext>
             </a:extLst>
           </p:cNvPr>
@@ -6710,16 +13061,9 @@
             <p:ph type="title"/>
           </p:nvPr>
         </p:nvSpPr>
-        <p:spPr>
-          <a:xfrm>
-            <a:off x="3766710" y="2249714"/>
-            <a:ext cx="9557404" cy="2471057"/>
-          </a:xfrm>
-        </p:spPr>
-        <p:txBody>
-          <a:bodyPr anchor="ctr">
-            <a:normAutofit/>
-          </a:bodyPr>
+        <p:spPr/>
+        <p:txBody>
+          <a:bodyPr/>
           <a:lstStyle/>
           <a:p>
             <a:r>
@@ -6732,10 +13076,40 @@
           </a:p>
         </p:txBody>
       </p:sp>
+      <p:pic>
+        <p:nvPicPr>
+          <p:cNvPr id="3" name="圖片 2">
+            <a:extLst>
+              <a:ext uri="{FF2B5EF4-FFF2-40B4-BE49-F238E27FC236}">
+                <a16:creationId xmlns:a16="http://schemas.microsoft.com/office/drawing/2014/main" id="{96BBEB76-A6A1-427C-8EDA-D5642479E5EF}"/>
+              </a:ext>
+            </a:extLst>
+          </p:cNvPr>
+          <p:cNvPicPr>
+            <a:picLocks noChangeAspect="1"/>
+          </p:cNvPicPr>
+          <p:nvPr/>
+        </p:nvPicPr>
+        <p:blipFill>
+          <a:blip r:embed="rId2"/>
+          <a:stretch>
+            <a:fillRect/>
+          </a:stretch>
+        </p:blipFill>
+        <p:spPr>
+          <a:xfrm>
+            <a:off x="3340369" y="1877919"/>
+            <a:ext cx="5511261" cy="4504519"/>
+          </a:xfrm>
+          <a:prstGeom prst="rect">
+            <a:avLst/>
+          </a:prstGeom>
+        </p:spPr>
+      </p:pic>
     </p:spTree>
     <p:extLst>
       <p:ext uri="{BB962C8B-B14F-4D97-AF65-F5344CB8AC3E}">
-        <p14:creationId xmlns:p14="http://schemas.microsoft.com/office/powerpoint/2010/main" val="3227103200"/>
+        <p14:creationId xmlns:p14="http://schemas.microsoft.com/office/powerpoint/2010/main" val="1870654933"/>
       </p:ext>
     </p:extLst>
   </p:cSld>
@@ -6807,10 +13181,10 @@
       </p:sp>
       <p:pic>
         <p:nvPicPr>
-          <p:cNvPr id="3" name="圖片 2">
-            <a:extLst>
-              <a:ext uri="{FF2B5EF4-FFF2-40B4-BE49-F238E27FC236}">
-                <a16:creationId xmlns:a16="http://schemas.microsoft.com/office/drawing/2014/main" id="{96BBEB76-A6A1-427C-8EDA-D5642479E5EF}"/>
+          <p:cNvPr id="4" name="圖片 3">
+            <a:extLst>
+              <a:ext uri="{FF2B5EF4-FFF2-40B4-BE49-F238E27FC236}">
+                <a16:creationId xmlns:a16="http://schemas.microsoft.com/office/drawing/2014/main" id="{74EBA34A-171C-41E4-8229-E6C2383D5C97}"/>
               </a:ext>
             </a:extLst>
           </p:cNvPr>
@@ -6827,8 +13201,8 @@
         </p:blipFill>
         <p:spPr>
           <a:xfrm>
-            <a:off x="3147462" y="1738219"/>
-            <a:ext cx="5511261" cy="4504519"/>
+            <a:off x="607496" y="2120287"/>
+            <a:ext cx="10977007" cy="2952227"/>
           </a:xfrm>
           <a:prstGeom prst="rect">
             <a:avLst/>
@@ -6838,7 +13212,7 @@
     </p:spTree>
     <p:extLst>
       <p:ext uri="{BB962C8B-B14F-4D97-AF65-F5344CB8AC3E}">
-        <p14:creationId xmlns:p14="http://schemas.microsoft.com/office/powerpoint/2010/main" val="1870654933"/>
+        <p14:creationId xmlns:p14="http://schemas.microsoft.com/office/powerpoint/2010/main" val="186795595"/>
       </p:ext>
     </p:extLst>
   </p:cSld>
@@ -6895,7 +13269,9 @@
         </p:nvSpPr>
         <p:spPr/>
         <p:txBody>
-          <a:bodyPr/>
+          <a:bodyPr>
+            <a:normAutofit/>
+          </a:bodyPr>
           <a:lstStyle/>
           <a:p>
             <a:r>
@@ -6903,17 +13279,17 @@
                 <a:latin typeface="微軟正黑體" panose="020B0604030504040204" pitchFamily="34" charset="-120"/>
                 <a:ea typeface="微軟正黑體" panose="020B0604030504040204" pitchFamily="34" charset="-120"/>
               </a:rPr>
-              <a:t>資料集的介紹</a:t>
+              <a:t>資料集分析</a:t>
             </a:r>
           </a:p>
         </p:txBody>
       </p:sp>
       <p:pic>
         <p:nvPicPr>
-          <p:cNvPr id="4" name="圖片 3">
-            <a:extLst>
-              <a:ext uri="{FF2B5EF4-FFF2-40B4-BE49-F238E27FC236}">
-                <a16:creationId xmlns:a16="http://schemas.microsoft.com/office/drawing/2014/main" id="{74EBA34A-171C-41E4-8229-E6C2383D5C97}"/>
+          <p:cNvPr id="3" name="圖片 2">
+            <a:extLst>
+              <a:ext uri="{FF2B5EF4-FFF2-40B4-BE49-F238E27FC236}">
+                <a16:creationId xmlns:a16="http://schemas.microsoft.com/office/drawing/2014/main" id="{23E3FE8D-7D39-4A88-8E31-C7CBDE768796}"/>
               </a:ext>
             </a:extLst>
           </p:cNvPr>
@@ -6922,16 +13298,44 @@
           </p:cNvPicPr>
           <p:nvPr/>
         </p:nvPicPr>
-        <p:blipFill>
+        <p:blipFill rotWithShape="1">
           <a:blip r:embed="rId2"/>
-          <a:stretch>
-            <a:fillRect/>
-          </a:stretch>
+          <a:srcRect t="3248"/>
+          <a:stretch/>
         </p:blipFill>
         <p:spPr>
           <a:xfrm>
-            <a:off x="607496" y="2120287"/>
-            <a:ext cx="10977007" cy="2952227"/>
+            <a:off x="571937" y="2483317"/>
+            <a:ext cx="4837462" cy="3368428"/>
+          </a:xfrm>
+          <a:prstGeom prst="rect">
+            <a:avLst/>
+          </a:prstGeom>
+        </p:spPr>
+      </p:pic>
+      <p:pic>
+        <p:nvPicPr>
+          <p:cNvPr id="5" name="圖片 4">
+            <a:extLst>
+              <a:ext uri="{FF2B5EF4-FFF2-40B4-BE49-F238E27FC236}">
+                <a16:creationId xmlns:a16="http://schemas.microsoft.com/office/drawing/2014/main" id="{0214DFD6-0DB0-46AD-85F2-BAD71A5E1FDA}"/>
+              </a:ext>
+            </a:extLst>
+          </p:cNvPr>
+          <p:cNvPicPr>
+            <a:picLocks noChangeAspect="1"/>
+          </p:cNvPicPr>
+          <p:nvPr/>
+        </p:nvPicPr>
+        <p:blipFill rotWithShape="1">
+          <a:blip r:embed="rId3"/>
+          <a:srcRect l="3058" t="1640"/>
+          <a:stretch/>
+        </p:blipFill>
+        <p:spPr>
+          <a:xfrm>
+            <a:off x="6782602" y="2483317"/>
+            <a:ext cx="4837462" cy="3272175"/>
           </a:xfrm>
           <a:prstGeom prst="rect">
             <a:avLst/>
@@ -6941,7 +13345,7 @@
     </p:spTree>
     <p:extLst>
       <p:ext uri="{BB962C8B-B14F-4D97-AF65-F5344CB8AC3E}">
-        <p14:creationId xmlns:p14="http://schemas.microsoft.com/office/powerpoint/2010/main" val="186795595"/>
+        <p14:creationId xmlns:p14="http://schemas.microsoft.com/office/powerpoint/2010/main" val="1539667201"/>
       </p:ext>
     </p:extLst>
   </p:cSld>
@@ -6985,7 +13389,7 @@
           <p:cNvPr id="2" name="標題 1">
             <a:extLst>
               <a:ext uri="{FF2B5EF4-FFF2-40B4-BE49-F238E27FC236}">
-                <a16:creationId xmlns:a16="http://schemas.microsoft.com/office/drawing/2014/main" id="{F6874B10-73B0-4245-BAC9-B2873DDEBE63}"/>
+                <a16:creationId xmlns:a16="http://schemas.microsoft.com/office/drawing/2014/main" id="{B81AC892-6262-4DE5-97FC-25C4EE64C4B9}"/>
               </a:ext>
             </a:extLst>
           </p:cNvPr>
@@ -6996,83 +13400,286 @@
             <p:ph type="title"/>
           </p:nvPr>
         </p:nvSpPr>
-        <p:spPr/>
+        <p:spPr>
+          <a:xfrm>
+            <a:off x="0" y="0"/>
+            <a:ext cx="12192000" cy="1325563"/>
+          </a:xfrm>
+          <a:solidFill>
+            <a:srgbClr val="197A89"/>
+          </a:solidFill>
+        </p:spPr>
         <p:txBody>
           <a:bodyPr/>
           <a:lstStyle/>
           <a:p>
             <a:r>
-              <a:rPr lang="zh-TW" altLang="en-US" spc="300" dirty="0">
-                <a:latin typeface="微軟正黑體" panose="020B0604030504040204" pitchFamily="34" charset="-120"/>
-                <a:ea typeface="微軟正黑體" panose="020B0604030504040204" pitchFamily="34" charset="-120"/>
+              <a:rPr lang="en-US" altLang="zh-TW" dirty="0">
+                <a:solidFill>
+                  <a:srgbClr val="FFFFFF"/>
+                </a:solidFill>
               </a:rPr>
-              <a:t>資料集的介紹</a:t>
-            </a:r>
-          </a:p>
-        </p:txBody>
-      </p:sp>
-      <p:pic>
-        <p:nvPicPr>
-          <p:cNvPr id="3" name="圖片 2">
-            <a:extLst>
-              <a:ext uri="{FF2B5EF4-FFF2-40B4-BE49-F238E27FC236}">
-                <a16:creationId xmlns:a16="http://schemas.microsoft.com/office/drawing/2014/main" id="{23E3FE8D-7D39-4A88-8E31-C7CBDE768796}"/>
-              </a:ext>
-            </a:extLst>
-          </p:cNvPr>
-          <p:cNvPicPr>
-            <a:picLocks noChangeAspect="1"/>
-          </p:cNvPicPr>
-          <p:nvPr/>
-        </p:nvPicPr>
-        <p:blipFill rotWithShape="1">
-          <a:blip r:embed="rId2"/>
-          <a:srcRect t="3248"/>
-          <a:stretch/>
-        </p:blipFill>
-        <p:spPr>
-          <a:xfrm>
-            <a:off x="571937" y="2483317"/>
-            <a:ext cx="4837462" cy="3368428"/>
+              <a:t>CONTENT</a:t>
+            </a:r>
+            <a:endParaRPr lang="zh-TW" altLang="en-US" dirty="0">
+              <a:solidFill>
+                <a:srgbClr val="FFFFFF"/>
+              </a:solidFill>
+            </a:endParaRPr>
+          </a:p>
+        </p:txBody>
+      </p:sp>
+      <p:sp>
+        <p:nvSpPr>
+          <p:cNvPr id="7" name="文字方塊 6">
+            <a:extLst>
+              <a:ext uri="{FF2B5EF4-FFF2-40B4-BE49-F238E27FC236}">
+                <a16:creationId xmlns:a16="http://schemas.microsoft.com/office/drawing/2014/main" id="{C782779A-A9BD-4D74-B498-13CC878CA49B}"/>
+              </a:ext>
+            </a:extLst>
+          </p:cNvPr>
+          <p:cNvSpPr txBox="1"/>
+          <p:nvPr userDrawn="1"/>
+        </p:nvSpPr>
+        <p:spPr>
+          <a:xfrm>
+            <a:off x="3050607" y="1645634"/>
+            <a:ext cx="7236462" cy="646331"/>
           </a:xfrm>
           <a:prstGeom prst="rect">
             <a:avLst/>
           </a:prstGeom>
-        </p:spPr>
-      </p:pic>
-      <p:pic>
-        <p:nvPicPr>
-          <p:cNvPr id="5" name="圖片 4">
-            <a:extLst>
-              <a:ext uri="{FF2B5EF4-FFF2-40B4-BE49-F238E27FC236}">
-                <a16:creationId xmlns:a16="http://schemas.microsoft.com/office/drawing/2014/main" id="{0214DFD6-0DB0-46AD-85F2-BAD71A5E1FDA}"/>
-              </a:ext>
-            </a:extLst>
-          </p:cNvPr>
-          <p:cNvPicPr>
-            <a:picLocks noChangeAspect="1"/>
-          </p:cNvPicPr>
-          <p:nvPr/>
-        </p:nvPicPr>
-        <p:blipFill rotWithShape="1">
-          <a:blip r:embed="rId3"/>
-          <a:srcRect l="3058" t="1640"/>
-          <a:stretch/>
-        </p:blipFill>
-        <p:spPr>
-          <a:xfrm>
-            <a:off x="6782602" y="2483317"/>
-            <a:ext cx="4837462" cy="3272175"/>
+          <a:noFill/>
+        </p:spPr>
+        <p:txBody>
+          <a:bodyPr wrap="square" rtlCol="0">
+            <a:spAutoFit/>
+          </a:bodyPr>
+          <a:lstStyle/>
+          <a:p>
+            <a:pPr algn="l"/>
+            <a:r>
+              <a:rPr lang="zh-TW" altLang="en-US" sz="3600" b="1" dirty="0">
+                <a:solidFill>
+                  <a:srgbClr val="063944"/>
+                </a:solidFill>
+                <a:latin typeface="微軟正黑體" panose="020B0604030504040204" pitchFamily="34" charset="-120"/>
+                <a:ea typeface="微軟正黑體" panose="020B0604030504040204" pitchFamily="34" charset="-120"/>
+                <a:cs typeface="Courier New" panose="02070309020205020404" pitchFamily="49" charset="0"/>
+              </a:rPr>
+              <a:t>資料集的介紹</a:t>
+            </a:r>
+          </a:p>
+        </p:txBody>
+      </p:sp>
+      <p:sp>
+        <p:nvSpPr>
+          <p:cNvPr id="11" name="文字方塊 10">
+            <a:extLst>
+              <a:ext uri="{FF2B5EF4-FFF2-40B4-BE49-F238E27FC236}">
+                <a16:creationId xmlns:a16="http://schemas.microsoft.com/office/drawing/2014/main" id="{3CE26CD4-E2CF-44E2-9C6F-106C9F9144BF}"/>
+              </a:ext>
+            </a:extLst>
+          </p:cNvPr>
+          <p:cNvSpPr txBox="1"/>
+          <p:nvPr userDrawn="1"/>
+        </p:nvSpPr>
+        <p:spPr>
+          <a:xfrm>
+            <a:off x="3050607" y="2673630"/>
+            <a:ext cx="7236462" cy="646331"/>
           </a:xfrm>
           <a:prstGeom prst="rect">
             <a:avLst/>
           </a:prstGeom>
-        </p:spPr>
-      </p:pic>
+          <a:noFill/>
+        </p:spPr>
+        <p:txBody>
+          <a:bodyPr wrap="square" rtlCol="0">
+            <a:spAutoFit/>
+          </a:bodyPr>
+          <a:lstStyle/>
+          <a:p>
+            <a:pPr marL="0" marR="0" lvl="0" indent="0" algn="l" defTabSz="914400" rtl="0" eaLnBrk="1" fontAlgn="auto" latinLnBrk="0" hangingPunct="1">
+              <a:lnSpc>
+                <a:spcPct val="100000"/>
+              </a:lnSpc>
+              <a:spcBef>
+                <a:spcPts val="0"/>
+              </a:spcBef>
+              <a:spcAft>
+                <a:spcPts val="0"/>
+              </a:spcAft>
+              <a:buClrTx/>
+              <a:buSzTx/>
+              <a:buFontTx/>
+              <a:buNone/>
+              <a:tabLst/>
+              <a:defRPr/>
+            </a:pPr>
+            <a:r>
+              <a:rPr lang="zh-TW" altLang="en-US" sz="3600" b="1" dirty="0">
+                <a:solidFill>
+                  <a:srgbClr val="CB5C2E"/>
+                </a:solidFill>
+                <a:latin typeface="微軟正黑體" panose="020B0604030504040204" pitchFamily="34" charset="-120"/>
+                <a:ea typeface="微軟正黑體" panose="020B0604030504040204" pitchFamily="34" charset="-120"/>
+                <a:cs typeface="Courier New" panose="02070309020205020404" pitchFamily="49" charset="0"/>
+              </a:rPr>
+              <a:t>描述問題</a:t>
+            </a:r>
+          </a:p>
+        </p:txBody>
+      </p:sp>
+      <p:sp>
+        <p:nvSpPr>
+          <p:cNvPr id="15" name="文字方塊 14">
+            <a:extLst>
+              <a:ext uri="{FF2B5EF4-FFF2-40B4-BE49-F238E27FC236}">
+                <a16:creationId xmlns:a16="http://schemas.microsoft.com/office/drawing/2014/main" id="{5C005173-9968-4535-A86F-BBB692852391}"/>
+              </a:ext>
+            </a:extLst>
+          </p:cNvPr>
+          <p:cNvSpPr txBox="1"/>
+          <p:nvPr userDrawn="1"/>
+        </p:nvSpPr>
+        <p:spPr>
+          <a:xfrm>
+            <a:off x="3050607" y="3687693"/>
+            <a:ext cx="7400290" cy="646331"/>
+          </a:xfrm>
+          <a:prstGeom prst="rect">
+            <a:avLst/>
+          </a:prstGeom>
+          <a:noFill/>
+        </p:spPr>
+        <p:txBody>
+          <a:bodyPr wrap="square" rtlCol="0">
+            <a:spAutoFit/>
+          </a:bodyPr>
+          <a:lstStyle/>
+          <a:p>
+            <a:pPr algn="l"/>
+            <a:r>
+              <a:rPr lang="zh-TW" altLang="en-US" sz="3600" b="1" dirty="0">
+                <a:solidFill>
+                  <a:srgbClr val="063944"/>
+                </a:solidFill>
+                <a:latin typeface="微軟正黑體" panose="020B0604030504040204" pitchFamily="34" charset="-120"/>
+                <a:ea typeface="微軟正黑體" panose="020B0604030504040204" pitchFamily="34" charset="-120"/>
+                <a:cs typeface="Courier New" panose="02070309020205020404" pitchFamily="49" charset="0"/>
+              </a:rPr>
+              <a:t>研究方法</a:t>
+            </a:r>
+          </a:p>
+        </p:txBody>
+      </p:sp>
+      <p:sp>
+        <p:nvSpPr>
+          <p:cNvPr id="19" name="文字方塊 18">
+            <a:extLst>
+              <a:ext uri="{FF2B5EF4-FFF2-40B4-BE49-F238E27FC236}">
+                <a16:creationId xmlns:a16="http://schemas.microsoft.com/office/drawing/2014/main" id="{5FF07098-B576-4EA2-8D05-FE82D6152590}"/>
+              </a:ext>
+            </a:extLst>
+          </p:cNvPr>
+          <p:cNvSpPr txBox="1"/>
+          <p:nvPr userDrawn="1"/>
+        </p:nvSpPr>
+        <p:spPr>
+          <a:xfrm>
+            <a:off x="3050607" y="4654095"/>
+            <a:ext cx="7236462" cy="646331"/>
+          </a:xfrm>
+          <a:prstGeom prst="rect">
+            <a:avLst/>
+          </a:prstGeom>
+          <a:noFill/>
+        </p:spPr>
+        <p:txBody>
+          <a:bodyPr wrap="square" rtlCol="0">
+            <a:spAutoFit/>
+          </a:bodyPr>
+          <a:lstStyle/>
+          <a:p>
+            <a:pPr marL="0" marR="0" lvl="0" indent="0" algn="l" defTabSz="914400" rtl="0" eaLnBrk="1" fontAlgn="auto" latinLnBrk="0" hangingPunct="1">
+              <a:lnSpc>
+                <a:spcPct val="100000"/>
+              </a:lnSpc>
+              <a:spcBef>
+                <a:spcPts val="0"/>
+              </a:spcBef>
+              <a:spcAft>
+                <a:spcPts val="0"/>
+              </a:spcAft>
+              <a:buClrTx/>
+              <a:buSzTx/>
+              <a:buFontTx/>
+              <a:buNone/>
+              <a:tabLst/>
+              <a:defRPr/>
+            </a:pPr>
+            <a:r>
+              <a:rPr lang="zh-TW" altLang="en-US" sz="3600" b="1" dirty="0">
+                <a:solidFill>
+                  <a:srgbClr val="063944"/>
+                </a:solidFill>
+                <a:latin typeface="微軟正黑體" panose="020B0604030504040204" pitchFamily="34" charset="-120"/>
+                <a:ea typeface="微軟正黑體" panose="020B0604030504040204" pitchFamily="34" charset="-120"/>
+                <a:cs typeface="Courier New" panose="02070309020205020404" pitchFamily="49" charset="0"/>
+              </a:rPr>
+              <a:t>研究結果</a:t>
+            </a:r>
+          </a:p>
+        </p:txBody>
+      </p:sp>
+      <p:sp>
+        <p:nvSpPr>
+          <p:cNvPr id="23" name="文字方塊 22">
+            <a:extLst>
+              <a:ext uri="{FF2B5EF4-FFF2-40B4-BE49-F238E27FC236}">
+                <a16:creationId xmlns:a16="http://schemas.microsoft.com/office/drawing/2014/main" id="{7A8F2A93-7489-43ED-A87B-71E29B89CA26}"/>
+              </a:ext>
+            </a:extLst>
+          </p:cNvPr>
+          <p:cNvSpPr txBox="1"/>
+          <p:nvPr userDrawn="1"/>
+        </p:nvSpPr>
+        <p:spPr>
+          <a:xfrm>
+            <a:off x="3050607" y="5620497"/>
+            <a:ext cx="7236462" cy="646331"/>
+          </a:xfrm>
+          <a:prstGeom prst="rect">
+            <a:avLst/>
+          </a:prstGeom>
+          <a:noFill/>
+        </p:spPr>
+        <p:txBody>
+          <a:bodyPr wrap="square" rtlCol="0">
+            <a:spAutoFit/>
+          </a:bodyPr>
+          <a:lstStyle/>
+          <a:p>
+            <a:pPr algn="l"/>
+            <a:r>
+              <a:rPr lang="zh-TW" altLang="en-US" sz="3600" b="1" dirty="0">
+                <a:solidFill>
+                  <a:srgbClr val="063944"/>
+                </a:solidFill>
+                <a:latin typeface="微軟正黑體" panose="020B0604030504040204" pitchFamily="34" charset="-120"/>
+                <a:ea typeface="微軟正黑體" panose="020B0604030504040204" pitchFamily="34" charset="-120"/>
+                <a:cs typeface="Courier New" panose="02070309020205020404" pitchFamily="49" charset="0"/>
+              </a:rPr>
+              <a:t>結論</a:t>
+            </a:r>
+          </a:p>
+        </p:txBody>
+      </p:sp>
     </p:spTree>
     <p:extLst>
       <p:ext uri="{BB962C8B-B14F-4D97-AF65-F5344CB8AC3E}">
-        <p14:creationId xmlns:p14="http://schemas.microsoft.com/office/powerpoint/2010/main" val="1539667201"/>
+        <p14:creationId xmlns:p14="http://schemas.microsoft.com/office/powerpoint/2010/main" val="3475313631"/>
       </p:ext>
     </p:extLst>
   </p:cSld>
@@ -7129,7 +13736,9 @@
         </p:nvSpPr>
         <p:spPr/>
         <p:txBody>
-          <a:bodyPr/>
+          <a:bodyPr>
+            <a:normAutofit/>
+          </a:bodyPr>
           <a:lstStyle/>
           <a:p>
             <a:r>
@@ -7137,7 +13746,7 @@
                 <a:latin typeface="微軟正黑體" panose="020B0604030504040204" pitchFamily="34" charset="-120"/>
                 <a:ea typeface="微軟正黑體" panose="020B0604030504040204" pitchFamily="34" charset="-120"/>
               </a:rPr>
-              <a:t>資料集的介紹</a:t>
+              <a:t>描述問題</a:t>
             </a:r>
           </a:p>
         </p:txBody>
@@ -7147,7 +13756,7 @@
           <p:cNvPr id="4" name="圖片 3">
             <a:extLst>
               <a:ext uri="{FF2B5EF4-FFF2-40B4-BE49-F238E27FC236}">
-                <a16:creationId xmlns:a16="http://schemas.microsoft.com/office/drawing/2014/main" id="{6E094940-707F-4DBA-ACC7-D6B8E37383B8}"/>
+                <a16:creationId xmlns:a16="http://schemas.microsoft.com/office/drawing/2014/main" id="{B930A1E8-F8CF-47F7-B63C-B0F03217C84D}"/>
               </a:ext>
             </a:extLst>
           </p:cNvPr>
@@ -7156,25 +13765,156 @@
           </p:cNvPicPr>
           <p:nvPr/>
         </p:nvPicPr>
-        <p:blipFill rotWithShape="1">
+        <p:blipFill>
           <a:blip r:embed="rId2"/>
-          <a:srcRect b="4546"/>
-          <a:stretch/>
+          <a:stretch>
+            <a:fillRect/>
+          </a:stretch>
         </p:blipFill>
         <p:spPr>
           <a:xfrm>
-            <a:off x="1309036" y="2115838"/>
-            <a:ext cx="8899431" cy="4147166"/>
+            <a:off x="5642723" y="2093962"/>
+            <a:ext cx="5922252" cy="3862338"/>
           </a:xfrm>
           <a:prstGeom prst="rect">
             <a:avLst/>
           </a:prstGeom>
         </p:spPr>
       </p:pic>
+      <p:pic>
+        <p:nvPicPr>
+          <p:cNvPr id="6" name="圖片 5">
+            <a:extLst>
+              <a:ext uri="{FF2B5EF4-FFF2-40B4-BE49-F238E27FC236}">
+                <a16:creationId xmlns:a16="http://schemas.microsoft.com/office/drawing/2014/main" id="{D27F1F52-9E08-41C8-B009-4AB68B734F5B}"/>
+              </a:ext>
+            </a:extLst>
+          </p:cNvPr>
+          <p:cNvPicPr>
+            <a:picLocks noChangeAspect="1"/>
+          </p:cNvPicPr>
+          <p:nvPr/>
+        </p:nvPicPr>
+        <p:blipFill>
+          <a:blip r:embed="rId3"/>
+          <a:stretch>
+            <a:fillRect/>
+          </a:stretch>
+        </p:blipFill>
+        <p:spPr>
+          <a:xfrm>
+            <a:off x="1198747" y="3275479"/>
+            <a:ext cx="3545596" cy="946252"/>
+          </a:xfrm>
+          <a:prstGeom prst="rect">
+            <a:avLst/>
+          </a:prstGeom>
+        </p:spPr>
+      </p:pic>
+      <p:sp>
+        <p:nvSpPr>
+          <p:cNvPr id="7" name="文字方塊 6">
+            <a:extLst>
+              <a:ext uri="{FF2B5EF4-FFF2-40B4-BE49-F238E27FC236}">
+                <a16:creationId xmlns:a16="http://schemas.microsoft.com/office/drawing/2014/main" id="{E61E3D5A-A761-4E16-9DA7-C05F06713801}"/>
+              </a:ext>
+            </a:extLst>
+          </p:cNvPr>
+          <p:cNvSpPr txBox="1"/>
+          <p:nvPr/>
+        </p:nvSpPr>
+        <p:spPr>
+          <a:xfrm>
+            <a:off x="1198747" y="2297352"/>
+            <a:ext cx="4127500" cy="707886"/>
+          </a:xfrm>
+          <a:prstGeom prst="rect">
+            <a:avLst/>
+          </a:prstGeom>
+          <a:noFill/>
+        </p:spPr>
+        <p:txBody>
+          <a:bodyPr wrap="square" rtlCol="0">
+            <a:spAutoFit/>
+          </a:bodyPr>
+          <a:lstStyle/>
+          <a:p>
+            <a:r>
+              <a:rPr lang="zh-TW" altLang="en-US" sz="2000" spc="300" dirty="0">
+                <a:solidFill>
+                  <a:srgbClr val="063944"/>
+                </a:solidFill>
+                <a:latin typeface="微軟正黑體" panose="020B0604030504040204" pitchFamily="34" charset="-120"/>
+                <a:ea typeface="微軟正黑體" panose="020B0604030504040204" pitchFamily="34" charset="-120"/>
+              </a:rPr>
+              <a:t>利用</a:t>
+            </a:r>
+            <a:r>
+              <a:rPr lang="en-US" altLang="zh-TW" sz="2000" spc="300" dirty="0">
+                <a:solidFill>
+                  <a:srgbClr val="063944"/>
+                </a:solidFill>
+                <a:latin typeface="微軟正黑體" panose="020B0604030504040204" pitchFamily="34" charset="-120"/>
+                <a:ea typeface="微軟正黑體" panose="020B0604030504040204" pitchFamily="34" charset="-120"/>
+              </a:rPr>
+              <a:t>10</a:t>
+            </a:r>
+            <a:r>
+              <a:rPr lang="zh-TW" altLang="en-US" sz="2000" spc="300" dirty="0">
+                <a:solidFill>
+                  <a:srgbClr val="063944"/>
+                </a:solidFill>
+                <a:latin typeface="微軟正黑體" panose="020B0604030504040204" pitchFamily="34" charset="-120"/>
+                <a:ea typeface="微軟正黑體" panose="020B0604030504040204" pitchFamily="34" charset="-120"/>
+              </a:rPr>
+              <a:t>個特徵</a:t>
+            </a:r>
+            <a:br>
+              <a:rPr lang="en-US" altLang="zh-TW" sz="2000" spc="300" dirty="0">
+                <a:solidFill>
+                  <a:srgbClr val="063944"/>
+                </a:solidFill>
+                <a:latin typeface="微軟正黑體" panose="020B0604030504040204" pitchFamily="34" charset="-120"/>
+                <a:ea typeface="微軟正黑體" panose="020B0604030504040204" pitchFamily="34" charset="-120"/>
+              </a:rPr>
+            </a:br>
+            <a:r>
+              <a:rPr lang="zh-TW" altLang="en-US" sz="2000" spc="300" dirty="0">
+                <a:solidFill>
+                  <a:srgbClr val="063944"/>
+                </a:solidFill>
+                <a:latin typeface="微軟正黑體" panose="020B0604030504040204" pitchFamily="34" charset="-120"/>
+                <a:ea typeface="微軟正黑體" panose="020B0604030504040204" pitchFamily="34" charset="-120"/>
+              </a:rPr>
+              <a:t>判定該</a:t>
+            </a:r>
+            <a:r>
+              <a:rPr lang="en-US" altLang="zh-TW" sz="2000" spc="300" dirty="0">
+                <a:solidFill>
+                  <a:srgbClr val="063944"/>
+                </a:solidFill>
+                <a:latin typeface="微軟正黑體" panose="020B0604030504040204" pitchFamily="34" charset="-120"/>
+                <a:ea typeface="微軟正黑體" panose="020B0604030504040204" pitchFamily="34" charset="-120"/>
+              </a:rPr>
+              <a:t>USER</a:t>
+            </a:r>
+            <a:r>
+              <a:rPr lang="zh-TW" altLang="en-US" sz="2000" spc="300" dirty="0">
+                <a:solidFill>
+                  <a:srgbClr val="063944"/>
+                </a:solidFill>
+                <a:latin typeface="微軟正黑體" panose="020B0604030504040204" pitchFamily="34" charset="-120"/>
+                <a:ea typeface="微軟正黑體" panose="020B0604030504040204" pitchFamily="34" charset="-120"/>
+              </a:rPr>
+              <a:t>是否會留下</a:t>
+            </a:r>
+          </a:p>
+        </p:txBody>
+      </p:sp>
     </p:spTree>
     <p:extLst>
       <p:ext uri="{BB962C8B-B14F-4D97-AF65-F5344CB8AC3E}">
-        <p14:creationId xmlns:p14="http://schemas.microsoft.com/office/powerpoint/2010/main" val="1725709502"/>
+        <p14:creationId xmlns:p14="http://schemas.microsoft.com/office/powerpoint/2010/main" val="1641490317"/>
       </p:ext>
     </p:extLst>
   </p:cSld>
@@ -7218,7 +13958,7 @@
           <p:cNvPr id="2" name="標題 1">
             <a:extLst>
               <a:ext uri="{FF2B5EF4-FFF2-40B4-BE49-F238E27FC236}">
-                <a16:creationId xmlns:a16="http://schemas.microsoft.com/office/drawing/2014/main" id="{F6874B10-73B0-4245-BAC9-B2873DDEBE63}"/>
+                <a16:creationId xmlns:a16="http://schemas.microsoft.com/office/drawing/2014/main" id="{B81AC892-6262-4DE5-97FC-25C4EE64C4B9}"/>
               </a:ext>
             </a:extLst>
           </p:cNvPr>
@@ -7229,55 +13969,286 @@
             <p:ph type="title"/>
           </p:nvPr>
         </p:nvSpPr>
-        <p:spPr/>
+        <p:spPr>
+          <a:xfrm>
+            <a:off x="0" y="0"/>
+            <a:ext cx="12192000" cy="1325563"/>
+          </a:xfrm>
+          <a:solidFill>
+            <a:srgbClr val="197A89"/>
+          </a:solidFill>
+        </p:spPr>
         <p:txBody>
           <a:bodyPr/>
           <a:lstStyle/>
           <a:p>
             <a:r>
-              <a:rPr lang="zh-TW" altLang="en-US" spc="300" dirty="0">
-                <a:latin typeface="微軟正黑體" panose="020B0604030504040204" pitchFamily="34" charset="-120"/>
-                <a:ea typeface="微軟正黑體" panose="020B0604030504040204" pitchFamily="34" charset="-120"/>
+              <a:rPr lang="en-US" altLang="zh-TW" dirty="0">
+                <a:solidFill>
+                  <a:srgbClr val="FFFFFF"/>
+                </a:solidFill>
               </a:rPr>
-              <a:t>資料集的介紹</a:t>
-            </a:r>
-          </a:p>
-        </p:txBody>
-      </p:sp>
-      <p:pic>
-        <p:nvPicPr>
-          <p:cNvPr id="6" name="圖片 5">
-            <a:extLst>
-              <a:ext uri="{FF2B5EF4-FFF2-40B4-BE49-F238E27FC236}">
-                <a16:creationId xmlns:a16="http://schemas.microsoft.com/office/drawing/2014/main" id="{DFD42E19-76DB-4574-8F35-587A09E1F21B}"/>
-              </a:ext>
-            </a:extLst>
-          </p:cNvPr>
-          <p:cNvPicPr>
-            <a:picLocks noChangeAspect="1"/>
-          </p:cNvPicPr>
-          <p:nvPr/>
-        </p:nvPicPr>
-        <p:blipFill>
-          <a:blip r:embed="rId2"/>
-          <a:stretch>
-            <a:fillRect/>
-          </a:stretch>
-        </p:blipFill>
-        <p:spPr>
-          <a:xfrm>
-            <a:off x="1800862" y="2331541"/>
-            <a:ext cx="9297066" cy="3866921"/>
+              <a:t>CONTENT</a:t>
+            </a:r>
+            <a:endParaRPr lang="zh-TW" altLang="en-US" dirty="0">
+              <a:solidFill>
+                <a:srgbClr val="FFFFFF"/>
+              </a:solidFill>
+            </a:endParaRPr>
+          </a:p>
+        </p:txBody>
+      </p:sp>
+      <p:sp>
+        <p:nvSpPr>
+          <p:cNvPr id="7" name="文字方塊 6">
+            <a:extLst>
+              <a:ext uri="{FF2B5EF4-FFF2-40B4-BE49-F238E27FC236}">
+                <a16:creationId xmlns:a16="http://schemas.microsoft.com/office/drawing/2014/main" id="{C782779A-A9BD-4D74-B498-13CC878CA49B}"/>
+              </a:ext>
+            </a:extLst>
+          </p:cNvPr>
+          <p:cNvSpPr txBox="1"/>
+          <p:nvPr userDrawn="1"/>
+        </p:nvSpPr>
+        <p:spPr>
+          <a:xfrm>
+            <a:off x="3050607" y="1645634"/>
+            <a:ext cx="7236462" cy="646331"/>
           </a:xfrm>
           <a:prstGeom prst="rect">
             <a:avLst/>
           </a:prstGeom>
-        </p:spPr>
-      </p:pic>
+          <a:noFill/>
+        </p:spPr>
+        <p:txBody>
+          <a:bodyPr wrap="square" rtlCol="0">
+            <a:spAutoFit/>
+          </a:bodyPr>
+          <a:lstStyle/>
+          <a:p>
+            <a:pPr algn="l"/>
+            <a:r>
+              <a:rPr lang="zh-TW" altLang="en-US" sz="3600" b="1" dirty="0">
+                <a:solidFill>
+                  <a:srgbClr val="063944"/>
+                </a:solidFill>
+                <a:latin typeface="微軟正黑體" panose="020B0604030504040204" pitchFamily="34" charset="-120"/>
+                <a:ea typeface="微軟正黑體" panose="020B0604030504040204" pitchFamily="34" charset="-120"/>
+                <a:cs typeface="Courier New" panose="02070309020205020404" pitchFamily="49" charset="0"/>
+              </a:rPr>
+              <a:t>資料集的介紹</a:t>
+            </a:r>
+          </a:p>
+        </p:txBody>
+      </p:sp>
+      <p:sp>
+        <p:nvSpPr>
+          <p:cNvPr id="11" name="文字方塊 10">
+            <a:extLst>
+              <a:ext uri="{FF2B5EF4-FFF2-40B4-BE49-F238E27FC236}">
+                <a16:creationId xmlns:a16="http://schemas.microsoft.com/office/drawing/2014/main" id="{3CE26CD4-E2CF-44E2-9C6F-106C9F9144BF}"/>
+              </a:ext>
+            </a:extLst>
+          </p:cNvPr>
+          <p:cNvSpPr txBox="1"/>
+          <p:nvPr userDrawn="1"/>
+        </p:nvSpPr>
+        <p:spPr>
+          <a:xfrm>
+            <a:off x="3050607" y="2673630"/>
+            <a:ext cx="7236462" cy="646331"/>
+          </a:xfrm>
+          <a:prstGeom prst="rect">
+            <a:avLst/>
+          </a:prstGeom>
+          <a:noFill/>
+        </p:spPr>
+        <p:txBody>
+          <a:bodyPr wrap="square" rtlCol="0">
+            <a:spAutoFit/>
+          </a:bodyPr>
+          <a:lstStyle/>
+          <a:p>
+            <a:pPr marL="0" marR="0" lvl="0" indent="0" algn="l" defTabSz="914400" rtl="0" eaLnBrk="1" fontAlgn="auto" latinLnBrk="0" hangingPunct="1">
+              <a:lnSpc>
+                <a:spcPct val="100000"/>
+              </a:lnSpc>
+              <a:spcBef>
+                <a:spcPts val="0"/>
+              </a:spcBef>
+              <a:spcAft>
+                <a:spcPts val="0"/>
+              </a:spcAft>
+              <a:buClrTx/>
+              <a:buSzTx/>
+              <a:buFontTx/>
+              <a:buNone/>
+              <a:tabLst/>
+              <a:defRPr/>
+            </a:pPr>
+            <a:r>
+              <a:rPr lang="zh-TW" altLang="en-US" sz="3600" b="1" dirty="0">
+                <a:solidFill>
+                  <a:srgbClr val="063944"/>
+                </a:solidFill>
+                <a:latin typeface="微軟正黑體" panose="020B0604030504040204" pitchFamily="34" charset="-120"/>
+                <a:ea typeface="微軟正黑體" panose="020B0604030504040204" pitchFamily="34" charset="-120"/>
+                <a:cs typeface="Courier New" panose="02070309020205020404" pitchFamily="49" charset="0"/>
+              </a:rPr>
+              <a:t>描述問題</a:t>
+            </a:r>
+          </a:p>
+        </p:txBody>
+      </p:sp>
+      <p:sp>
+        <p:nvSpPr>
+          <p:cNvPr id="15" name="文字方塊 14">
+            <a:extLst>
+              <a:ext uri="{FF2B5EF4-FFF2-40B4-BE49-F238E27FC236}">
+                <a16:creationId xmlns:a16="http://schemas.microsoft.com/office/drawing/2014/main" id="{5C005173-9968-4535-A86F-BBB692852391}"/>
+              </a:ext>
+            </a:extLst>
+          </p:cNvPr>
+          <p:cNvSpPr txBox="1"/>
+          <p:nvPr userDrawn="1"/>
+        </p:nvSpPr>
+        <p:spPr>
+          <a:xfrm>
+            <a:off x="3050607" y="3687693"/>
+            <a:ext cx="7400290" cy="646331"/>
+          </a:xfrm>
+          <a:prstGeom prst="rect">
+            <a:avLst/>
+          </a:prstGeom>
+          <a:noFill/>
+        </p:spPr>
+        <p:txBody>
+          <a:bodyPr wrap="square" rtlCol="0">
+            <a:spAutoFit/>
+          </a:bodyPr>
+          <a:lstStyle/>
+          <a:p>
+            <a:pPr algn="l"/>
+            <a:r>
+              <a:rPr lang="zh-TW" altLang="en-US" sz="3600" b="1" dirty="0">
+                <a:solidFill>
+                  <a:srgbClr val="CB5C2E"/>
+                </a:solidFill>
+                <a:latin typeface="微軟正黑體" panose="020B0604030504040204" pitchFamily="34" charset="-120"/>
+                <a:ea typeface="微軟正黑體" panose="020B0604030504040204" pitchFamily="34" charset="-120"/>
+                <a:cs typeface="Courier New" panose="02070309020205020404" pitchFamily="49" charset="0"/>
+              </a:rPr>
+              <a:t>研究方法</a:t>
+            </a:r>
+          </a:p>
+        </p:txBody>
+      </p:sp>
+      <p:sp>
+        <p:nvSpPr>
+          <p:cNvPr id="19" name="文字方塊 18">
+            <a:extLst>
+              <a:ext uri="{FF2B5EF4-FFF2-40B4-BE49-F238E27FC236}">
+                <a16:creationId xmlns:a16="http://schemas.microsoft.com/office/drawing/2014/main" id="{5FF07098-B576-4EA2-8D05-FE82D6152590}"/>
+              </a:ext>
+            </a:extLst>
+          </p:cNvPr>
+          <p:cNvSpPr txBox="1"/>
+          <p:nvPr userDrawn="1"/>
+        </p:nvSpPr>
+        <p:spPr>
+          <a:xfrm>
+            <a:off x="3050607" y="4654095"/>
+            <a:ext cx="7236462" cy="646331"/>
+          </a:xfrm>
+          <a:prstGeom prst="rect">
+            <a:avLst/>
+          </a:prstGeom>
+          <a:noFill/>
+        </p:spPr>
+        <p:txBody>
+          <a:bodyPr wrap="square" rtlCol="0">
+            <a:spAutoFit/>
+          </a:bodyPr>
+          <a:lstStyle/>
+          <a:p>
+            <a:pPr marL="0" marR="0" lvl="0" indent="0" algn="l" defTabSz="914400" rtl="0" eaLnBrk="1" fontAlgn="auto" latinLnBrk="0" hangingPunct="1">
+              <a:lnSpc>
+                <a:spcPct val="100000"/>
+              </a:lnSpc>
+              <a:spcBef>
+                <a:spcPts val="0"/>
+              </a:spcBef>
+              <a:spcAft>
+                <a:spcPts val="0"/>
+              </a:spcAft>
+              <a:buClrTx/>
+              <a:buSzTx/>
+              <a:buFontTx/>
+              <a:buNone/>
+              <a:tabLst/>
+              <a:defRPr/>
+            </a:pPr>
+            <a:r>
+              <a:rPr lang="zh-TW" altLang="en-US" sz="3600" b="1" dirty="0">
+                <a:solidFill>
+                  <a:srgbClr val="063944"/>
+                </a:solidFill>
+                <a:latin typeface="微軟正黑體" panose="020B0604030504040204" pitchFamily="34" charset="-120"/>
+                <a:ea typeface="微軟正黑體" panose="020B0604030504040204" pitchFamily="34" charset="-120"/>
+                <a:cs typeface="Courier New" panose="02070309020205020404" pitchFamily="49" charset="0"/>
+              </a:rPr>
+              <a:t>研究結果</a:t>
+            </a:r>
+          </a:p>
+        </p:txBody>
+      </p:sp>
+      <p:sp>
+        <p:nvSpPr>
+          <p:cNvPr id="23" name="文字方塊 22">
+            <a:extLst>
+              <a:ext uri="{FF2B5EF4-FFF2-40B4-BE49-F238E27FC236}">
+                <a16:creationId xmlns:a16="http://schemas.microsoft.com/office/drawing/2014/main" id="{7A8F2A93-7489-43ED-A87B-71E29B89CA26}"/>
+              </a:ext>
+            </a:extLst>
+          </p:cNvPr>
+          <p:cNvSpPr txBox="1"/>
+          <p:nvPr userDrawn="1"/>
+        </p:nvSpPr>
+        <p:spPr>
+          <a:xfrm>
+            <a:off x="3050607" y="5620497"/>
+            <a:ext cx="7236462" cy="646331"/>
+          </a:xfrm>
+          <a:prstGeom prst="rect">
+            <a:avLst/>
+          </a:prstGeom>
+          <a:noFill/>
+        </p:spPr>
+        <p:txBody>
+          <a:bodyPr wrap="square" rtlCol="0">
+            <a:spAutoFit/>
+          </a:bodyPr>
+          <a:lstStyle/>
+          <a:p>
+            <a:pPr algn="l"/>
+            <a:r>
+              <a:rPr lang="zh-TW" altLang="en-US" sz="3600" b="1" dirty="0">
+                <a:solidFill>
+                  <a:srgbClr val="063944"/>
+                </a:solidFill>
+                <a:latin typeface="微軟正黑體" panose="020B0604030504040204" pitchFamily="34" charset="-120"/>
+                <a:ea typeface="微軟正黑體" panose="020B0604030504040204" pitchFamily="34" charset="-120"/>
+                <a:cs typeface="Courier New" panose="02070309020205020404" pitchFamily="49" charset="0"/>
+              </a:rPr>
+              <a:t>結論</a:t>
+            </a:r>
+          </a:p>
+        </p:txBody>
+      </p:sp>
     </p:spTree>
     <p:extLst>
       <p:ext uri="{BB962C8B-B14F-4D97-AF65-F5344CB8AC3E}">
-        <p14:creationId xmlns:p14="http://schemas.microsoft.com/office/powerpoint/2010/main" val="69986126"/>
+        <p14:creationId xmlns:p14="http://schemas.microsoft.com/office/powerpoint/2010/main" val="1672339406"/>
       </p:ext>
     </p:extLst>
   </p:cSld>
@@ -7338,151 +14309,278 @@
           <a:lstStyle/>
           <a:p>
             <a:r>
-              <a:rPr lang="zh-TW" altLang="en-US" spc="300" dirty="0">
+              <a:rPr lang="en-US" altLang="zh-TW" spc="300" dirty="0">
                 <a:latin typeface="微軟正黑體" panose="020B0604030504040204" pitchFamily="34" charset="-120"/>
                 <a:ea typeface="微軟正黑體" panose="020B0604030504040204" pitchFamily="34" charset="-120"/>
               </a:rPr>
-              <a:t>資料集的介紹</a:t>
-            </a:r>
-          </a:p>
-        </p:txBody>
-      </p:sp>
-      <p:pic>
-        <p:nvPicPr>
-          <p:cNvPr id="4" name="圖片 3">
-            <a:extLst>
-              <a:ext uri="{FF2B5EF4-FFF2-40B4-BE49-F238E27FC236}">
-                <a16:creationId xmlns:a16="http://schemas.microsoft.com/office/drawing/2014/main" id="{0A8B1C74-FDE2-41C3-99BB-F9F308827E8F}"/>
-              </a:ext>
-            </a:extLst>
-          </p:cNvPr>
-          <p:cNvPicPr>
-            <a:picLocks noChangeAspect="1"/>
-          </p:cNvPicPr>
+              <a:t>Decision Tree</a:t>
+            </a:r>
+            <a:endParaRPr lang="zh-TW" altLang="en-US" spc="300" dirty="0">
+              <a:latin typeface="微軟正黑體" panose="020B0604030504040204" pitchFamily="34" charset="-120"/>
+              <a:ea typeface="微軟正黑體" panose="020B0604030504040204" pitchFamily="34" charset="-120"/>
+            </a:endParaRPr>
+          </a:p>
+        </p:txBody>
+      </p:sp>
+      <p:sp>
+        <p:nvSpPr>
+          <p:cNvPr id="3" name="矩形 2">
+            <a:extLst>
+              <a:ext uri="{FF2B5EF4-FFF2-40B4-BE49-F238E27FC236}">
+                <a16:creationId xmlns:a16="http://schemas.microsoft.com/office/drawing/2014/main" id="{36A138E0-7E37-4EC6-AD74-83746AE59907}"/>
+              </a:ext>
+            </a:extLst>
+          </p:cNvPr>
+          <p:cNvSpPr/>
           <p:nvPr/>
-        </p:nvPicPr>
-        <p:blipFill>
-          <a:blip r:embed="rId2"/>
-          <a:stretch>
-            <a:fillRect/>
-          </a:stretch>
-        </p:blipFill>
-        <p:spPr>
-          <a:xfrm>
-            <a:off x="6411637" y="4346246"/>
-            <a:ext cx="4228571" cy="1438095"/>
+        </p:nvSpPr>
+        <p:spPr>
+          <a:xfrm>
+            <a:off x="1206500" y="2034731"/>
+            <a:ext cx="3581400" cy="3693319"/>
           </a:xfrm>
           <a:prstGeom prst="rect">
             <a:avLst/>
           </a:prstGeom>
         </p:spPr>
-      </p:pic>
-      <p:pic>
-        <p:nvPicPr>
-          <p:cNvPr id="5" name="圖片 4">
-            <a:extLst>
-              <a:ext uri="{FF2B5EF4-FFF2-40B4-BE49-F238E27FC236}">
-                <a16:creationId xmlns:a16="http://schemas.microsoft.com/office/drawing/2014/main" id="{9024A8D8-7A4A-4C35-B476-A3A18BFA7E5C}"/>
-              </a:ext>
-            </a:extLst>
-          </p:cNvPr>
-          <p:cNvPicPr>
-            <a:picLocks noChangeAspect="1"/>
-          </p:cNvPicPr>
-          <p:nvPr/>
-        </p:nvPicPr>
-        <p:blipFill>
-          <a:blip r:embed="rId3"/>
-          <a:stretch>
-            <a:fillRect/>
-          </a:stretch>
-        </p:blipFill>
-        <p:spPr>
-          <a:xfrm>
-            <a:off x="6506875" y="1764135"/>
-            <a:ext cx="4133333" cy="1495238"/>
-          </a:xfrm>
-          <a:prstGeom prst="rect">
-            <a:avLst/>
-          </a:prstGeom>
-        </p:spPr>
-      </p:pic>
-      <p:sp>
-        <p:nvSpPr>
-          <p:cNvPr id="7" name="文字方塊 6">
-            <a:extLst>
-              <a:ext uri="{FF2B5EF4-FFF2-40B4-BE49-F238E27FC236}">
-                <a16:creationId xmlns:a16="http://schemas.microsoft.com/office/drawing/2014/main" id="{8E70FBBD-B175-4887-BF0F-B594A4A5964B}"/>
-              </a:ext>
-            </a:extLst>
-          </p:cNvPr>
-          <p:cNvSpPr txBox="1"/>
-          <p:nvPr/>
-        </p:nvSpPr>
-        <p:spPr>
-          <a:xfrm>
-            <a:off x="2666198" y="2464067"/>
-            <a:ext cx="1559293" cy="369332"/>
-          </a:xfrm>
-          <a:prstGeom prst="rect">
-            <a:avLst/>
-          </a:prstGeom>
-          <a:noFill/>
-        </p:spPr>
-        <p:txBody>
-          <a:bodyPr wrap="square" rtlCol="0">
+        <p:txBody>
+          <a:bodyPr wrap="square">
             <a:spAutoFit/>
           </a:bodyPr>
           <a:lstStyle/>
           <a:p>
             <a:r>
-              <a:rPr lang="en-US" altLang="zh-TW" dirty="0"/>
-              <a:t>GINI</a:t>
-            </a:r>
-            <a:endParaRPr lang="zh-TW" altLang="en-US" dirty="0"/>
-          </a:p>
-        </p:txBody>
-      </p:sp>
-      <p:sp>
-        <p:nvSpPr>
-          <p:cNvPr id="8" name="文字方塊 7">
-            <a:extLst>
-              <a:ext uri="{FF2B5EF4-FFF2-40B4-BE49-F238E27FC236}">
-                <a16:creationId xmlns:a16="http://schemas.microsoft.com/office/drawing/2014/main" id="{5AFD39F7-87D1-442C-B507-D84977D67652}"/>
-              </a:ext>
-            </a:extLst>
-          </p:cNvPr>
-          <p:cNvSpPr txBox="1"/>
+              <a:rPr lang="zh-TW" altLang="en-US" spc="600" dirty="0">
+                <a:solidFill>
+                  <a:srgbClr val="063944"/>
+                </a:solidFill>
+                <a:latin typeface="微軟正黑體" panose="020B0604030504040204" pitchFamily="34" charset="-120"/>
+                <a:ea typeface="微軟正黑體" panose="020B0604030504040204" pitchFamily="34" charset="-120"/>
+              </a:rPr>
+              <a:t>決策樹會根據訓練資料產生一棵樹，依據訓練出來的規則來對新樣本進行預測。決策樹演算法可以使用不同的方式來評估分枝的好壞</a:t>
+            </a:r>
+            <a:r>
+              <a:rPr lang="en-US" altLang="zh-TW" spc="600" dirty="0">
+                <a:solidFill>
+                  <a:srgbClr val="063944"/>
+                </a:solidFill>
+                <a:latin typeface="微軟正黑體" panose="020B0604030504040204" pitchFamily="34" charset="-120"/>
+                <a:ea typeface="微軟正黑體" panose="020B0604030504040204" pitchFamily="34" charset="-120"/>
+              </a:rPr>
+              <a:t>(</a:t>
+            </a:r>
+            <a:r>
+              <a:rPr lang="zh-TW" altLang="en-US" spc="600" dirty="0">
+                <a:solidFill>
+                  <a:srgbClr val="063944"/>
+                </a:solidFill>
+                <a:latin typeface="微軟正黑體" panose="020B0604030504040204" pitchFamily="34" charset="-120"/>
+                <a:ea typeface="微軟正黑體" panose="020B0604030504040204" pitchFamily="34" charset="-120"/>
+              </a:rPr>
+              <a:t>亂度</a:t>
+            </a:r>
+            <a:r>
+              <a:rPr lang="en-US" altLang="zh-TW" spc="600" dirty="0">
+                <a:solidFill>
+                  <a:srgbClr val="063944"/>
+                </a:solidFill>
+                <a:latin typeface="微軟正黑體" panose="020B0604030504040204" pitchFamily="34" charset="-120"/>
+                <a:ea typeface="微軟正黑體" panose="020B0604030504040204" pitchFamily="34" charset="-120"/>
+              </a:rPr>
+              <a:t>)</a:t>
+            </a:r>
+            <a:r>
+              <a:rPr lang="zh-TW" altLang="en-US" spc="600" dirty="0">
+                <a:solidFill>
+                  <a:srgbClr val="063944"/>
+                </a:solidFill>
+                <a:latin typeface="微軟正黑體" panose="020B0604030504040204" pitchFamily="34" charset="-120"/>
+                <a:ea typeface="微軟正黑體" panose="020B0604030504040204" pitchFamily="34" charset="-120"/>
+              </a:rPr>
+              <a:t>，例如像是 </a:t>
+            </a:r>
+            <a:r>
+              <a:rPr lang="en-US" altLang="zh-TW" spc="600" dirty="0">
+                <a:solidFill>
+                  <a:srgbClr val="063944"/>
+                </a:solidFill>
+                <a:latin typeface="微軟正黑體" panose="020B0604030504040204" pitchFamily="34" charset="-120"/>
+                <a:ea typeface="微軟正黑體" panose="020B0604030504040204" pitchFamily="34" charset="-120"/>
+              </a:rPr>
+              <a:t>Information gain</a:t>
+            </a:r>
+            <a:r>
+              <a:rPr lang="zh-TW" altLang="en-US" spc="600" dirty="0">
+                <a:solidFill>
+                  <a:srgbClr val="063944"/>
+                </a:solidFill>
+                <a:latin typeface="微軟正黑體" panose="020B0604030504040204" pitchFamily="34" charset="-120"/>
+                <a:ea typeface="微軟正黑體" panose="020B0604030504040204" pitchFamily="34" charset="-120"/>
+              </a:rPr>
+              <a:t>、</a:t>
+            </a:r>
+            <a:r>
+              <a:rPr lang="en-US" altLang="zh-TW" spc="600" dirty="0">
+                <a:solidFill>
+                  <a:srgbClr val="063944"/>
+                </a:solidFill>
+                <a:latin typeface="微軟正黑體" panose="020B0604030504040204" pitchFamily="34" charset="-120"/>
+                <a:ea typeface="微軟正黑體" panose="020B0604030504040204" pitchFamily="34" charset="-120"/>
+              </a:rPr>
+              <a:t>Gain ratio</a:t>
+            </a:r>
+            <a:r>
+              <a:rPr lang="zh-TW" altLang="en-US" spc="600" dirty="0">
+                <a:solidFill>
+                  <a:srgbClr val="063944"/>
+                </a:solidFill>
+                <a:latin typeface="微軟正黑體" panose="020B0604030504040204" pitchFamily="34" charset="-120"/>
+                <a:ea typeface="微軟正黑體" panose="020B0604030504040204" pitchFamily="34" charset="-120"/>
+              </a:rPr>
+              <a:t>、</a:t>
+            </a:r>
+            <a:r>
+              <a:rPr lang="en-US" altLang="zh-TW" spc="600" dirty="0">
+                <a:solidFill>
+                  <a:srgbClr val="063944"/>
+                </a:solidFill>
+                <a:latin typeface="微軟正黑體" panose="020B0604030504040204" pitchFamily="34" charset="-120"/>
+                <a:ea typeface="微軟正黑體" panose="020B0604030504040204" pitchFamily="34" charset="-120"/>
+              </a:rPr>
+              <a:t>Gini index</a:t>
+            </a:r>
+            <a:r>
+              <a:rPr lang="zh-TW" altLang="en-US" spc="600" dirty="0">
+                <a:solidFill>
+                  <a:srgbClr val="063944"/>
+                </a:solidFill>
+                <a:latin typeface="微軟正黑體" panose="020B0604030504040204" pitchFamily="34" charset="-120"/>
+                <a:ea typeface="微軟正黑體" panose="020B0604030504040204" pitchFamily="34" charset="-120"/>
+              </a:rPr>
+              <a:t>。依據訓練資料找出合適的規則，最終生成一個規則樹來決策所有事情，其目的使每一個決策能夠使訊息增益最大化。</a:t>
+            </a:r>
+          </a:p>
+        </p:txBody>
+      </p:sp>
+      <p:grpSp>
+        <p:nvGrpSpPr>
+          <p:cNvPr id="6" name="群組 5">
+            <a:extLst>
+              <a:ext uri="{FF2B5EF4-FFF2-40B4-BE49-F238E27FC236}">
+                <a16:creationId xmlns:a16="http://schemas.microsoft.com/office/drawing/2014/main" id="{736678AE-DC84-4023-954F-018F288FA91B}"/>
+              </a:ext>
+            </a:extLst>
+          </p:cNvPr>
+          <p:cNvGrpSpPr/>
           <p:nvPr/>
-        </p:nvSpPr>
-        <p:spPr>
-          <a:xfrm>
-            <a:off x="2666198" y="4880627"/>
-            <a:ext cx="1559293" cy="369332"/>
-          </a:xfrm>
-          <a:prstGeom prst="rect">
-            <a:avLst/>
-          </a:prstGeom>
-          <a:noFill/>
-        </p:spPr>
-        <p:txBody>
-          <a:bodyPr wrap="square" rtlCol="0">
-            <a:spAutoFit/>
-          </a:bodyPr>
-          <a:lstStyle/>
-          <a:p>
-            <a:r>
-              <a:rPr lang="en-US" altLang="zh-TW" dirty="0"/>
-              <a:t>entropy</a:t>
-            </a:r>
-            <a:endParaRPr lang="zh-TW" altLang="en-US" dirty="0"/>
-          </a:p>
-        </p:txBody>
-      </p:sp>
+        </p:nvGrpSpPr>
+        <p:grpSpPr>
+          <a:xfrm>
+            <a:off x="5700829" y="2283194"/>
+            <a:ext cx="5627571" cy="3196392"/>
+            <a:chOff x="5815129" y="2439325"/>
+            <a:chExt cx="5627571" cy="3196392"/>
+          </a:xfrm>
+        </p:grpSpPr>
+        <p:pic>
+          <p:nvPicPr>
+            <p:cNvPr id="1026" name="Picture 2" descr="Decision tree - Cover Image">
+              <a:extLst>
+                <a:ext uri="{FF2B5EF4-FFF2-40B4-BE49-F238E27FC236}">
+                  <a16:creationId xmlns:a16="http://schemas.microsoft.com/office/drawing/2014/main" id="{727C9110-E67B-4F44-B75A-6AE8FC1F53DC}"/>
+                </a:ext>
+              </a:extLst>
+            </p:cNvPr>
+            <p:cNvPicPr>
+              <a:picLocks noChangeAspect="1" noChangeArrowheads="1"/>
+            </p:cNvPicPr>
+            <p:nvPr/>
+          </p:nvPicPr>
+          <p:blipFill>
+            <a:blip r:embed="rId2">
+              <a:extLst>
+                <a:ext uri="{28A0092B-C50C-407E-A947-70E740481C1C}">
+                  <a14:useLocalDpi xmlns:a14="http://schemas.microsoft.com/office/drawing/2010/main" val="0"/>
+                </a:ext>
+              </a:extLst>
+            </a:blip>
+            <a:srcRect/>
+            <a:stretch>
+              <a:fillRect/>
+            </a:stretch>
+          </p:blipFill>
+          <p:spPr bwMode="auto">
+            <a:xfrm>
+              <a:off x="5815129" y="2439325"/>
+              <a:ext cx="5627571" cy="2884130"/>
+            </a:xfrm>
+            <a:prstGeom prst="rect">
+              <a:avLst/>
+            </a:prstGeom>
+            <a:noFill/>
+            <a:extLst>
+              <a:ext uri="{909E8E84-426E-40DD-AFC4-6F175D3DCCD1}">
+                <a14:hiddenFill xmlns:a14="http://schemas.microsoft.com/office/drawing/2010/main">
+                  <a:solidFill>
+                    <a:srgbClr val="FFFFFF"/>
+                  </a:solidFill>
+                </a14:hiddenFill>
+              </a:ext>
+            </a:extLst>
+          </p:spPr>
+        </p:pic>
+        <p:sp>
+          <p:nvSpPr>
+            <p:cNvPr id="34" name="矩形 33">
+              <a:extLst>
+                <a:ext uri="{FF2B5EF4-FFF2-40B4-BE49-F238E27FC236}">
+                  <a16:creationId xmlns:a16="http://schemas.microsoft.com/office/drawing/2014/main" id="{93F42349-647A-46FD-AEFA-C97A2B323A61}"/>
+                </a:ext>
+              </a:extLst>
+            </p:cNvPr>
+            <p:cNvSpPr/>
+            <p:nvPr/>
+          </p:nvSpPr>
+          <p:spPr>
+            <a:xfrm>
+              <a:off x="5815129" y="5358718"/>
+              <a:ext cx="5627570" cy="276999"/>
+            </a:xfrm>
+            <a:prstGeom prst="rect">
+              <a:avLst/>
+            </a:prstGeom>
+          </p:spPr>
+          <p:txBody>
+            <a:bodyPr wrap="square">
+              <a:spAutoFit/>
+            </a:bodyPr>
+            <a:lstStyle/>
+            <a:p>
+              <a:r>
+                <a:rPr lang="en-US" altLang="zh-TW" sz="1200" dirty="0">
+                  <a:solidFill>
+                    <a:srgbClr val="063944"/>
+                  </a:solidFill>
+                  <a:latin typeface="微軟正黑體" panose="020B0604030504040204" pitchFamily="34" charset="-120"/>
+                  <a:ea typeface="微軟正黑體" panose="020B0604030504040204" pitchFamily="34" charset="-120"/>
+                </a:rPr>
+                <a:t>(photo from :https://studyonline.unsw.edu.au/blog/decision-trees)</a:t>
+              </a:r>
+              <a:endParaRPr lang="zh-TW" altLang="en-US" sz="1200" dirty="0">
+                <a:solidFill>
+                  <a:srgbClr val="063944"/>
+                </a:solidFill>
+                <a:latin typeface="微軟正黑體" panose="020B0604030504040204" pitchFamily="34" charset="-120"/>
+                <a:ea typeface="微軟正黑體" panose="020B0604030504040204" pitchFamily="34" charset="-120"/>
+              </a:endParaRPr>
+            </a:p>
+          </p:txBody>
+        </p:sp>
+      </p:grpSp>
     </p:spTree>
     <p:extLst>
       <p:ext uri="{BB962C8B-B14F-4D97-AF65-F5344CB8AC3E}">
-        <p14:creationId xmlns:p14="http://schemas.microsoft.com/office/powerpoint/2010/main" val="2962683467"/>
+        <p14:creationId xmlns:p14="http://schemas.microsoft.com/office/powerpoint/2010/main" val="663766827"/>
       </p:ext>
     </p:extLst>
   </p:cSld>
